--- a/presentation/presentation.pptx
+++ b/presentation/presentation.pptx
@@ -5,7 +5,7 @@
     <p:sldMasterId id="2147483648" r:id="rId1"/>
   </p:sldMasterIdLst>
   <p:notesMasterIdLst>
-    <p:notesMasterId r:id="rId9"/>
+    <p:notesMasterId r:id="rId14"/>
   </p:notesMasterIdLst>
   <p:sldIdLst>
     <p:sldId id="256" r:id="rId2"/>
@@ -13,8 +13,13 @@
     <p:sldId id="258" r:id="rId4"/>
     <p:sldId id="259" r:id="rId5"/>
     <p:sldId id="260" r:id="rId6"/>
-    <p:sldId id="262" r:id="rId7"/>
-    <p:sldId id="261" r:id="rId8"/>
+    <p:sldId id="261" r:id="rId7"/>
+    <p:sldId id="262" r:id="rId8"/>
+    <p:sldId id="263" r:id="rId9"/>
+    <p:sldId id="264" r:id="rId10"/>
+    <p:sldId id="266" r:id="rId11"/>
+    <p:sldId id="265" r:id="rId12"/>
+    <p:sldId id="267" r:id="rId13"/>
   </p:sldIdLst>
   <p:sldSz cx="12192000" cy="6858000"/>
   <p:notesSz cx="6858000" cy="9144000"/>
@@ -203,7 +208,7 @@
           <a:p>
             <a:fld id="{89219E45-9071-5D4A-8911-E7A523ADC39E}" type="datetimeFigureOut">
               <a:rPr lang="en-US" smtClean="0"/>
-              <a:t>7/3/15</a:t>
+              <a:t>7/4/15</a:t>
             </a:fld>
             <a:endParaRPr lang="en-US"/>
           </a:p>
@@ -956,7 +961,7 @@
           <a:p>
             <a:fld id="{E61DDD68-590D-D545-9AA0-F8F6262EE4F1}" type="slidenum">
               <a:rPr lang="en-US" smtClean="0"/>
-              <a:t>6</a:t>
+              <a:t>7</a:t>
             </a:fld>
             <a:endParaRPr lang="en-US"/>
           </a:p>
@@ -966,6 +971,90 @@
     <p:extLst>
       <p:ext uri="{BB962C8B-B14F-4D97-AF65-F5344CB8AC3E}">
         <p14:creationId xmlns:p14="http://schemas.microsoft.com/office/powerpoint/2010/main" val="1282291499"/>
+      </p:ext>
+    </p:extLst>
+  </p:cSld>
+  <p:clrMapOvr>
+    <a:masterClrMapping/>
+  </p:clrMapOvr>
+</p:notes>
+</file>
+
+<file path=ppt/notesSlides/notesSlide7.xml><?xml version="1.0" encoding="utf-8"?>
+<p:notes xmlns:a="http://schemas.openxmlformats.org/drawingml/2006/main" xmlns:r="http://schemas.openxmlformats.org/officeDocument/2006/relationships" xmlns:p="http://schemas.openxmlformats.org/presentationml/2006/main">
+  <p:cSld>
+    <p:spTree>
+      <p:nvGrpSpPr>
+        <p:cNvPr id="1" name=""/>
+        <p:cNvGrpSpPr/>
+        <p:nvPr/>
+      </p:nvGrpSpPr>
+      <p:grpSpPr>
+        <a:xfrm>
+          <a:off x="0" y="0"/>
+          <a:ext cx="0" cy="0"/>
+          <a:chOff x="0" y="0"/>
+          <a:chExt cx="0" cy="0"/>
+        </a:xfrm>
+      </p:grpSpPr>
+      <p:sp>
+        <p:nvSpPr>
+          <p:cNvPr id="2" name="Slide Image Placeholder 1"/>
+          <p:cNvSpPr>
+            <a:spLocks noGrp="1" noRot="1" noChangeAspect="1"/>
+          </p:cNvSpPr>
+          <p:nvPr>
+            <p:ph type="sldImg"/>
+          </p:nvPr>
+        </p:nvSpPr>
+        <p:spPr/>
+      </p:sp>
+      <p:sp>
+        <p:nvSpPr>
+          <p:cNvPr id="3" name="Notes Placeholder 2"/>
+          <p:cNvSpPr>
+            <a:spLocks noGrp="1"/>
+          </p:cNvSpPr>
+          <p:nvPr>
+            <p:ph type="body" idx="1"/>
+          </p:nvPr>
+        </p:nvSpPr>
+        <p:spPr/>
+        <p:txBody>
+          <a:bodyPr/>
+          <a:lstStyle/>
+          <a:p>
+            <a:endParaRPr lang="en-US" dirty="0"/>
+          </a:p>
+        </p:txBody>
+      </p:sp>
+      <p:sp>
+        <p:nvSpPr>
+          <p:cNvPr id="4" name="Slide Number Placeholder 3"/>
+          <p:cNvSpPr>
+            <a:spLocks noGrp="1"/>
+          </p:cNvSpPr>
+          <p:nvPr>
+            <p:ph type="sldNum" sz="quarter" idx="10"/>
+          </p:nvPr>
+        </p:nvSpPr>
+        <p:spPr/>
+        <p:txBody>
+          <a:bodyPr/>
+          <a:lstStyle/>
+          <a:p>
+            <a:fld id="{E61DDD68-590D-D545-9AA0-F8F6262EE4F1}" type="slidenum">
+              <a:rPr lang="en-US" smtClean="0"/>
+              <a:t>8</a:t>
+            </a:fld>
+            <a:endParaRPr lang="en-US"/>
+          </a:p>
+        </p:txBody>
+      </p:sp>
+    </p:spTree>
+    <p:extLst>
+      <p:ext uri="{BB962C8B-B14F-4D97-AF65-F5344CB8AC3E}">
+        <p14:creationId xmlns:p14="http://schemas.microsoft.com/office/powerpoint/2010/main" val="1540383426"/>
       </p:ext>
     </p:extLst>
   </p:cSld>
@@ -1106,7 +1195,7 @@
           <a:p>
             <a:fld id="{0408543B-E886-7644-849C-D7DD9FE17ADD}" type="datetimeFigureOut">
               <a:rPr lang="en-US" smtClean="0"/>
-              <a:t>7/3/15</a:t>
+              <a:t>7/4/15</a:t>
             </a:fld>
             <a:endParaRPr lang="en-US"/>
           </a:p>
@@ -1276,7 +1365,7 @@
           <a:p>
             <a:fld id="{0408543B-E886-7644-849C-D7DD9FE17ADD}" type="datetimeFigureOut">
               <a:rPr lang="en-US" smtClean="0"/>
-              <a:t>7/3/15</a:t>
+              <a:t>7/4/15</a:t>
             </a:fld>
             <a:endParaRPr lang="en-US"/>
           </a:p>
@@ -1456,7 +1545,7 @@
           <a:p>
             <a:fld id="{0408543B-E886-7644-849C-D7DD9FE17ADD}" type="datetimeFigureOut">
               <a:rPr lang="en-US" smtClean="0"/>
-              <a:t>7/3/15</a:t>
+              <a:t>7/4/15</a:t>
             </a:fld>
             <a:endParaRPr lang="en-US"/>
           </a:p>
@@ -1626,7 +1715,7 @@
           <a:p>
             <a:fld id="{0408543B-E886-7644-849C-D7DD9FE17ADD}" type="datetimeFigureOut">
               <a:rPr lang="en-US" smtClean="0"/>
-              <a:t>7/3/15</a:t>
+              <a:t>7/4/15</a:t>
             </a:fld>
             <a:endParaRPr lang="en-US"/>
           </a:p>
@@ -1872,7 +1961,7 @@
           <a:p>
             <a:fld id="{0408543B-E886-7644-849C-D7DD9FE17ADD}" type="datetimeFigureOut">
               <a:rPr lang="en-US" smtClean="0"/>
-              <a:t>7/3/15</a:t>
+              <a:t>7/4/15</a:t>
             </a:fld>
             <a:endParaRPr lang="en-US"/>
           </a:p>
@@ -2104,7 +2193,7 @@
           <a:p>
             <a:fld id="{0408543B-E886-7644-849C-D7DD9FE17ADD}" type="datetimeFigureOut">
               <a:rPr lang="en-US" smtClean="0"/>
-              <a:t>7/3/15</a:t>
+              <a:t>7/4/15</a:t>
             </a:fld>
             <a:endParaRPr lang="en-US"/>
           </a:p>
@@ -2471,7 +2560,7 @@
           <a:p>
             <a:fld id="{0408543B-E886-7644-849C-D7DD9FE17ADD}" type="datetimeFigureOut">
               <a:rPr lang="en-US" smtClean="0"/>
-              <a:t>7/3/15</a:t>
+              <a:t>7/4/15</a:t>
             </a:fld>
             <a:endParaRPr lang="en-US"/>
           </a:p>
@@ -2589,7 +2678,7 @@
           <a:p>
             <a:fld id="{0408543B-E886-7644-849C-D7DD9FE17ADD}" type="datetimeFigureOut">
               <a:rPr lang="en-US" smtClean="0"/>
-              <a:t>7/3/15</a:t>
+              <a:t>7/4/15</a:t>
             </a:fld>
             <a:endParaRPr lang="en-US"/>
           </a:p>
@@ -2684,7 +2773,7 @@
           <a:p>
             <a:fld id="{0408543B-E886-7644-849C-D7DD9FE17ADD}" type="datetimeFigureOut">
               <a:rPr lang="en-US" smtClean="0"/>
-              <a:t>7/3/15</a:t>
+              <a:t>7/4/15</a:t>
             </a:fld>
             <a:endParaRPr lang="en-US"/>
           </a:p>
@@ -2961,7 +3050,7 @@
           <a:p>
             <a:fld id="{0408543B-E886-7644-849C-D7DD9FE17ADD}" type="datetimeFigureOut">
               <a:rPr lang="en-US" smtClean="0"/>
-              <a:t>7/3/15</a:t>
+              <a:t>7/4/15</a:t>
             </a:fld>
             <a:endParaRPr lang="en-US"/>
           </a:p>
@@ -3214,7 +3303,7 @@
           <a:p>
             <a:fld id="{0408543B-E886-7644-849C-D7DD9FE17ADD}" type="datetimeFigureOut">
               <a:rPr lang="en-US" smtClean="0"/>
-              <a:t>7/3/15</a:t>
+              <a:t>7/4/15</a:t>
             </a:fld>
             <a:endParaRPr lang="en-US"/>
           </a:p>
@@ -3427,7 +3516,7 @@
           <a:p>
             <a:fld id="{0408543B-E886-7644-849C-D7DD9FE17ADD}" type="datetimeFigureOut">
               <a:rPr lang="en-US" smtClean="0"/>
-              <a:t>7/3/15</a:t>
+              <a:t>7/4/15</a:t>
             </a:fld>
             <a:endParaRPr lang="en-US"/>
           </a:p>
@@ -3840,8 +3929,8 @@
         </p:nvSpPr>
         <p:spPr>
           <a:xfrm>
-            <a:off x="2809224" y="904772"/>
-            <a:ext cx="6573553" cy="4416594"/>
+            <a:off x="1528573" y="637548"/>
+            <a:ext cx="7779622" cy="4985980"/>
           </a:xfrm>
           <a:prstGeom prst="rect">
             <a:avLst/>
@@ -3855,7 +3944,7 @@
           <a:lstStyle/>
           <a:p>
             <a:r>
-              <a:rPr lang="en-US" sz="3600" b="1" dirty="0">
+              <a:rPr lang="en-US" sz="4400" b="1" dirty="0">
                 <a:solidFill>
                   <a:srgbClr val="002060"/>
                 </a:solidFill>
@@ -3863,7 +3952,7 @@
               <a:t>C</a:t>
             </a:r>
             <a:r>
-              <a:rPr lang="en-US" sz="3600" b="1" dirty="0" smtClean="0">
+              <a:rPr lang="en-US" sz="4400" b="1" dirty="0" smtClean="0">
                 <a:solidFill>
                   <a:srgbClr val="002060"/>
                 </a:solidFill>
@@ -3873,26 +3962,36 @@
           </a:p>
           <a:p>
             <a:r>
-              <a:rPr lang="en-US" sz="2800" dirty="0"/>
+              <a:rPr lang="en-US" sz="2400" dirty="0"/>
               <a:t/>
             </a:r>
             <a:br>
-              <a:rPr lang="en-US" sz="2800" dirty="0"/>
+              <a:rPr lang="en-US" sz="2400" dirty="0"/>
             </a:br>
             <a:r>
-              <a:rPr lang="en-US" sz="2000" dirty="0" smtClean="0">
+              <a:rPr lang="en-US" sz="2400" dirty="0" smtClean="0">
                 <a:solidFill>
                   <a:srgbClr val="0070C0"/>
                 </a:solidFill>
               </a:rPr>
-              <a:t>Gathering individual subgroup preferences to map the constellational gravity in a social landscape. </a:t>
+              <a:t>Gathering individual subgroup preferences to compute </a:t>
+            </a:r>
+          </a:p>
+          <a:p>
+            <a:r>
+              <a:rPr lang="en-US" sz="2400" dirty="0" smtClean="0">
+                <a:solidFill>
+                  <a:srgbClr val="0070C0"/>
+                </a:solidFill>
+              </a:rPr>
+              <a:t>the constellational gravity in a social landscape. </a:t>
             </a:r>
           </a:p>
           <a:p>
             <a:endParaRPr lang="en-US" sz="2000" dirty="0" smtClean="0"/>
           </a:p>
           <a:p>
-            <a:endParaRPr lang="en-US" sz="2000" dirty="0" smtClean="0"/>
+            <a:endParaRPr lang="en-US" sz="2800" dirty="0" smtClean="0"/>
           </a:p>
           <a:p>
             <a:endParaRPr lang="en-US" sz="2800" dirty="0" smtClean="0"/>
@@ -3934,7 +4033,7 @@
           </a:p>
           <a:p>
             <a:r>
-              <a:rPr lang="en-US" sz="1600" dirty="0" smtClean="0">
+              <a:rPr lang="en-US" sz="1400" dirty="0" smtClean="0">
                 <a:solidFill>
                   <a:schemeClr val="tx1">
                     <a:lumMod val="50000"/>
@@ -3942,10 +4041,23 @@
                   </a:schemeClr>
                 </a:solidFill>
               </a:rPr>
-              <a:t>As part of the exam in the Artificial Intelligence course with Prof. </a:t>
-            </a:r>
-            <a:r>
-              <a:rPr lang="en-US" sz="1600" dirty="0" err="1" smtClean="0">
+              <a:t>As part of the exam in the Artificial Intelligence course with </a:t>
+            </a:r>
+          </a:p>
+          <a:p>
+            <a:r>
+              <a:rPr lang="en-US" sz="1400" dirty="0" smtClean="0">
+                <a:solidFill>
+                  <a:schemeClr val="tx1">
+                    <a:lumMod val="50000"/>
+                    <a:lumOff val="50000"/>
+                  </a:schemeClr>
+                </a:solidFill>
+              </a:rPr>
+              <a:t>Prof. </a:t>
+            </a:r>
+            <a:r>
+              <a:rPr lang="en-US" sz="1400" dirty="0" err="1" smtClean="0">
                 <a:solidFill>
                   <a:schemeClr val="tx1">
                     <a:lumMod val="50000"/>
@@ -3956,7 +4068,7 @@
               <a:t>Kurfess</a:t>
             </a:r>
             <a:r>
-              <a:rPr lang="en-US" sz="1600" dirty="0" smtClean="0">
+              <a:rPr lang="en-US" sz="1400" dirty="0" smtClean="0">
                 <a:solidFill>
                   <a:schemeClr val="tx1">
                     <a:lumMod val="50000"/>
@@ -3964,12 +4076,12 @@
                   </a:schemeClr>
                 </a:solidFill>
               </a:rPr>
-              <a:t> at </a:t>
-            </a:r>
-          </a:p>
-          <a:p>
-            <a:r>
-              <a:rPr lang="en-US" sz="1600" dirty="0" smtClean="0">
+              <a:t> at the Munich University of Applied Sciences </a:t>
+            </a:r>
+          </a:p>
+          <a:p>
+            <a:r>
+              <a:rPr lang="en-US" sz="1400" dirty="0" smtClean="0">
                 <a:solidFill>
                   <a:schemeClr val="tx1">
                     <a:lumMod val="50000"/>
@@ -3977,9 +4089,9 @@
                   </a:schemeClr>
                 </a:solidFill>
               </a:rPr>
-              <a:t>the Munich University of Applied Sciences in the summer semester 2015.</a:t>
-            </a:r>
-            <a:endParaRPr lang="en-US" sz="1600" dirty="0">
+              <a:t>in the summer semester 2015.</a:t>
+            </a:r>
+            <a:endParaRPr lang="en-US" sz="1400" dirty="0">
               <a:solidFill>
                 <a:schemeClr val="tx1">
                   <a:lumMod val="50000"/>
@@ -3989,7 +4101,7 @@
             </a:endParaRPr>
           </a:p>
           <a:p>
-            <a:endParaRPr lang="en-US" dirty="0" smtClean="0">
+            <a:endParaRPr lang="en-US" sz="2000" dirty="0" smtClean="0">
               <a:solidFill>
                 <a:schemeClr val="tx1">
                   <a:lumMod val="50000"/>
@@ -4008,24 +4120,29 @@
               <a:t>rd</a:t>
             </a:r>
             <a:r>
-              <a:rPr lang="en-US" sz="1400" i="1" dirty="0" smtClean="0"/>
-              <a:t>, 2015</a:t>
-            </a:r>
-          </a:p>
-          <a:p>
-            <a:r>
-              <a:rPr lang="en-US" sz="1400" b="1" dirty="0" smtClean="0"/>
+              <a:rPr lang="en-US" sz="1050" i="1" dirty="0" smtClean="0"/>
+              <a:t> </a:t>
+            </a:r>
+            <a:r>
+              <a:rPr lang="en-US" sz="1000" i="1" dirty="0" smtClean="0"/>
+              <a:t>2015</a:t>
+            </a:r>
+            <a:endParaRPr lang="en-US" sz="1050" i="1" dirty="0" smtClean="0"/>
+          </a:p>
+          <a:p>
+            <a:r>
+              <a:rPr lang="en-US" b="1" dirty="0" smtClean="0"/>
               <a:t>Benjamin Aaron </a:t>
             </a:r>
             <a:r>
-              <a:rPr lang="en-US" sz="1400" b="1" dirty="0" err="1" smtClean="0"/>
+              <a:rPr lang="en-US" b="1" dirty="0" err="1" smtClean="0"/>
               <a:t>Degenhart</a:t>
             </a:r>
-            <a:endParaRPr lang="en-US" sz="1400" b="1" dirty="0" smtClean="0"/>
-          </a:p>
-          <a:p>
-            <a:r>
-              <a:rPr lang="en-US" sz="1100" dirty="0" err="1" smtClean="0">
+            <a:endParaRPr lang="en-US" b="1" dirty="0" smtClean="0"/>
+          </a:p>
+          <a:p>
+            <a:r>
+              <a:rPr lang="en-US" sz="1200" dirty="0" err="1" smtClean="0">
                 <a:solidFill>
                   <a:schemeClr val="tx1">
                     <a:lumMod val="50000"/>
@@ -4036,7 +4153,7 @@
               <a:t>github.com</a:t>
             </a:r>
             <a:r>
-              <a:rPr lang="en-US" sz="1100" dirty="0" smtClean="0">
+              <a:rPr lang="en-US" sz="1200" dirty="0" smtClean="0">
                 <a:solidFill>
                   <a:schemeClr val="tx1">
                     <a:lumMod val="50000"/>
@@ -4047,7 +4164,7 @@
               <a:t>/</a:t>
             </a:r>
             <a:r>
-              <a:rPr lang="en-US" sz="1100" dirty="0" err="1" smtClean="0">
+              <a:rPr lang="en-US" sz="1200" dirty="0" err="1" smtClean="0">
                 <a:solidFill>
                   <a:schemeClr val="tx1">
                     <a:lumMod val="50000"/>
@@ -4058,7 +4175,7 @@
               <a:t>benjaminaaron</a:t>
             </a:r>
             <a:r>
-              <a:rPr lang="en-US" sz="1100" dirty="0" smtClean="0">
+              <a:rPr lang="en-US" sz="1200" dirty="0" smtClean="0">
                 <a:solidFill>
                   <a:schemeClr val="tx1">
                     <a:lumMod val="50000"/>
@@ -4071,10 +4188,2630 @@
           </a:p>
         </p:txBody>
       </p:sp>
+      <p:grpSp>
+        <p:nvGrpSpPr>
+          <p:cNvPr id="3" name="Group 2"/>
+          <p:cNvGrpSpPr/>
+          <p:nvPr/>
+        </p:nvGrpSpPr>
+        <p:grpSpPr>
+          <a:xfrm>
+            <a:off x="7536231" y="2167128"/>
+            <a:ext cx="4266747" cy="4309027"/>
+            <a:chOff x="433039" y="483611"/>
+            <a:chExt cx="5797931" cy="5855384"/>
+          </a:xfrm>
+        </p:grpSpPr>
+        <p:sp>
+          <p:nvSpPr>
+            <p:cNvPr id="5" name="Oval 4"/>
+            <p:cNvSpPr/>
+            <p:nvPr/>
+          </p:nvSpPr>
+          <p:spPr>
+            <a:xfrm>
+              <a:off x="722852" y="899941"/>
+              <a:ext cx="5058118" cy="5058118"/>
+            </a:xfrm>
+            <a:prstGeom prst="ellipse">
+              <a:avLst/>
+            </a:prstGeom>
+            <a:noFill/>
+            <a:ln w="66675">
+              <a:solidFill>
+                <a:schemeClr val="bg1">
+                  <a:lumMod val="85000"/>
+                </a:schemeClr>
+              </a:solidFill>
+            </a:ln>
+          </p:spPr>
+          <p:style>
+            <a:lnRef idx="2">
+              <a:schemeClr val="accent1">
+                <a:shade val="50000"/>
+              </a:schemeClr>
+            </a:lnRef>
+            <a:fillRef idx="1">
+              <a:schemeClr val="accent1"/>
+            </a:fillRef>
+            <a:effectRef idx="0">
+              <a:schemeClr val="accent1"/>
+            </a:effectRef>
+            <a:fontRef idx="minor">
+              <a:schemeClr val="lt1"/>
+            </a:fontRef>
+          </p:style>
+          <p:txBody>
+            <a:bodyPr lIns="90000" rtlCol="0" anchor="ctr"/>
+            <a:lstStyle/>
+            <a:p>
+              <a:pPr algn="ctr"/>
+              <a:endParaRPr lang="en-US"/>
+            </a:p>
+          </p:txBody>
+        </p:sp>
+        <p:pic>
+          <p:nvPicPr>
+            <p:cNvPr id="6" name="Picture 5"/>
+            <p:cNvPicPr>
+              <a:picLocks noChangeAspect="1"/>
+            </p:cNvPicPr>
+            <p:nvPr/>
+          </p:nvPicPr>
+          <p:blipFill>
+            <a:blip r:embed="rId3">
+              <a:extLst>
+                <a:ext uri="{28A0092B-C50C-407E-A947-70E740481C1C}">
+                  <a14:useLocalDpi xmlns:a14="http://schemas.microsoft.com/office/drawing/2010/main" val="0"/>
+                </a:ext>
+              </a:extLst>
+            </a:blip>
+            <a:stretch>
+              <a:fillRect/>
+            </a:stretch>
+          </p:blipFill>
+          <p:spPr>
+            <a:xfrm>
+              <a:off x="3251911" y="483611"/>
+              <a:ext cx="900000" cy="900000"/>
+            </a:xfrm>
+            <a:prstGeom prst="roundRect">
+              <a:avLst/>
+            </a:prstGeom>
+            <a:effectLst>
+              <a:outerShdw blurRad="127000" dist="38100" dir="2700000" algn="tl" rotWithShape="0">
+                <a:prstClr val="black">
+                  <a:alpha val="40000"/>
+                </a:prstClr>
+              </a:outerShdw>
+              <a:softEdge rad="0"/>
+            </a:effectLst>
+          </p:spPr>
+        </p:pic>
+        <p:pic>
+          <p:nvPicPr>
+            <p:cNvPr id="7" name="Picture 6"/>
+            <p:cNvPicPr>
+              <a:picLocks noChangeAspect="1"/>
+            </p:cNvPicPr>
+            <p:nvPr/>
+          </p:nvPicPr>
+          <p:blipFill>
+            <a:blip r:embed="rId4">
+              <a:extLst>
+                <a:ext uri="{28A0092B-C50C-407E-A947-70E740481C1C}">
+                  <a14:useLocalDpi xmlns:a14="http://schemas.microsoft.com/office/drawing/2010/main" val="0"/>
+                </a:ext>
+              </a:extLst>
+            </a:blip>
+            <a:stretch>
+              <a:fillRect/>
+            </a:stretch>
+          </p:blipFill>
+          <p:spPr>
+            <a:xfrm>
+              <a:off x="433039" y="3860360"/>
+              <a:ext cx="900000" cy="900000"/>
+            </a:xfrm>
+            <a:prstGeom prst="roundRect">
+              <a:avLst/>
+            </a:prstGeom>
+            <a:effectLst>
+              <a:outerShdw blurRad="127000" dist="38100" dir="2700000" algn="tl" rotWithShape="0">
+                <a:prstClr val="black">
+                  <a:alpha val="40000"/>
+                </a:prstClr>
+              </a:outerShdw>
+              <a:softEdge rad="0"/>
+            </a:effectLst>
+          </p:spPr>
+        </p:pic>
+        <p:pic>
+          <p:nvPicPr>
+            <p:cNvPr id="8" name="Picture 7"/>
+            <p:cNvPicPr>
+              <a:picLocks noChangeAspect="1"/>
+            </p:cNvPicPr>
+            <p:nvPr/>
+          </p:nvPicPr>
+          <p:blipFill>
+            <a:blip r:embed="rId5">
+              <a:extLst>
+                <a:ext uri="{28A0092B-C50C-407E-A947-70E740481C1C}">
+                  <a14:useLocalDpi xmlns:a14="http://schemas.microsoft.com/office/drawing/2010/main" val="0"/>
+                </a:ext>
+              </a:extLst>
+            </a:blip>
+            <a:stretch>
+              <a:fillRect/>
+            </a:stretch>
+          </p:blipFill>
+          <p:spPr>
+            <a:xfrm>
+              <a:off x="4743895" y="1331771"/>
+              <a:ext cx="900000" cy="900000"/>
+            </a:xfrm>
+            <a:prstGeom prst="roundRect">
+              <a:avLst/>
+            </a:prstGeom>
+            <a:effectLst>
+              <a:outerShdw blurRad="127000" dist="38100" dir="2700000" algn="tl" rotWithShape="0">
+                <a:prstClr val="black">
+                  <a:alpha val="40000"/>
+                </a:prstClr>
+              </a:outerShdw>
+              <a:softEdge rad="0"/>
+            </a:effectLst>
+          </p:spPr>
+        </p:pic>
+        <p:pic>
+          <p:nvPicPr>
+            <p:cNvPr id="9" name="Picture 8"/>
+            <p:cNvPicPr>
+              <a:picLocks noChangeAspect="1"/>
+            </p:cNvPicPr>
+            <p:nvPr/>
+          </p:nvPicPr>
+          <p:blipFill>
+            <a:blip r:embed="rId6">
+              <a:extLst>
+                <a:ext uri="{28A0092B-C50C-407E-A947-70E740481C1C}">
+                  <a14:useLocalDpi xmlns:a14="http://schemas.microsoft.com/office/drawing/2010/main" val="0"/>
+                </a:ext>
+              </a:extLst>
+            </a:blip>
+            <a:stretch>
+              <a:fillRect/>
+            </a:stretch>
+          </p:blipFill>
+          <p:spPr>
+            <a:xfrm>
+              <a:off x="1545133" y="779717"/>
+              <a:ext cx="900000" cy="900000"/>
+            </a:xfrm>
+            <a:prstGeom prst="roundRect">
+              <a:avLst/>
+            </a:prstGeom>
+            <a:effectLst>
+              <a:outerShdw blurRad="127000" dist="38100" dir="2700000" algn="tl" rotWithShape="0">
+                <a:prstClr val="black">
+                  <a:alpha val="40000"/>
+                </a:prstClr>
+              </a:outerShdw>
+              <a:softEdge rad="0"/>
+            </a:effectLst>
+          </p:spPr>
+        </p:pic>
+        <p:pic>
+          <p:nvPicPr>
+            <p:cNvPr id="10" name="Picture 9"/>
+            <p:cNvPicPr>
+              <a:picLocks noChangeAspect="1"/>
+            </p:cNvPicPr>
+            <p:nvPr/>
+          </p:nvPicPr>
+          <p:blipFill>
+            <a:blip r:embed="rId7">
+              <a:extLst>
+                <a:ext uri="{28A0092B-C50C-407E-A947-70E740481C1C}">
+                  <a14:useLocalDpi xmlns:a14="http://schemas.microsoft.com/office/drawing/2010/main" val="0"/>
+                </a:ext>
+              </a:extLst>
+            </a:blip>
+            <a:stretch>
+              <a:fillRect/>
+            </a:stretch>
+          </p:blipFill>
+          <p:spPr>
+            <a:xfrm>
+              <a:off x="5330970" y="2979000"/>
+              <a:ext cx="900000" cy="900000"/>
+            </a:xfrm>
+            <a:prstGeom prst="roundRect">
+              <a:avLst/>
+            </a:prstGeom>
+            <a:effectLst>
+              <a:outerShdw blurRad="127000" dist="38100" dir="2700000" algn="tl" rotWithShape="0">
+                <a:prstClr val="black">
+                  <a:alpha val="40000"/>
+                </a:prstClr>
+              </a:outerShdw>
+              <a:softEdge rad="0"/>
+            </a:effectLst>
+          </p:spPr>
+        </p:pic>
+        <p:pic>
+          <p:nvPicPr>
+            <p:cNvPr id="11" name="Picture 10"/>
+            <p:cNvPicPr>
+              <a:picLocks noChangeAspect="1"/>
+            </p:cNvPicPr>
+            <p:nvPr/>
+          </p:nvPicPr>
+          <p:blipFill>
+            <a:blip r:embed="rId8">
+              <a:extLst>
+                <a:ext uri="{28A0092B-C50C-407E-A947-70E740481C1C}">
+                  <a14:useLocalDpi xmlns:a14="http://schemas.microsoft.com/office/drawing/2010/main" val="0"/>
+                </a:ext>
+              </a:extLst>
+            </a:blip>
+            <a:stretch>
+              <a:fillRect/>
+            </a:stretch>
+          </p:blipFill>
+          <p:spPr>
+            <a:xfrm>
+              <a:off x="1545133" y="5162131"/>
+              <a:ext cx="900000" cy="900000"/>
+            </a:xfrm>
+            <a:prstGeom prst="roundRect">
+              <a:avLst/>
+            </a:prstGeom>
+            <a:effectLst>
+              <a:outerShdw blurRad="127000" dist="38100" dir="2700000" algn="tl" rotWithShape="0">
+                <a:prstClr val="black">
+                  <a:alpha val="40000"/>
+                </a:prstClr>
+              </a:outerShdw>
+              <a:softEdge rad="0"/>
+            </a:effectLst>
+          </p:spPr>
+        </p:pic>
+        <p:pic>
+          <p:nvPicPr>
+            <p:cNvPr id="12" name="Picture 11"/>
+            <p:cNvPicPr>
+              <a:picLocks noChangeAspect="1"/>
+            </p:cNvPicPr>
+            <p:nvPr/>
+          </p:nvPicPr>
+          <p:blipFill>
+            <a:blip r:embed="rId9">
+              <a:extLst>
+                <a:ext uri="{28A0092B-C50C-407E-A947-70E740481C1C}">
+                  <a14:useLocalDpi xmlns:a14="http://schemas.microsoft.com/office/drawing/2010/main" val="0"/>
+                </a:ext>
+              </a:extLst>
+            </a:blip>
+            <a:stretch>
+              <a:fillRect/>
+            </a:stretch>
+          </p:blipFill>
+          <p:spPr>
+            <a:xfrm>
+              <a:off x="3251911" y="5438995"/>
+              <a:ext cx="900000" cy="900000"/>
+            </a:xfrm>
+            <a:prstGeom prst="roundRect">
+              <a:avLst/>
+            </a:prstGeom>
+            <a:effectLst>
+              <a:outerShdw blurRad="127000" dist="38100" dir="2700000" algn="tl" rotWithShape="0">
+                <a:prstClr val="black">
+                  <a:alpha val="40000"/>
+                </a:prstClr>
+              </a:outerShdw>
+              <a:softEdge rad="0"/>
+            </a:effectLst>
+          </p:spPr>
+        </p:pic>
+        <p:pic>
+          <p:nvPicPr>
+            <p:cNvPr id="13" name="Picture 12"/>
+            <p:cNvPicPr>
+              <a:picLocks noChangeAspect="1"/>
+            </p:cNvPicPr>
+            <p:nvPr/>
+          </p:nvPicPr>
+          <p:blipFill>
+            <a:blip r:embed="rId10">
+              <a:extLst>
+                <a:ext uri="{28A0092B-C50C-407E-A947-70E740481C1C}">
+                  <a14:useLocalDpi xmlns:a14="http://schemas.microsoft.com/office/drawing/2010/main" val="0"/>
+                </a:ext>
+              </a:extLst>
+            </a:blip>
+            <a:stretch>
+              <a:fillRect/>
+            </a:stretch>
+          </p:blipFill>
+          <p:spPr>
+            <a:xfrm>
+              <a:off x="433039" y="2097641"/>
+              <a:ext cx="900000" cy="900000"/>
+            </a:xfrm>
+            <a:prstGeom prst="roundRect">
+              <a:avLst/>
+            </a:prstGeom>
+            <a:effectLst>
+              <a:outerShdw blurRad="127000" dist="38100" dir="2700000" algn="tl" rotWithShape="0">
+                <a:prstClr val="black">
+                  <a:alpha val="40000"/>
+                </a:prstClr>
+              </a:outerShdw>
+              <a:softEdge rad="0"/>
+            </a:effectLst>
+          </p:spPr>
+        </p:pic>
+        <p:pic>
+          <p:nvPicPr>
+            <p:cNvPr id="14" name="Picture 13"/>
+            <p:cNvPicPr>
+              <a:picLocks noChangeAspect="1"/>
+            </p:cNvPicPr>
+            <p:nvPr/>
+          </p:nvPicPr>
+          <p:blipFill>
+            <a:blip r:embed="rId11">
+              <a:extLst>
+                <a:ext uri="{28A0092B-C50C-407E-A947-70E740481C1C}">
+                  <a14:useLocalDpi xmlns:a14="http://schemas.microsoft.com/office/drawing/2010/main" val="0"/>
+                </a:ext>
+              </a:extLst>
+            </a:blip>
+            <a:stretch>
+              <a:fillRect/>
+            </a:stretch>
+          </p:blipFill>
+          <p:spPr>
+            <a:xfrm>
+              <a:off x="4749656" y="4577843"/>
+              <a:ext cx="900000" cy="900000"/>
+            </a:xfrm>
+            <a:prstGeom prst="roundRect">
+              <a:avLst/>
+            </a:prstGeom>
+            <a:effectLst>
+              <a:outerShdw blurRad="127000" dist="38100" dir="2700000" algn="tl" rotWithShape="0">
+                <a:prstClr val="black">
+                  <a:alpha val="40000"/>
+                </a:prstClr>
+              </a:outerShdw>
+              <a:softEdge rad="0"/>
+            </a:effectLst>
+          </p:spPr>
+        </p:pic>
+      </p:grpSp>
     </p:spTree>
     <p:extLst>
       <p:ext uri="{BB962C8B-B14F-4D97-AF65-F5344CB8AC3E}">
         <p14:creationId xmlns:p14="http://schemas.microsoft.com/office/powerpoint/2010/main" val="1681692777"/>
+      </p:ext>
+    </p:extLst>
+  </p:cSld>
+  <p:clrMapOvr>
+    <a:masterClrMapping/>
+  </p:clrMapOvr>
+  <p:timing>
+    <p:tnLst>
+      <p:par>
+        <p:cTn id="1" dur="indefinite" restart="never" nodeType="tmRoot"/>
+      </p:par>
+    </p:tnLst>
+  </p:timing>
+</p:sld>
+</file>
+
+<file path=ppt/slides/slide10.xml><?xml version="1.0" encoding="utf-8"?>
+<p:sld xmlns:a="http://schemas.openxmlformats.org/drawingml/2006/main" xmlns:r="http://schemas.openxmlformats.org/officeDocument/2006/relationships" xmlns:p="http://schemas.openxmlformats.org/presentationml/2006/main">
+  <p:cSld>
+    <p:spTree>
+      <p:nvGrpSpPr>
+        <p:cNvPr id="1" name=""/>
+        <p:cNvGrpSpPr/>
+        <p:nvPr/>
+      </p:nvGrpSpPr>
+      <p:grpSpPr>
+        <a:xfrm>
+          <a:off x="0" y="0"/>
+          <a:ext cx="0" cy="0"/>
+          <a:chOff x="0" y="0"/>
+          <a:chExt cx="0" cy="0"/>
+        </a:xfrm>
+      </p:grpSpPr>
+      <p:pic>
+        <p:nvPicPr>
+          <p:cNvPr id="12" name="Picture 11"/>
+          <p:cNvPicPr>
+            <a:picLocks noChangeAspect="1"/>
+          </p:cNvPicPr>
+          <p:nvPr/>
+        </p:nvPicPr>
+        <p:blipFill>
+          <a:blip r:embed="rId2">
+            <a:extLst>
+              <a:ext uri="{28A0092B-C50C-407E-A947-70E740481C1C}">
+                <a14:useLocalDpi xmlns:a14="http://schemas.microsoft.com/office/drawing/2010/main" val="0"/>
+              </a:ext>
+            </a:extLst>
+          </a:blip>
+          <a:stretch>
+            <a:fillRect/>
+          </a:stretch>
+        </p:blipFill>
+        <p:spPr>
+          <a:xfrm>
+            <a:off x="4615709" y="2892800"/>
+            <a:ext cx="900000" cy="900000"/>
+          </a:xfrm>
+          <a:prstGeom prst="roundRect">
+            <a:avLst/>
+          </a:prstGeom>
+          <a:effectLst>
+            <a:outerShdw blurRad="127000" dist="38100" dir="2700000" algn="tl" rotWithShape="0">
+              <a:prstClr val="black">
+                <a:alpha val="40000"/>
+              </a:prstClr>
+            </a:outerShdw>
+            <a:softEdge rad="0"/>
+          </a:effectLst>
+        </p:spPr>
+      </p:pic>
+      <p:grpSp>
+        <p:nvGrpSpPr>
+          <p:cNvPr id="3" name="Group 2"/>
+          <p:cNvGrpSpPr/>
+          <p:nvPr/>
+        </p:nvGrpSpPr>
+        <p:grpSpPr>
+          <a:xfrm>
+            <a:off x="2430613" y="442208"/>
+            <a:ext cx="905764" cy="4575888"/>
+            <a:chOff x="2430613" y="442208"/>
+            <a:chExt cx="905764" cy="4575888"/>
+          </a:xfrm>
+        </p:grpSpPr>
+        <p:pic>
+          <p:nvPicPr>
+            <p:cNvPr id="8" name="Picture 7"/>
+            <p:cNvPicPr>
+              <a:picLocks noChangeAspect="1"/>
+            </p:cNvPicPr>
+            <p:nvPr/>
+          </p:nvPicPr>
+          <p:blipFill>
+            <a:blip r:embed="rId3">
+              <a:extLst>
+                <a:ext uri="{28A0092B-C50C-407E-A947-70E740481C1C}">
+                  <a14:useLocalDpi xmlns:a14="http://schemas.microsoft.com/office/drawing/2010/main" val="0"/>
+                </a:ext>
+              </a:extLst>
+            </a:blip>
+            <a:stretch>
+              <a:fillRect/>
+            </a:stretch>
+          </p:blipFill>
+          <p:spPr>
+            <a:xfrm>
+              <a:off x="2430613" y="442208"/>
+              <a:ext cx="900000" cy="900000"/>
+            </a:xfrm>
+            <a:prstGeom prst="roundRect">
+              <a:avLst/>
+            </a:prstGeom>
+            <a:effectLst>
+              <a:outerShdw blurRad="127000" dist="38100" dir="2700000" algn="tl" rotWithShape="0">
+                <a:prstClr val="black">
+                  <a:alpha val="40000"/>
+                </a:prstClr>
+              </a:outerShdw>
+              <a:softEdge rad="0"/>
+            </a:effectLst>
+          </p:spPr>
+        </p:pic>
+        <p:pic>
+          <p:nvPicPr>
+            <p:cNvPr id="9" name="Picture 8"/>
+            <p:cNvPicPr>
+              <a:picLocks noChangeAspect="1"/>
+            </p:cNvPicPr>
+            <p:nvPr/>
+          </p:nvPicPr>
+          <p:blipFill>
+            <a:blip r:embed="rId4">
+              <a:extLst>
+                <a:ext uri="{28A0092B-C50C-407E-A947-70E740481C1C}">
+                  <a14:useLocalDpi xmlns:a14="http://schemas.microsoft.com/office/drawing/2010/main" val="0"/>
+                </a:ext>
+              </a:extLst>
+            </a:blip>
+            <a:stretch>
+              <a:fillRect/>
+            </a:stretch>
+          </p:blipFill>
+          <p:spPr>
+            <a:xfrm>
+              <a:off x="2436377" y="4118096"/>
+              <a:ext cx="900000" cy="900000"/>
+            </a:xfrm>
+            <a:prstGeom prst="roundRect">
+              <a:avLst/>
+            </a:prstGeom>
+            <a:effectLst>
+              <a:outerShdw blurRad="127000" dist="38100" dir="2700000" algn="tl" rotWithShape="0">
+                <a:prstClr val="black">
+                  <a:alpha val="40000"/>
+                </a:prstClr>
+              </a:outerShdw>
+              <a:softEdge rad="0"/>
+            </a:effectLst>
+          </p:spPr>
+        </p:pic>
+        <p:pic>
+          <p:nvPicPr>
+            <p:cNvPr id="16" name="Picture 15"/>
+            <p:cNvPicPr>
+              <a:picLocks noChangeAspect="1"/>
+            </p:cNvPicPr>
+            <p:nvPr/>
+          </p:nvPicPr>
+          <p:blipFill>
+            <a:blip r:embed="rId5">
+              <a:extLst>
+                <a:ext uri="{28A0092B-C50C-407E-A947-70E740481C1C}">
+                  <a14:useLocalDpi xmlns:a14="http://schemas.microsoft.com/office/drawing/2010/main" val="0"/>
+                </a:ext>
+              </a:extLst>
+            </a:blip>
+            <a:stretch>
+              <a:fillRect/>
+            </a:stretch>
+          </p:blipFill>
+          <p:spPr>
+            <a:xfrm>
+              <a:off x="2430613" y="1667504"/>
+              <a:ext cx="900000" cy="900000"/>
+            </a:xfrm>
+            <a:prstGeom prst="roundRect">
+              <a:avLst/>
+            </a:prstGeom>
+            <a:effectLst>
+              <a:outerShdw blurRad="127000" dist="38100" dir="2700000" algn="tl" rotWithShape="0">
+                <a:prstClr val="black">
+                  <a:alpha val="40000"/>
+                </a:prstClr>
+              </a:outerShdw>
+              <a:softEdge rad="0"/>
+            </a:effectLst>
+          </p:spPr>
+        </p:pic>
+        <p:pic>
+          <p:nvPicPr>
+            <p:cNvPr id="19" name="Picture 18"/>
+            <p:cNvPicPr>
+              <a:picLocks noChangeAspect="1"/>
+            </p:cNvPicPr>
+            <p:nvPr/>
+          </p:nvPicPr>
+          <p:blipFill>
+            <a:blip r:embed="rId3">
+              <a:extLst>
+                <a:ext uri="{28A0092B-C50C-407E-A947-70E740481C1C}">
+                  <a14:useLocalDpi xmlns:a14="http://schemas.microsoft.com/office/drawing/2010/main" val="0"/>
+                </a:ext>
+              </a:extLst>
+            </a:blip>
+            <a:stretch>
+              <a:fillRect/>
+            </a:stretch>
+          </p:blipFill>
+          <p:spPr>
+            <a:xfrm>
+              <a:off x="2430613" y="2892800"/>
+              <a:ext cx="900000" cy="900000"/>
+            </a:xfrm>
+            <a:prstGeom prst="roundRect">
+              <a:avLst/>
+            </a:prstGeom>
+            <a:effectLst>
+              <a:outerShdw blurRad="127000" dist="38100" dir="2700000" algn="tl" rotWithShape="0">
+                <a:prstClr val="black">
+                  <a:alpha val="40000"/>
+                </a:prstClr>
+              </a:outerShdw>
+              <a:softEdge rad="0"/>
+            </a:effectLst>
+          </p:spPr>
+        </p:pic>
+      </p:grpSp>
+      <p:grpSp>
+        <p:nvGrpSpPr>
+          <p:cNvPr id="4" name="Group 3"/>
+          <p:cNvGrpSpPr/>
+          <p:nvPr/>
+        </p:nvGrpSpPr>
+        <p:grpSpPr>
+          <a:xfrm>
+            <a:off x="3523161" y="442208"/>
+            <a:ext cx="900000" cy="4575888"/>
+            <a:chOff x="3523161" y="442208"/>
+            <a:chExt cx="900000" cy="4575888"/>
+          </a:xfrm>
+        </p:grpSpPr>
+        <p:pic>
+          <p:nvPicPr>
+            <p:cNvPr id="10" name="Picture 9"/>
+            <p:cNvPicPr>
+              <a:picLocks noChangeAspect="1"/>
+            </p:cNvPicPr>
+            <p:nvPr/>
+          </p:nvPicPr>
+          <p:blipFill>
+            <a:blip r:embed="rId5">
+              <a:extLst>
+                <a:ext uri="{28A0092B-C50C-407E-A947-70E740481C1C}">
+                  <a14:useLocalDpi xmlns:a14="http://schemas.microsoft.com/office/drawing/2010/main" val="0"/>
+                </a:ext>
+              </a:extLst>
+            </a:blip>
+            <a:stretch>
+              <a:fillRect/>
+            </a:stretch>
+          </p:blipFill>
+          <p:spPr>
+            <a:xfrm>
+              <a:off x="3523161" y="442208"/>
+              <a:ext cx="900000" cy="900000"/>
+            </a:xfrm>
+            <a:prstGeom prst="roundRect">
+              <a:avLst/>
+            </a:prstGeom>
+            <a:effectLst>
+              <a:outerShdw blurRad="127000" dist="38100" dir="2700000" algn="tl" rotWithShape="0">
+                <a:prstClr val="black">
+                  <a:alpha val="40000"/>
+                </a:prstClr>
+              </a:outerShdw>
+              <a:softEdge rad="0"/>
+            </a:effectLst>
+          </p:spPr>
+        </p:pic>
+        <p:pic>
+          <p:nvPicPr>
+            <p:cNvPr id="14" name="Picture 13"/>
+            <p:cNvPicPr>
+              <a:picLocks noChangeAspect="1"/>
+            </p:cNvPicPr>
+            <p:nvPr/>
+          </p:nvPicPr>
+          <p:blipFill>
+            <a:blip r:embed="rId6">
+              <a:extLst>
+                <a:ext uri="{28A0092B-C50C-407E-A947-70E740481C1C}">
+                  <a14:useLocalDpi xmlns:a14="http://schemas.microsoft.com/office/drawing/2010/main" val="0"/>
+                </a:ext>
+              </a:extLst>
+            </a:blip>
+            <a:stretch>
+              <a:fillRect/>
+            </a:stretch>
+          </p:blipFill>
+          <p:spPr>
+            <a:xfrm>
+              <a:off x="3523161" y="4118096"/>
+              <a:ext cx="900000" cy="900000"/>
+            </a:xfrm>
+            <a:prstGeom prst="roundRect">
+              <a:avLst/>
+            </a:prstGeom>
+            <a:effectLst>
+              <a:outerShdw blurRad="127000" dist="38100" dir="2700000" algn="tl" rotWithShape="0">
+                <a:prstClr val="black">
+                  <a:alpha val="40000"/>
+                </a:prstClr>
+              </a:outerShdw>
+              <a:softEdge rad="0"/>
+            </a:effectLst>
+          </p:spPr>
+        </p:pic>
+        <p:pic>
+          <p:nvPicPr>
+            <p:cNvPr id="20" name="Picture 19"/>
+            <p:cNvPicPr>
+              <a:picLocks noChangeAspect="1"/>
+            </p:cNvPicPr>
+            <p:nvPr/>
+          </p:nvPicPr>
+          <p:blipFill>
+            <a:blip r:embed="rId5">
+              <a:extLst>
+                <a:ext uri="{28A0092B-C50C-407E-A947-70E740481C1C}">
+                  <a14:useLocalDpi xmlns:a14="http://schemas.microsoft.com/office/drawing/2010/main" val="0"/>
+                </a:ext>
+              </a:extLst>
+            </a:blip>
+            <a:stretch>
+              <a:fillRect/>
+            </a:stretch>
+          </p:blipFill>
+          <p:spPr>
+            <a:xfrm>
+              <a:off x="3523161" y="2892800"/>
+              <a:ext cx="900000" cy="900000"/>
+            </a:xfrm>
+            <a:prstGeom prst="roundRect">
+              <a:avLst/>
+            </a:prstGeom>
+            <a:effectLst>
+              <a:outerShdw blurRad="127000" dist="38100" dir="2700000" algn="tl" rotWithShape="0">
+                <a:prstClr val="black">
+                  <a:alpha val="40000"/>
+                </a:prstClr>
+              </a:outerShdw>
+              <a:softEdge rad="0"/>
+            </a:effectLst>
+          </p:spPr>
+        </p:pic>
+      </p:grpSp>
+      <p:grpSp>
+        <p:nvGrpSpPr>
+          <p:cNvPr id="2" name="Group 1"/>
+          <p:cNvGrpSpPr/>
+          <p:nvPr/>
+        </p:nvGrpSpPr>
+        <p:grpSpPr>
+          <a:xfrm>
+            <a:off x="1335885" y="442208"/>
+            <a:ext cx="900000" cy="5801184"/>
+            <a:chOff x="1335885" y="442208"/>
+            <a:chExt cx="900000" cy="5801184"/>
+          </a:xfrm>
+        </p:grpSpPr>
+        <p:pic>
+          <p:nvPicPr>
+            <p:cNvPr id="6" name="Picture 5"/>
+            <p:cNvPicPr>
+              <a:picLocks noChangeAspect="1"/>
+            </p:cNvPicPr>
+            <p:nvPr/>
+          </p:nvPicPr>
+          <p:blipFill>
+            <a:blip r:embed="rId7">
+              <a:extLst>
+                <a:ext uri="{28A0092B-C50C-407E-A947-70E740481C1C}">
+                  <a14:useLocalDpi xmlns:a14="http://schemas.microsoft.com/office/drawing/2010/main" val="0"/>
+                </a:ext>
+              </a:extLst>
+            </a:blip>
+            <a:stretch>
+              <a:fillRect/>
+            </a:stretch>
+          </p:blipFill>
+          <p:spPr>
+            <a:xfrm>
+              <a:off x="1335885" y="442208"/>
+              <a:ext cx="900000" cy="900000"/>
+            </a:xfrm>
+            <a:prstGeom prst="roundRect">
+              <a:avLst/>
+            </a:prstGeom>
+            <a:effectLst>
+              <a:outerShdw blurRad="127000" dist="38100" dir="2700000" algn="tl" rotWithShape="0">
+                <a:prstClr val="black">
+                  <a:alpha val="40000"/>
+                </a:prstClr>
+              </a:outerShdw>
+              <a:softEdge rad="0"/>
+            </a:effectLst>
+          </p:spPr>
+        </p:pic>
+        <p:pic>
+          <p:nvPicPr>
+            <p:cNvPr id="7" name="Picture 6"/>
+            <p:cNvPicPr>
+              <a:picLocks noChangeAspect="1"/>
+            </p:cNvPicPr>
+            <p:nvPr/>
+          </p:nvPicPr>
+          <p:blipFill>
+            <a:blip r:embed="rId8">
+              <a:extLst>
+                <a:ext uri="{28A0092B-C50C-407E-A947-70E740481C1C}">
+                  <a14:useLocalDpi xmlns:a14="http://schemas.microsoft.com/office/drawing/2010/main" val="0"/>
+                </a:ext>
+              </a:extLst>
+            </a:blip>
+            <a:stretch>
+              <a:fillRect/>
+            </a:stretch>
+          </p:blipFill>
+          <p:spPr>
+            <a:xfrm>
+              <a:off x="1335885" y="4118096"/>
+              <a:ext cx="900000" cy="900000"/>
+            </a:xfrm>
+            <a:prstGeom prst="roundRect">
+              <a:avLst/>
+            </a:prstGeom>
+            <a:effectLst>
+              <a:outerShdw blurRad="127000" dist="38100" dir="2700000" algn="tl" rotWithShape="0">
+                <a:prstClr val="black">
+                  <a:alpha val="40000"/>
+                </a:prstClr>
+              </a:outerShdw>
+              <a:softEdge rad="0"/>
+            </a:effectLst>
+          </p:spPr>
+        </p:pic>
+        <p:pic>
+          <p:nvPicPr>
+            <p:cNvPr id="15" name="Picture 14"/>
+            <p:cNvPicPr>
+              <a:picLocks noChangeAspect="1"/>
+            </p:cNvPicPr>
+            <p:nvPr/>
+          </p:nvPicPr>
+          <p:blipFill>
+            <a:blip r:embed="rId3">
+              <a:extLst>
+                <a:ext uri="{28A0092B-C50C-407E-A947-70E740481C1C}">
+                  <a14:useLocalDpi xmlns:a14="http://schemas.microsoft.com/office/drawing/2010/main" val="0"/>
+                </a:ext>
+              </a:extLst>
+            </a:blip>
+            <a:stretch>
+              <a:fillRect/>
+            </a:stretch>
+          </p:blipFill>
+          <p:spPr>
+            <a:xfrm>
+              <a:off x="1335885" y="1667504"/>
+              <a:ext cx="900000" cy="900000"/>
+            </a:xfrm>
+            <a:prstGeom prst="roundRect">
+              <a:avLst/>
+            </a:prstGeom>
+            <a:effectLst>
+              <a:outerShdw blurRad="127000" dist="38100" dir="2700000" algn="tl" rotWithShape="0">
+                <a:prstClr val="black">
+                  <a:alpha val="40000"/>
+                </a:prstClr>
+              </a:outerShdw>
+              <a:softEdge rad="0"/>
+            </a:effectLst>
+          </p:spPr>
+        </p:pic>
+        <p:pic>
+          <p:nvPicPr>
+            <p:cNvPr id="18" name="Picture 17"/>
+            <p:cNvPicPr>
+              <a:picLocks noChangeAspect="1"/>
+            </p:cNvPicPr>
+            <p:nvPr/>
+          </p:nvPicPr>
+          <p:blipFill>
+            <a:blip r:embed="rId7">
+              <a:extLst>
+                <a:ext uri="{28A0092B-C50C-407E-A947-70E740481C1C}">
+                  <a14:useLocalDpi xmlns:a14="http://schemas.microsoft.com/office/drawing/2010/main" val="0"/>
+                </a:ext>
+              </a:extLst>
+            </a:blip>
+            <a:stretch>
+              <a:fillRect/>
+            </a:stretch>
+          </p:blipFill>
+          <p:spPr>
+            <a:xfrm>
+              <a:off x="1335885" y="2892800"/>
+              <a:ext cx="900000" cy="900000"/>
+            </a:xfrm>
+            <a:prstGeom prst="roundRect">
+              <a:avLst/>
+            </a:prstGeom>
+            <a:effectLst>
+              <a:outerShdw blurRad="127000" dist="38100" dir="2700000" algn="tl" rotWithShape="0">
+                <a:prstClr val="black">
+                  <a:alpha val="40000"/>
+                </a:prstClr>
+              </a:outerShdw>
+              <a:softEdge rad="0"/>
+            </a:effectLst>
+          </p:spPr>
+        </p:pic>
+        <p:pic>
+          <p:nvPicPr>
+            <p:cNvPr id="21" name="Picture 20"/>
+            <p:cNvPicPr>
+              <a:picLocks noChangeAspect="1"/>
+            </p:cNvPicPr>
+            <p:nvPr/>
+          </p:nvPicPr>
+          <p:blipFill>
+            <a:blip r:embed="rId3">
+              <a:extLst>
+                <a:ext uri="{28A0092B-C50C-407E-A947-70E740481C1C}">
+                  <a14:useLocalDpi xmlns:a14="http://schemas.microsoft.com/office/drawing/2010/main" val="0"/>
+                </a:ext>
+              </a:extLst>
+            </a:blip>
+            <a:stretch>
+              <a:fillRect/>
+            </a:stretch>
+          </p:blipFill>
+          <p:spPr>
+            <a:xfrm>
+              <a:off x="1335885" y="5343392"/>
+              <a:ext cx="900000" cy="900000"/>
+            </a:xfrm>
+            <a:prstGeom prst="roundRect">
+              <a:avLst/>
+            </a:prstGeom>
+            <a:effectLst>
+              <a:outerShdw blurRad="127000" dist="38100" dir="2700000" algn="tl" rotWithShape="0">
+                <a:prstClr val="black">
+                  <a:alpha val="40000"/>
+                </a:prstClr>
+              </a:outerShdw>
+              <a:softEdge rad="0"/>
+            </a:effectLst>
+          </p:spPr>
+        </p:pic>
+      </p:grpSp>
+      <p:sp>
+        <p:nvSpPr>
+          <p:cNvPr id="23" name="TextBox 22"/>
+          <p:cNvSpPr txBox="1"/>
+          <p:nvPr/>
+        </p:nvSpPr>
+        <p:spPr>
+          <a:xfrm>
+            <a:off x="853198" y="73152"/>
+            <a:ext cx="463132" cy="6324808"/>
+          </a:xfrm>
+          <a:prstGeom prst="rect">
+            <a:avLst/>
+          </a:prstGeom>
+          <a:noFill/>
+        </p:spPr>
+        <p:txBody>
+          <a:bodyPr wrap="square" rtlCol="0">
+            <a:spAutoFit/>
+          </a:bodyPr>
+          <a:lstStyle/>
+          <a:p>
+            <a:pPr>
+              <a:lnSpc>
+                <a:spcPct val="440000"/>
+              </a:lnSpc>
+            </a:pPr>
+            <a:r>
+              <a:rPr lang="en-US" b="1" dirty="0" err="1"/>
+              <a:t>9</a:t>
+            </a:r>
+            <a:endParaRPr lang="en-US" dirty="0" err="1"/>
+          </a:p>
+          <a:p>
+            <a:pPr>
+              <a:lnSpc>
+                <a:spcPct val="440000"/>
+              </a:lnSpc>
+            </a:pPr>
+            <a:r>
+              <a:rPr lang="en-US" b="1" dirty="0" err="1"/>
+              <a:t>8</a:t>
+            </a:r>
+            <a:endParaRPr lang="en-US" dirty="0" err="1"/>
+          </a:p>
+          <a:p>
+            <a:pPr>
+              <a:lnSpc>
+                <a:spcPct val="440000"/>
+              </a:lnSpc>
+            </a:pPr>
+            <a:r>
+              <a:rPr lang="en-US" b="1" dirty="0" err="1"/>
+              <a:t>8</a:t>
+            </a:r>
+            <a:endParaRPr lang="en-US" dirty="0" err="1"/>
+          </a:p>
+          <a:p>
+            <a:pPr>
+              <a:lnSpc>
+                <a:spcPct val="440000"/>
+              </a:lnSpc>
+            </a:pPr>
+            <a:r>
+              <a:rPr lang="en-US" b="1" dirty="0" err="1"/>
+              <a:t>6</a:t>
+            </a:r>
+            <a:endParaRPr lang="en-US" dirty="0" err="1"/>
+          </a:p>
+          <a:p>
+            <a:pPr>
+              <a:lnSpc>
+                <a:spcPct val="440000"/>
+              </a:lnSpc>
+            </a:pPr>
+            <a:r>
+              <a:rPr lang="en-US" b="1" dirty="0" err="1"/>
+              <a:t>6</a:t>
+            </a:r>
+            <a:endParaRPr lang="en-US" dirty="0" err="1"/>
+          </a:p>
+        </p:txBody>
+      </p:sp>
+      <p:sp>
+        <p:nvSpPr>
+          <p:cNvPr id="24" name="TextBox 23"/>
+          <p:cNvSpPr txBox="1"/>
+          <p:nvPr/>
+        </p:nvSpPr>
+        <p:spPr>
+          <a:xfrm>
+            <a:off x="1355475" y="6316544"/>
+            <a:ext cx="354453" cy="369332"/>
+          </a:xfrm>
+          <a:prstGeom prst="rect">
+            <a:avLst/>
+          </a:prstGeom>
+          <a:noFill/>
+        </p:spPr>
+        <p:txBody>
+          <a:bodyPr wrap="square" rtlCol="0">
+            <a:spAutoFit/>
+          </a:bodyPr>
+          <a:lstStyle/>
+          <a:p>
+            <a:r>
+              <a:rPr lang="en-US" dirty="0" err="1"/>
+              <a:t>…</a:t>
+            </a:r>
+            <a:endParaRPr lang="en-US" dirty="0"/>
+          </a:p>
+        </p:txBody>
+      </p:sp>
+      <p:sp>
+        <p:nvSpPr>
+          <p:cNvPr id="22" name="TextBox 21"/>
+          <p:cNvSpPr txBox="1"/>
+          <p:nvPr/>
+        </p:nvSpPr>
+        <p:spPr>
+          <a:xfrm>
+            <a:off x="6725730" y="735955"/>
+            <a:ext cx="4411662" cy="5386090"/>
+          </a:xfrm>
+          <a:prstGeom prst="rect">
+            <a:avLst/>
+          </a:prstGeom>
+          <a:noFill/>
+        </p:spPr>
+        <p:txBody>
+          <a:bodyPr wrap="square" rtlCol="0">
+            <a:spAutoFit/>
+          </a:bodyPr>
+          <a:lstStyle/>
+          <a:p>
+            <a:r>
+              <a:rPr lang="en-US" sz="2000" b="1" dirty="0" smtClean="0"/>
+              <a:t>Ok, so what?</a:t>
+            </a:r>
+          </a:p>
+          <a:p>
+            <a:endParaRPr lang="en-US" sz="2000" dirty="0"/>
+          </a:p>
+          <a:p>
+            <a:r>
+              <a:rPr lang="en-US" sz="2000" dirty="0"/>
+              <a:t>Obviously in this arbitrary example you don’t “feel” anything personally.</a:t>
+            </a:r>
+          </a:p>
+          <a:p>
+            <a:endParaRPr lang="en-US" sz="2000" dirty="0"/>
+          </a:p>
+          <a:p>
+            <a:r>
+              <a:rPr lang="en-US" sz="2000" dirty="0"/>
+              <a:t>But if this would be a group you are part of – you would “feel” something.</a:t>
+            </a:r>
+          </a:p>
+          <a:p>
+            <a:endParaRPr lang="en-US" sz="2000" dirty="0" smtClean="0"/>
+          </a:p>
+          <a:p>
+            <a:r>
+              <a:rPr lang="en-US" sz="2000" b="1" dirty="0" smtClean="0"/>
+              <a:t>Next step?</a:t>
+            </a:r>
+          </a:p>
+          <a:p>
+            <a:endParaRPr lang="en-US" sz="2000" dirty="0"/>
+          </a:p>
+          <a:p>
+            <a:r>
+              <a:rPr lang="en-US" sz="2000" dirty="0"/>
+              <a:t>If the task is to form subgroups for a project for instance - compute the best possible overall configuration depending on the group-size parameters:</a:t>
+            </a:r>
+          </a:p>
+          <a:p>
+            <a:pPr marL="342900" indent="-342900">
+              <a:buFont typeface="Arial" charset="0"/>
+              <a:buChar char="•"/>
+            </a:pPr>
+            <a:r>
+              <a:rPr lang="en-US" sz="1600" dirty="0"/>
+              <a:t>3 groups of 3</a:t>
+            </a:r>
+          </a:p>
+          <a:p>
+            <a:pPr marL="342900" indent="-342900">
+              <a:buFont typeface="Arial" charset="0"/>
+              <a:buChar char="•"/>
+            </a:pPr>
+            <a:r>
+              <a:rPr lang="en-US" sz="1600" dirty="0"/>
+              <a:t>2 groups of size 4 and 5</a:t>
+            </a:r>
+          </a:p>
+          <a:p>
+            <a:pPr marL="342900" indent="-342900">
+              <a:buFont typeface="Arial" charset="0"/>
+              <a:buChar char="•"/>
+            </a:pPr>
+            <a:r>
+              <a:rPr lang="en-US" sz="1600" dirty="0"/>
+              <a:t>3 groups of size 2 and one of size 3</a:t>
+            </a:r>
+          </a:p>
+          <a:p>
+            <a:pPr marL="342900" indent="-342900">
+              <a:buFont typeface="Arial" charset="0"/>
+              <a:buChar char="•"/>
+            </a:pPr>
+            <a:r>
+              <a:rPr lang="en-US" sz="1600" dirty="0"/>
+              <a:t>… </a:t>
+            </a:r>
+          </a:p>
+        </p:txBody>
+      </p:sp>
+    </p:spTree>
+    <p:extLst>
+      <p:ext uri="{BB962C8B-B14F-4D97-AF65-F5344CB8AC3E}">
+        <p14:creationId xmlns:p14="http://schemas.microsoft.com/office/powerpoint/2010/main" val="1691449122"/>
+      </p:ext>
+    </p:extLst>
+  </p:cSld>
+  <p:clrMapOvr>
+    <a:masterClrMapping/>
+  </p:clrMapOvr>
+  <p:timing>
+    <p:tnLst>
+      <p:par>
+        <p:cTn id="1" dur="indefinite" restart="never" nodeType="tmRoot">
+          <p:childTnLst>
+            <p:seq concurrent="1" nextAc="seek">
+              <p:cTn id="2" dur="indefinite" nodeType="mainSeq">
+                <p:childTnLst>
+                  <p:par>
+                    <p:cTn id="3" fill="hold">
+                      <p:stCondLst>
+                        <p:cond delay="indefinite"/>
+                        <p:cond evt="onBegin" delay="0">
+                          <p:tn val="2"/>
+                        </p:cond>
+                      </p:stCondLst>
+                      <p:childTnLst>
+                        <p:par>
+                          <p:cTn id="4" fill="hold">
+                            <p:stCondLst>
+                              <p:cond delay="0"/>
+                            </p:stCondLst>
+                            <p:childTnLst>
+                              <p:par>
+                                <p:cTn id="5" presetID="10" presetClass="entr" presetSubtype="0" fill="hold" grpId="0" nodeType="afterEffect">
+                                  <p:stCondLst>
+                                    <p:cond delay="0"/>
+                                  </p:stCondLst>
+                                  <p:childTnLst>
+                                    <p:set>
+                                      <p:cBhvr>
+                                        <p:cTn id="6" dur="1" fill="hold">
+                                          <p:stCondLst>
+                                            <p:cond delay="0"/>
+                                          </p:stCondLst>
+                                        </p:cTn>
+                                        <p:tgtEl>
+                                          <p:spTgt spid="22">
+                                            <p:txEl>
+                                              <p:pRg st="0" end="0"/>
+                                            </p:txEl>
+                                          </p:spTgt>
+                                        </p:tgtEl>
+                                        <p:attrNameLst>
+                                          <p:attrName>style.visibility</p:attrName>
+                                        </p:attrNameLst>
+                                      </p:cBhvr>
+                                      <p:to>
+                                        <p:strVal val="visible"/>
+                                      </p:to>
+                                    </p:set>
+                                    <p:animEffect transition="in" filter="fade">
+                                      <p:cBhvr>
+                                        <p:cTn id="7" dur="500"/>
+                                        <p:tgtEl>
+                                          <p:spTgt spid="22">
+                                            <p:txEl>
+                                              <p:pRg st="0" end="0"/>
+                                            </p:txEl>
+                                          </p:spTgt>
+                                        </p:tgtEl>
+                                      </p:cBhvr>
+                                    </p:animEffect>
+                                  </p:childTnLst>
+                                </p:cTn>
+                              </p:par>
+                            </p:childTnLst>
+                          </p:cTn>
+                        </p:par>
+                      </p:childTnLst>
+                    </p:cTn>
+                  </p:par>
+                  <p:par>
+                    <p:cTn id="8" fill="hold">
+                      <p:stCondLst>
+                        <p:cond delay="indefinite"/>
+                      </p:stCondLst>
+                      <p:childTnLst>
+                        <p:par>
+                          <p:cTn id="9" fill="hold">
+                            <p:stCondLst>
+                              <p:cond delay="0"/>
+                            </p:stCondLst>
+                            <p:childTnLst>
+                              <p:par>
+                                <p:cTn id="10" presetID="10" presetClass="entr" presetSubtype="0" fill="hold" grpId="0" nodeType="clickEffect">
+                                  <p:stCondLst>
+                                    <p:cond delay="0"/>
+                                  </p:stCondLst>
+                                  <p:childTnLst>
+                                    <p:set>
+                                      <p:cBhvr>
+                                        <p:cTn id="11" dur="1" fill="hold">
+                                          <p:stCondLst>
+                                            <p:cond delay="0"/>
+                                          </p:stCondLst>
+                                        </p:cTn>
+                                        <p:tgtEl>
+                                          <p:spTgt spid="22">
+                                            <p:txEl>
+                                              <p:pRg st="2" end="2"/>
+                                            </p:txEl>
+                                          </p:spTgt>
+                                        </p:tgtEl>
+                                        <p:attrNameLst>
+                                          <p:attrName>style.visibility</p:attrName>
+                                        </p:attrNameLst>
+                                      </p:cBhvr>
+                                      <p:to>
+                                        <p:strVal val="visible"/>
+                                      </p:to>
+                                    </p:set>
+                                    <p:animEffect transition="in" filter="fade">
+                                      <p:cBhvr>
+                                        <p:cTn id="12" dur="500"/>
+                                        <p:tgtEl>
+                                          <p:spTgt spid="22">
+                                            <p:txEl>
+                                              <p:pRg st="2" end="2"/>
+                                            </p:txEl>
+                                          </p:spTgt>
+                                        </p:tgtEl>
+                                      </p:cBhvr>
+                                    </p:animEffect>
+                                  </p:childTnLst>
+                                </p:cTn>
+                              </p:par>
+                            </p:childTnLst>
+                          </p:cTn>
+                        </p:par>
+                      </p:childTnLst>
+                    </p:cTn>
+                  </p:par>
+                  <p:par>
+                    <p:cTn id="13" fill="hold">
+                      <p:stCondLst>
+                        <p:cond delay="indefinite"/>
+                      </p:stCondLst>
+                      <p:childTnLst>
+                        <p:par>
+                          <p:cTn id="14" fill="hold">
+                            <p:stCondLst>
+                              <p:cond delay="0"/>
+                            </p:stCondLst>
+                            <p:childTnLst>
+                              <p:par>
+                                <p:cTn id="15" presetID="10" presetClass="entr" presetSubtype="0" fill="hold" grpId="0" nodeType="clickEffect">
+                                  <p:stCondLst>
+                                    <p:cond delay="0"/>
+                                  </p:stCondLst>
+                                  <p:childTnLst>
+                                    <p:set>
+                                      <p:cBhvr>
+                                        <p:cTn id="16" dur="1" fill="hold">
+                                          <p:stCondLst>
+                                            <p:cond delay="0"/>
+                                          </p:stCondLst>
+                                        </p:cTn>
+                                        <p:tgtEl>
+                                          <p:spTgt spid="22">
+                                            <p:txEl>
+                                              <p:pRg st="4" end="4"/>
+                                            </p:txEl>
+                                          </p:spTgt>
+                                        </p:tgtEl>
+                                        <p:attrNameLst>
+                                          <p:attrName>style.visibility</p:attrName>
+                                        </p:attrNameLst>
+                                      </p:cBhvr>
+                                      <p:to>
+                                        <p:strVal val="visible"/>
+                                      </p:to>
+                                    </p:set>
+                                    <p:animEffect transition="in" filter="fade">
+                                      <p:cBhvr>
+                                        <p:cTn id="17" dur="500"/>
+                                        <p:tgtEl>
+                                          <p:spTgt spid="22">
+                                            <p:txEl>
+                                              <p:pRg st="4" end="4"/>
+                                            </p:txEl>
+                                          </p:spTgt>
+                                        </p:tgtEl>
+                                      </p:cBhvr>
+                                    </p:animEffect>
+                                  </p:childTnLst>
+                                </p:cTn>
+                              </p:par>
+                            </p:childTnLst>
+                          </p:cTn>
+                        </p:par>
+                      </p:childTnLst>
+                    </p:cTn>
+                  </p:par>
+                  <p:par>
+                    <p:cTn id="18" fill="hold">
+                      <p:stCondLst>
+                        <p:cond delay="indefinite"/>
+                      </p:stCondLst>
+                      <p:childTnLst>
+                        <p:par>
+                          <p:cTn id="19" fill="hold">
+                            <p:stCondLst>
+                              <p:cond delay="0"/>
+                            </p:stCondLst>
+                            <p:childTnLst>
+                              <p:par>
+                                <p:cTn id="20" presetID="10" presetClass="entr" presetSubtype="0" fill="hold" grpId="0" nodeType="clickEffect">
+                                  <p:stCondLst>
+                                    <p:cond delay="0"/>
+                                  </p:stCondLst>
+                                  <p:childTnLst>
+                                    <p:set>
+                                      <p:cBhvr>
+                                        <p:cTn id="21" dur="1" fill="hold">
+                                          <p:stCondLst>
+                                            <p:cond delay="0"/>
+                                          </p:stCondLst>
+                                        </p:cTn>
+                                        <p:tgtEl>
+                                          <p:spTgt spid="22">
+                                            <p:txEl>
+                                              <p:pRg st="6" end="6"/>
+                                            </p:txEl>
+                                          </p:spTgt>
+                                        </p:tgtEl>
+                                        <p:attrNameLst>
+                                          <p:attrName>style.visibility</p:attrName>
+                                        </p:attrNameLst>
+                                      </p:cBhvr>
+                                      <p:to>
+                                        <p:strVal val="visible"/>
+                                      </p:to>
+                                    </p:set>
+                                    <p:animEffect transition="in" filter="fade">
+                                      <p:cBhvr>
+                                        <p:cTn id="22" dur="500"/>
+                                        <p:tgtEl>
+                                          <p:spTgt spid="22">
+                                            <p:txEl>
+                                              <p:pRg st="6" end="6"/>
+                                            </p:txEl>
+                                          </p:spTgt>
+                                        </p:tgtEl>
+                                      </p:cBhvr>
+                                    </p:animEffect>
+                                  </p:childTnLst>
+                                </p:cTn>
+                              </p:par>
+                            </p:childTnLst>
+                          </p:cTn>
+                        </p:par>
+                      </p:childTnLst>
+                    </p:cTn>
+                  </p:par>
+                  <p:par>
+                    <p:cTn id="23" fill="hold">
+                      <p:stCondLst>
+                        <p:cond delay="indefinite"/>
+                      </p:stCondLst>
+                      <p:childTnLst>
+                        <p:par>
+                          <p:cTn id="24" fill="hold">
+                            <p:stCondLst>
+                              <p:cond delay="0"/>
+                            </p:stCondLst>
+                            <p:childTnLst>
+                              <p:par>
+                                <p:cTn id="25" presetID="10" presetClass="entr" presetSubtype="0" fill="hold" grpId="0" nodeType="clickEffect">
+                                  <p:stCondLst>
+                                    <p:cond delay="0"/>
+                                  </p:stCondLst>
+                                  <p:childTnLst>
+                                    <p:set>
+                                      <p:cBhvr>
+                                        <p:cTn id="26" dur="1" fill="hold">
+                                          <p:stCondLst>
+                                            <p:cond delay="0"/>
+                                          </p:stCondLst>
+                                        </p:cTn>
+                                        <p:tgtEl>
+                                          <p:spTgt spid="22">
+                                            <p:txEl>
+                                              <p:pRg st="8" end="8"/>
+                                            </p:txEl>
+                                          </p:spTgt>
+                                        </p:tgtEl>
+                                        <p:attrNameLst>
+                                          <p:attrName>style.visibility</p:attrName>
+                                        </p:attrNameLst>
+                                      </p:cBhvr>
+                                      <p:to>
+                                        <p:strVal val="visible"/>
+                                      </p:to>
+                                    </p:set>
+                                    <p:animEffect transition="in" filter="fade">
+                                      <p:cBhvr>
+                                        <p:cTn id="27" dur="500"/>
+                                        <p:tgtEl>
+                                          <p:spTgt spid="22">
+                                            <p:txEl>
+                                              <p:pRg st="8" end="8"/>
+                                            </p:txEl>
+                                          </p:spTgt>
+                                        </p:tgtEl>
+                                      </p:cBhvr>
+                                    </p:animEffect>
+                                  </p:childTnLst>
+                                </p:cTn>
+                              </p:par>
+                            </p:childTnLst>
+                          </p:cTn>
+                        </p:par>
+                      </p:childTnLst>
+                    </p:cTn>
+                  </p:par>
+                  <p:par>
+                    <p:cTn id="28" fill="hold">
+                      <p:stCondLst>
+                        <p:cond delay="indefinite"/>
+                      </p:stCondLst>
+                      <p:childTnLst>
+                        <p:par>
+                          <p:cTn id="29" fill="hold">
+                            <p:stCondLst>
+                              <p:cond delay="0"/>
+                            </p:stCondLst>
+                            <p:childTnLst>
+                              <p:par>
+                                <p:cTn id="30" presetID="10" presetClass="entr" presetSubtype="0" fill="hold" grpId="0" nodeType="clickEffect">
+                                  <p:stCondLst>
+                                    <p:cond delay="0"/>
+                                  </p:stCondLst>
+                                  <p:childTnLst>
+                                    <p:set>
+                                      <p:cBhvr>
+                                        <p:cTn id="31" dur="1" fill="hold">
+                                          <p:stCondLst>
+                                            <p:cond delay="0"/>
+                                          </p:stCondLst>
+                                        </p:cTn>
+                                        <p:tgtEl>
+                                          <p:spTgt spid="22">
+                                            <p:txEl>
+                                              <p:pRg st="9" end="9"/>
+                                            </p:txEl>
+                                          </p:spTgt>
+                                        </p:tgtEl>
+                                        <p:attrNameLst>
+                                          <p:attrName>style.visibility</p:attrName>
+                                        </p:attrNameLst>
+                                      </p:cBhvr>
+                                      <p:to>
+                                        <p:strVal val="visible"/>
+                                      </p:to>
+                                    </p:set>
+                                    <p:animEffect transition="in" filter="fade">
+                                      <p:cBhvr>
+                                        <p:cTn id="32" dur="500"/>
+                                        <p:tgtEl>
+                                          <p:spTgt spid="22">
+                                            <p:txEl>
+                                              <p:pRg st="9" end="9"/>
+                                            </p:txEl>
+                                          </p:spTgt>
+                                        </p:tgtEl>
+                                      </p:cBhvr>
+                                    </p:animEffect>
+                                  </p:childTnLst>
+                                </p:cTn>
+                              </p:par>
+                            </p:childTnLst>
+                          </p:cTn>
+                        </p:par>
+                        <p:par>
+                          <p:cTn id="33" fill="hold">
+                            <p:stCondLst>
+                              <p:cond delay="500"/>
+                            </p:stCondLst>
+                            <p:childTnLst>
+                              <p:par>
+                                <p:cTn id="34" presetID="10" presetClass="entr" presetSubtype="0" fill="hold" grpId="0" nodeType="afterEffect">
+                                  <p:stCondLst>
+                                    <p:cond delay="0"/>
+                                  </p:stCondLst>
+                                  <p:childTnLst>
+                                    <p:set>
+                                      <p:cBhvr>
+                                        <p:cTn id="35" dur="1" fill="hold">
+                                          <p:stCondLst>
+                                            <p:cond delay="0"/>
+                                          </p:stCondLst>
+                                        </p:cTn>
+                                        <p:tgtEl>
+                                          <p:spTgt spid="22">
+                                            <p:txEl>
+                                              <p:pRg st="10" end="10"/>
+                                            </p:txEl>
+                                          </p:spTgt>
+                                        </p:tgtEl>
+                                        <p:attrNameLst>
+                                          <p:attrName>style.visibility</p:attrName>
+                                        </p:attrNameLst>
+                                      </p:cBhvr>
+                                      <p:to>
+                                        <p:strVal val="visible"/>
+                                      </p:to>
+                                    </p:set>
+                                    <p:animEffect transition="in" filter="fade">
+                                      <p:cBhvr>
+                                        <p:cTn id="36" dur="500"/>
+                                        <p:tgtEl>
+                                          <p:spTgt spid="22">
+                                            <p:txEl>
+                                              <p:pRg st="10" end="10"/>
+                                            </p:txEl>
+                                          </p:spTgt>
+                                        </p:tgtEl>
+                                      </p:cBhvr>
+                                    </p:animEffect>
+                                  </p:childTnLst>
+                                </p:cTn>
+                              </p:par>
+                            </p:childTnLst>
+                          </p:cTn>
+                        </p:par>
+                        <p:par>
+                          <p:cTn id="37" fill="hold">
+                            <p:stCondLst>
+                              <p:cond delay="1000"/>
+                            </p:stCondLst>
+                            <p:childTnLst>
+                              <p:par>
+                                <p:cTn id="38" presetID="10" presetClass="entr" presetSubtype="0" fill="hold" grpId="0" nodeType="afterEffect">
+                                  <p:stCondLst>
+                                    <p:cond delay="0"/>
+                                  </p:stCondLst>
+                                  <p:childTnLst>
+                                    <p:set>
+                                      <p:cBhvr>
+                                        <p:cTn id="39" dur="1" fill="hold">
+                                          <p:stCondLst>
+                                            <p:cond delay="0"/>
+                                          </p:stCondLst>
+                                        </p:cTn>
+                                        <p:tgtEl>
+                                          <p:spTgt spid="22">
+                                            <p:txEl>
+                                              <p:pRg st="11" end="11"/>
+                                            </p:txEl>
+                                          </p:spTgt>
+                                        </p:tgtEl>
+                                        <p:attrNameLst>
+                                          <p:attrName>style.visibility</p:attrName>
+                                        </p:attrNameLst>
+                                      </p:cBhvr>
+                                      <p:to>
+                                        <p:strVal val="visible"/>
+                                      </p:to>
+                                    </p:set>
+                                    <p:animEffect transition="in" filter="fade">
+                                      <p:cBhvr>
+                                        <p:cTn id="40" dur="500"/>
+                                        <p:tgtEl>
+                                          <p:spTgt spid="22">
+                                            <p:txEl>
+                                              <p:pRg st="11" end="11"/>
+                                            </p:txEl>
+                                          </p:spTgt>
+                                        </p:tgtEl>
+                                      </p:cBhvr>
+                                    </p:animEffect>
+                                  </p:childTnLst>
+                                </p:cTn>
+                              </p:par>
+                            </p:childTnLst>
+                          </p:cTn>
+                        </p:par>
+                        <p:par>
+                          <p:cTn id="41" fill="hold">
+                            <p:stCondLst>
+                              <p:cond delay="1500"/>
+                            </p:stCondLst>
+                            <p:childTnLst>
+                              <p:par>
+                                <p:cTn id="42" presetID="10" presetClass="entr" presetSubtype="0" fill="hold" grpId="0" nodeType="afterEffect">
+                                  <p:stCondLst>
+                                    <p:cond delay="0"/>
+                                  </p:stCondLst>
+                                  <p:childTnLst>
+                                    <p:set>
+                                      <p:cBhvr>
+                                        <p:cTn id="43" dur="1" fill="hold">
+                                          <p:stCondLst>
+                                            <p:cond delay="0"/>
+                                          </p:stCondLst>
+                                        </p:cTn>
+                                        <p:tgtEl>
+                                          <p:spTgt spid="22">
+                                            <p:txEl>
+                                              <p:pRg st="12" end="12"/>
+                                            </p:txEl>
+                                          </p:spTgt>
+                                        </p:tgtEl>
+                                        <p:attrNameLst>
+                                          <p:attrName>style.visibility</p:attrName>
+                                        </p:attrNameLst>
+                                      </p:cBhvr>
+                                      <p:to>
+                                        <p:strVal val="visible"/>
+                                      </p:to>
+                                    </p:set>
+                                    <p:animEffect transition="in" filter="fade">
+                                      <p:cBhvr>
+                                        <p:cTn id="44" dur="500"/>
+                                        <p:tgtEl>
+                                          <p:spTgt spid="22">
+                                            <p:txEl>
+                                              <p:pRg st="12" end="12"/>
+                                            </p:txEl>
+                                          </p:spTgt>
+                                        </p:tgtEl>
+                                      </p:cBhvr>
+                                    </p:animEffect>
+                                  </p:childTnLst>
+                                </p:cTn>
+                              </p:par>
+                            </p:childTnLst>
+                          </p:cTn>
+                        </p:par>
+                      </p:childTnLst>
+                    </p:cTn>
+                  </p:par>
+                </p:childTnLst>
+              </p:cTn>
+              <p:prevCondLst>
+                <p:cond evt="onPrev" delay="0">
+                  <p:tgtEl>
+                    <p:sldTgt/>
+                  </p:tgtEl>
+                </p:cond>
+              </p:prevCondLst>
+              <p:nextCondLst>
+                <p:cond evt="onNext" delay="0">
+                  <p:tgtEl>
+                    <p:sldTgt/>
+                  </p:tgtEl>
+                </p:cond>
+              </p:nextCondLst>
+            </p:seq>
+          </p:childTnLst>
+        </p:cTn>
+      </p:par>
+    </p:tnLst>
+    <p:bldLst>
+      <p:bldP spid="22" grpId="0" uiExpand="1" build="p"/>
+    </p:bldLst>
+  </p:timing>
+</p:sld>
+</file>
+
+<file path=ppt/slides/slide11.xml><?xml version="1.0" encoding="utf-8"?>
+<p:sld xmlns:a="http://schemas.openxmlformats.org/drawingml/2006/main" xmlns:r="http://schemas.openxmlformats.org/officeDocument/2006/relationships" xmlns:p="http://schemas.openxmlformats.org/presentationml/2006/main">
+  <p:cSld>
+    <p:spTree>
+      <p:nvGrpSpPr>
+        <p:cNvPr id="1" name=""/>
+        <p:cNvGrpSpPr/>
+        <p:nvPr/>
+      </p:nvGrpSpPr>
+      <p:grpSpPr>
+        <a:xfrm>
+          <a:off x="0" y="0"/>
+          <a:ext cx="0" cy="0"/>
+          <a:chOff x="0" y="0"/>
+          <a:chExt cx="0" cy="0"/>
+        </a:xfrm>
+      </p:grpSpPr>
+      <p:sp>
+        <p:nvSpPr>
+          <p:cNvPr id="3" name="TextBox 2"/>
+          <p:cNvSpPr txBox="1"/>
+          <p:nvPr/>
+        </p:nvSpPr>
+        <p:spPr>
+          <a:xfrm>
+            <a:off x="2059845" y="1536174"/>
+            <a:ext cx="8072310" cy="3785652"/>
+          </a:xfrm>
+          <a:prstGeom prst="rect">
+            <a:avLst/>
+          </a:prstGeom>
+          <a:noFill/>
+        </p:spPr>
+        <p:txBody>
+          <a:bodyPr wrap="square" rtlCol="0">
+            <a:spAutoFit/>
+          </a:bodyPr>
+          <a:lstStyle/>
+          <a:p>
+            <a:r>
+              <a:rPr lang="en-US" sz="2000" b="1" dirty="0"/>
+              <a:t>Other applications</a:t>
+            </a:r>
+            <a:endParaRPr lang="en-US" sz="2000" dirty="0"/>
+          </a:p>
+          <a:p>
+            <a:pPr marL="342900" indent="-342900">
+              <a:buFont typeface="Arial" charset="0"/>
+              <a:buChar char="•"/>
+            </a:pPr>
+            <a:r>
+              <a:rPr lang="en-US" sz="2000" dirty="0"/>
+              <a:t>music playlists</a:t>
+            </a:r>
+          </a:p>
+          <a:p>
+            <a:pPr marL="342900" indent="-342900">
+              <a:buFont typeface="Arial" charset="0"/>
+              <a:buChar char="•"/>
+            </a:pPr>
+            <a:r>
+              <a:rPr lang="en-US" sz="2000" dirty="0"/>
+              <a:t>ice-cream combinations</a:t>
+            </a:r>
+            <a:endParaRPr lang="en-US" sz="2000" dirty="0"/>
+          </a:p>
+          <a:p>
+            <a:pPr marL="342900" indent="-342900">
+              <a:buFont typeface="Arial" charset="0"/>
+              <a:buChar char="•"/>
+            </a:pPr>
+            <a:r>
+              <a:rPr lang="en-US" sz="2000" dirty="0"/>
+              <a:t>crowdsourcing categorization-schemes e.g. for Post-its after a brainstorm</a:t>
+            </a:r>
+          </a:p>
+          <a:p>
+            <a:pPr marL="342900" indent="-342900">
+              <a:buFont typeface="Arial" charset="0"/>
+              <a:buChar char="•"/>
+            </a:pPr>
+            <a:r>
+              <a:rPr lang="en-US" sz="2000" dirty="0"/>
+              <a:t>CV analysis</a:t>
+            </a:r>
+          </a:p>
+          <a:p>
+            <a:pPr marL="342900" indent="-342900">
+              <a:buFont typeface="Arial" charset="0"/>
+              <a:buChar char="•"/>
+            </a:pPr>
+            <a:r>
+              <a:rPr lang="en-US" sz="2000" dirty="0"/>
+              <a:t>…</a:t>
+            </a:r>
+          </a:p>
+          <a:p>
+            <a:pPr marL="342900" indent="-342900">
+              <a:buFont typeface="Arial" charset="0"/>
+              <a:buChar char="•"/>
+            </a:pPr>
+            <a:r>
+              <a:rPr lang="en-US" sz="2000" dirty="0"/>
+              <a:t>anything where multiple selections are being assembled out of a shared pool of entitities and the “intelligence” in question goes into the assembly of the selection</a:t>
+            </a:r>
+          </a:p>
+          <a:p>
+            <a:pPr marL="342900" indent="-342900">
+              <a:buFont typeface="Arial" charset="0"/>
+              <a:buChar char="•"/>
+            </a:pPr>
+            <a:endParaRPr lang="en-US" sz="2000" dirty="0"/>
+          </a:p>
+          <a:p>
+            <a:r>
+              <a:rPr lang="en-US" sz="2000" b="1" dirty="0"/>
+              <a:t>Heuristics</a:t>
+            </a:r>
+          </a:p>
+          <a:p>
+            <a:r>
+              <a:rPr lang="en-US" sz="2000" dirty="0"/>
+              <a:t>Yes, definitely! Brute-force hits a computational limit pretty fast.</a:t>
+            </a:r>
+          </a:p>
+        </p:txBody>
+      </p:sp>
+    </p:spTree>
+    <p:extLst>
+      <p:ext uri="{BB962C8B-B14F-4D97-AF65-F5344CB8AC3E}">
+        <p14:creationId xmlns:p14="http://schemas.microsoft.com/office/powerpoint/2010/main" val="885799631"/>
+      </p:ext>
+    </p:extLst>
+  </p:cSld>
+  <p:clrMapOvr>
+    <a:masterClrMapping/>
+  </p:clrMapOvr>
+  <p:timing>
+    <p:tnLst>
+      <p:par>
+        <p:cTn id="1" dur="indefinite" restart="never" nodeType="tmRoot">
+          <p:childTnLst>
+            <p:seq concurrent="1" nextAc="seek">
+              <p:cTn id="2" dur="indefinite" nodeType="mainSeq">
+                <p:childTnLst>
+                  <p:par>
+                    <p:cTn id="3" fill="hold">
+                      <p:stCondLst>
+                        <p:cond delay="indefinite"/>
+                        <p:cond evt="onBegin" delay="0">
+                          <p:tn val="2"/>
+                        </p:cond>
+                      </p:stCondLst>
+                      <p:childTnLst>
+                        <p:par>
+                          <p:cTn id="4" fill="hold">
+                            <p:stCondLst>
+                              <p:cond delay="0"/>
+                            </p:stCondLst>
+                            <p:childTnLst>
+                              <p:par>
+                                <p:cTn id="5" presetID="10" presetClass="entr" presetSubtype="0" fill="hold" grpId="0" nodeType="afterEffect">
+                                  <p:stCondLst>
+                                    <p:cond delay="0"/>
+                                  </p:stCondLst>
+                                  <p:childTnLst>
+                                    <p:set>
+                                      <p:cBhvr>
+                                        <p:cTn id="6" dur="1" fill="hold">
+                                          <p:stCondLst>
+                                            <p:cond delay="0"/>
+                                          </p:stCondLst>
+                                        </p:cTn>
+                                        <p:tgtEl>
+                                          <p:spTgt spid="3">
+                                            <p:txEl>
+                                              <p:pRg st="0" end="0"/>
+                                            </p:txEl>
+                                          </p:spTgt>
+                                        </p:tgtEl>
+                                        <p:attrNameLst>
+                                          <p:attrName>style.visibility</p:attrName>
+                                        </p:attrNameLst>
+                                      </p:cBhvr>
+                                      <p:to>
+                                        <p:strVal val="visible"/>
+                                      </p:to>
+                                    </p:set>
+                                    <p:animEffect transition="in" filter="fade">
+                                      <p:cBhvr>
+                                        <p:cTn id="7" dur="500"/>
+                                        <p:tgtEl>
+                                          <p:spTgt spid="3">
+                                            <p:txEl>
+                                              <p:pRg st="0" end="0"/>
+                                            </p:txEl>
+                                          </p:spTgt>
+                                        </p:tgtEl>
+                                      </p:cBhvr>
+                                    </p:animEffect>
+                                  </p:childTnLst>
+                                </p:cTn>
+                              </p:par>
+                            </p:childTnLst>
+                          </p:cTn>
+                        </p:par>
+                      </p:childTnLst>
+                    </p:cTn>
+                  </p:par>
+                  <p:par>
+                    <p:cTn id="8" fill="hold">
+                      <p:stCondLst>
+                        <p:cond delay="indefinite"/>
+                      </p:stCondLst>
+                      <p:childTnLst>
+                        <p:par>
+                          <p:cTn id="9" fill="hold">
+                            <p:stCondLst>
+                              <p:cond delay="0"/>
+                            </p:stCondLst>
+                            <p:childTnLst>
+                              <p:par>
+                                <p:cTn id="10" presetID="10" presetClass="entr" presetSubtype="0" fill="hold" grpId="0" nodeType="clickEffect">
+                                  <p:stCondLst>
+                                    <p:cond delay="0"/>
+                                  </p:stCondLst>
+                                  <p:childTnLst>
+                                    <p:set>
+                                      <p:cBhvr>
+                                        <p:cTn id="11" dur="1" fill="hold">
+                                          <p:stCondLst>
+                                            <p:cond delay="0"/>
+                                          </p:stCondLst>
+                                        </p:cTn>
+                                        <p:tgtEl>
+                                          <p:spTgt spid="3">
+                                            <p:txEl>
+                                              <p:pRg st="1" end="1"/>
+                                            </p:txEl>
+                                          </p:spTgt>
+                                        </p:tgtEl>
+                                        <p:attrNameLst>
+                                          <p:attrName>style.visibility</p:attrName>
+                                        </p:attrNameLst>
+                                      </p:cBhvr>
+                                      <p:to>
+                                        <p:strVal val="visible"/>
+                                      </p:to>
+                                    </p:set>
+                                    <p:animEffect transition="in" filter="fade">
+                                      <p:cBhvr>
+                                        <p:cTn id="12" dur="500"/>
+                                        <p:tgtEl>
+                                          <p:spTgt spid="3">
+                                            <p:txEl>
+                                              <p:pRg st="1" end="1"/>
+                                            </p:txEl>
+                                          </p:spTgt>
+                                        </p:tgtEl>
+                                      </p:cBhvr>
+                                    </p:animEffect>
+                                  </p:childTnLst>
+                                </p:cTn>
+                              </p:par>
+                            </p:childTnLst>
+                          </p:cTn>
+                        </p:par>
+                      </p:childTnLst>
+                    </p:cTn>
+                  </p:par>
+                  <p:par>
+                    <p:cTn id="13" fill="hold">
+                      <p:stCondLst>
+                        <p:cond delay="indefinite"/>
+                      </p:stCondLst>
+                      <p:childTnLst>
+                        <p:par>
+                          <p:cTn id="14" fill="hold">
+                            <p:stCondLst>
+                              <p:cond delay="0"/>
+                            </p:stCondLst>
+                            <p:childTnLst>
+                              <p:par>
+                                <p:cTn id="15" presetID="10" presetClass="entr" presetSubtype="0" fill="hold" grpId="0" nodeType="clickEffect">
+                                  <p:stCondLst>
+                                    <p:cond delay="0"/>
+                                  </p:stCondLst>
+                                  <p:childTnLst>
+                                    <p:set>
+                                      <p:cBhvr>
+                                        <p:cTn id="16" dur="1" fill="hold">
+                                          <p:stCondLst>
+                                            <p:cond delay="0"/>
+                                          </p:stCondLst>
+                                        </p:cTn>
+                                        <p:tgtEl>
+                                          <p:spTgt spid="3">
+                                            <p:txEl>
+                                              <p:pRg st="2" end="2"/>
+                                            </p:txEl>
+                                          </p:spTgt>
+                                        </p:tgtEl>
+                                        <p:attrNameLst>
+                                          <p:attrName>style.visibility</p:attrName>
+                                        </p:attrNameLst>
+                                      </p:cBhvr>
+                                      <p:to>
+                                        <p:strVal val="visible"/>
+                                      </p:to>
+                                    </p:set>
+                                    <p:animEffect transition="in" filter="fade">
+                                      <p:cBhvr>
+                                        <p:cTn id="17" dur="500"/>
+                                        <p:tgtEl>
+                                          <p:spTgt spid="3">
+                                            <p:txEl>
+                                              <p:pRg st="2" end="2"/>
+                                            </p:txEl>
+                                          </p:spTgt>
+                                        </p:tgtEl>
+                                      </p:cBhvr>
+                                    </p:animEffect>
+                                  </p:childTnLst>
+                                </p:cTn>
+                              </p:par>
+                            </p:childTnLst>
+                          </p:cTn>
+                        </p:par>
+                      </p:childTnLst>
+                    </p:cTn>
+                  </p:par>
+                  <p:par>
+                    <p:cTn id="18" fill="hold">
+                      <p:stCondLst>
+                        <p:cond delay="indefinite"/>
+                      </p:stCondLst>
+                      <p:childTnLst>
+                        <p:par>
+                          <p:cTn id="19" fill="hold">
+                            <p:stCondLst>
+                              <p:cond delay="0"/>
+                            </p:stCondLst>
+                            <p:childTnLst>
+                              <p:par>
+                                <p:cTn id="20" presetID="10" presetClass="entr" presetSubtype="0" fill="hold" grpId="0" nodeType="clickEffect">
+                                  <p:stCondLst>
+                                    <p:cond delay="0"/>
+                                  </p:stCondLst>
+                                  <p:childTnLst>
+                                    <p:set>
+                                      <p:cBhvr>
+                                        <p:cTn id="21" dur="1" fill="hold">
+                                          <p:stCondLst>
+                                            <p:cond delay="0"/>
+                                          </p:stCondLst>
+                                        </p:cTn>
+                                        <p:tgtEl>
+                                          <p:spTgt spid="3">
+                                            <p:txEl>
+                                              <p:pRg st="3" end="3"/>
+                                            </p:txEl>
+                                          </p:spTgt>
+                                        </p:tgtEl>
+                                        <p:attrNameLst>
+                                          <p:attrName>style.visibility</p:attrName>
+                                        </p:attrNameLst>
+                                      </p:cBhvr>
+                                      <p:to>
+                                        <p:strVal val="visible"/>
+                                      </p:to>
+                                    </p:set>
+                                    <p:animEffect transition="in" filter="fade">
+                                      <p:cBhvr>
+                                        <p:cTn id="22" dur="500"/>
+                                        <p:tgtEl>
+                                          <p:spTgt spid="3">
+                                            <p:txEl>
+                                              <p:pRg st="3" end="3"/>
+                                            </p:txEl>
+                                          </p:spTgt>
+                                        </p:tgtEl>
+                                      </p:cBhvr>
+                                    </p:animEffect>
+                                  </p:childTnLst>
+                                </p:cTn>
+                              </p:par>
+                            </p:childTnLst>
+                          </p:cTn>
+                        </p:par>
+                      </p:childTnLst>
+                    </p:cTn>
+                  </p:par>
+                  <p:par>
+                    <p:cTn id="23" fill="hold">
+                      <p:stCondLst>
+                        <p:cond delay="indefinite"/>
+                      </p:stCondLst>
+                      <p:childTnLst>
+                        <p:par>
+                          <p:cTn id="24" fill="hold">
+                            <p:stCondLst>
+                              <p:cond delay="0"/>
+                            </p:stCondLst>
+                            <p:childTnLst>
+                              <p:par>
+                                <p:cTn id="25" presetID="10" presetClass="entr" presetSubtype="0" fill="hold" grpId="0" nodeType="clickEffect">
+                                  <p:stCondLst>
+                                    <p:cond delay="0"/>
+                                  </p:stCondLst>
+                                  <p:childTnLst>
+                                    <p:set>
+                                      <p:cBhvr>
+                                        <p:cTn id="26" dur="1" fill="hold">
+                                          <p:stCondLst>
+                                            <p:cond delay="0"/>
+                                          </p:stCondLst>
+                                        </p:cTn>
+                                        <p:tgtEl>
+                                          <p:spTgt spid="3">
+                                            <p:txEl>
+                                              <p:pRg st="4" end="4"/>
+                                            </p:txEl>
+                                          </p:spTgt>
+                                        </p:tgtEl>
+                                        <p:attrNameLst>
+                                          <p:attrName>style.visibility</p:attrName>
+                                        </p:attrNameLst>
+                                      </p:cBhvr>
+                                      <p:to>
+                                        <p:strVal val="visible"/>
+                                      </p:to>
+                                    </p:set>
+                                    <p:animEffect transition="in" filter="fade">
+                                      <p:cBhvr>
+                                        <p:cTn id="27" dur="500"/>
+                                        <p:tgtEl>
+                                          <p:spTgt spid="3">
+                                            <p:txEl>
+                                              <p:pRg st="4" end="4"/>
+                                            </p:txEl>
+                                          </p:spTgt>
+                                        </p:tgtEl>
+                                      </p:cBhvr>
+                                    </p:animEffect>
+                                  </p:childTnLst>
+                                </p:cTn>
+                              </p:par>
+                            </p:childTnLst>
+                          </p:cTn>
+                        </p:par>
+                      </p:childTnLst>
+                    </p:cTn>
+                  </p:par>
+                  <p:par>
+                    <p:cTn id="28" fill="hold">
+                      <p:stCondLst>
+                        <p:cond delay="indefinite"/>
+                      </p:stCondLst>
+                      <p:childTnLst>
+                        <p:par>
+                          <p:cTn id="29" fill="hold">
+                            <p:stCondLst>
+                              <p:cond delay="0"/>
+                            </p:stCondLst>
+                            <p:childTnLst>
+                              <p:par>
+                                <p:cTn id="30" presetID="10" presetClass="entr" presetSubtype="0" fill="hold" grpId="0" nodeType="clickEffect">
+                                  <p:stCondLst>
+                                    <p:cond delay="0"/>
+                                  </p:stCondLst>
+                                  <p:childTnLst>
+                                    <p:set>
+                                      <p:cBhvr>
+                                        <p:cTn id="31" dur="1" fill="hold">
+                                          <p:stCondLst>
+                                            <p:cond delay="0"/>
+                                          </p:stCondLst>
+                                        </p:cTn>
+                                        <p:tgtEl>
+                                          <p:spTgt spid="3">
+                                            <p:txEl>
+                                              <p:pRg st="5" end="5"/>
+                                            </p:txEl>
+                                          </p:spTgt>
+                                        </p:tgtEl>
+                                        <p:attrNameLst>
+                                          <p:attrName>style.visibility</p:attrName>
+                                        </p:attrNameLst>
+                                      </p:cBhvr>
+                                      <p:to>
+                                        <p:strVal val="visible"/>
+                                      </p:to>
+                                    </p:set>
+                                    <p:animEffect transition="in" filter="fade">
+                                      <p:cBhvr>
+                                        <p:cTn id="32" dur="500"/>
+                                        <p:tgtEl>
+                                          <p:spTgt spid="3">
+                                            <p:txEl>
+                                              <p:pRg st="5" end="5"/>
+                                            </p:txEl>
+                                          </p:spTgt>
+                                        </p:tgtEl>
+                                      </p:cBhvr>
+                                    </p:animEffect>
+                                  </p:childTnLst>
+                                </p:cTn>
+                              </p:par>
+                            </p:childTnLst>
+                          </p:cTn>
+                        </p:par>
+                      </p:childTnLst>
+                    </p:cTn>
+                  </p:par>
+                  <p:par>
+                    <p:cTn id="33" fill="hold">
+                      <p:stCondLst>
+                        <p:cond delay="indefinite"/>
+                      </p:stCondLst>
+                      <p:childTnLst>
+                        <p:par>
+                          <p:cTn id="34" fill="hold">
+                            <p:stCondLst>
+                              <p:cond delay="0"/>
+                            </p:stCondLst>
+                            <p:childTnLst>
+                              <p:par>
+                                <p:cTn id="35" presetID="10" presetClass="entr" presetSubtype="0" fill="hold" grpId="0" nodeType="clickEffect">
+                                  <p:stCondLst>
+                                    <p:cond delay="0"/>
+                                  </p:stCondLst>
+                                  <p:childTnLst>
+                                    <p:set>
+                                      <p:cBhvr>
+                                        <p:cTn id="36" dur="1" fill="hold">
+                                          <p:stCondLst>
+                                            <p:cond delay="0"/>
+                                          </p:stCondLst>
+                                        </p:cTn>
+                                        <p:tgtEl>
+                                          <p:spTgt spid="3">
+                                            <p:txEl>
+                                              <p:pRg st="6" end="6"/>
+                                            </p:txEl>
+                                          </p:spTgt>
+                                        </p:tgtEl>
+                                        <p:attrNameLst>
+                                          <p:attrName>style.visibility</p:attrName>
+                                        </p:attrNameLst>
+                                      </p:cBhvr>
+                                      <p:to>
+                                        <p:strVal val="visible"/>
+                                      </p:to>
+                                    </p:set>
+                                    <p:animEffect transition="in" filter="fade">
+                                      <p:cBhvr>
+                                        <p:cTn id="37" dur="500"/>
+                                        <p:tgtEl>
+                                          <p:spTgt spid="3">
+                                            <p:txEl>
+                                              <p:pRg st="6" end="6"/>
+                                            </p:txEl>
+                                          </p:spTgt>
+                                        </p:tgtEl>
+                                      </p:cBhvr>
+                                    </p:animEffect>
+                                  </p:childTnLst>
+                                </p:cTn>
+                              </p:par>
+                            </p:childTnLst>
+                          </p:cTn>
+                        </p:par>
+                      </p:childTnLst>
+                    </p:cTn>
+                  </p:par>
+                  <p:par>
+                    <p:cTn id="38" fill="hold">
+                      <p:stCondLst>
+                        <p:cond delay="indefinite"/>
+                      </p:stCondLst>
+                      <p:childTnLst>
+                        <p:par>
+                          <p:cTn id="39" fill="hold">
+                            <p:stCondLst>
+                              <p:cond delay="0"/>
+                            </p:stCondLst>
+                            <p:childTnLst>
+                              <p:par>
+                                <p:cTn id="40" presetID="10" presetClass="entr" presetSubtype="0" fill="hold" grpId="0" nodeType="clickEffect">
+                                  <p:stCondLst>
+                                    <p:cond delay="0"/>
+                                  </p:stCondLst>
+                                  <p:childTnLst>
+                                    <p:set>
+                                      <p:cBhvr>
+                                        <p:cTn id="41" dur="1" fill="hold">
+                                          <p:stCondLst>
+                                            <p:cond delay="0"/>
+                                          </p:stCondLst>
+                                        </p:cTn>
+                                        <p:tgtEl>
+                                          <p:spTgt spid="3">
+                                            <p:txEl>
+                                              <p:pRg st="8" end="8"/>
+                                            </p:txEl>
+                                          </p:spTgt>
+                                        </p:tgtEl>
+                                        <p:attrNameLst>
+                                          <p:attrName>style.visibility</p:attrName>
+                                        </p:attrNameLst>
+                                      </p:cBhvr>
+                                      <p:to>
+                                        <p:strVal val="visible"/>
+                                      </p:to>
+                                    </p:set>
+                                    <p:animEffect transition="in" filter="fade">
+                                      <p:cBhvr>
+                                        <p:cTn id="42" dur="500"/>
+                                        <p:tgtEl>
+                                          <p:spTgt spid="3">
+                                            <p:txEl>
+                                              <p:pRg st="8" end="8"/>
+                                            </p:txEl>
+                                          </p:spTgt>
+                                        </p:tgtEl>
+                                      </p:cBhvr>
+                                    </p:animEffect>
+                                  </p:childTnLst>
+                                </p:cTn>
+                              </p:par>
+                            </p:childTnLst>
+                          </p:cTn>
+                        </p:par>
+                      </p:childTnLst>
+                    </p:cTn>
+                  </p:par>
+                  <p:par>
+                    <p:cTn id="43" fill="hold">
+                      <p:stCondLst>
+                        <p:cond delay="indefinite"/>
+                      </p:stCondLst>
+                      <p:childTnLst>
+                        <p:par>
+                          <p:cTn id="44" fill="hold">
+                            <p:stCondLst>
+                              <p:cond delay="0"/>
+                            </p:stCondLst>
+                            <p:childTnLst>
+                              <p:par>
+                                <p:cTn id="45" presetID="10" presetClass="entr" presetSubtype="0" fill="hold" grpId="0" nodeType="clickEffect">
+                                  <p:stCondLst>
+                                    <p:cond delay="0"/>
+                                  </p:stCondLst>
+                                  <p:childTnLst>
+                                    <p:set>
+                                      <p:cBhvr>
+                                        <p:cTn id="46" dur="1" fill="hold">
+                                          <p:stCondLst>
+                                            <p:cond delay="0"/>
+                                          </p:stCondLst>
+                                        </p:cTn>
+                                        <p:tgtEl>
+                                          <p:spTgt spid="3">
+                                            <p:txEl>
+                                              <p:pRg st="9" end="9"/>
+                                            </p:txEl>
+                                          </p:spTgt>
+                                        </p:tgtEl>
+                                        <p:attrNameLst>
+                                          <p:attrName>style.visibility</p:attrName>
+                                        </p:attrNameLst>
+                                      </p:cBhvr>
+                                      <p:to>
+                                        <p:strVal val="visible"/>
+                                      </p:to>
+                                    </p:set>
+                                    <p:animEffect transition="in" filter="fade">
+                                      <p:cBhvr>
+                                        <p:cTn id="47" dur="500"/>
+                                        <p:tgtEl>
+                                          <p:spTgt spid="3">
+                                            <p:txEl>
+                                              <p:pRg st="9" end="9"/>
+                                            </p:txEl>
+                                          </p:spTgt>
+                                        </p:tgtEl>
+                                      </p:cBhvr>
+                                    </p:animEffect>
+                                  </p:childTnLst>
+                                </p:cTn>
+                              </p:par>
+                            </p:childTnLst>
+                          </p:cTn>
+                        </p:par>
+                      </p:childTnLst>
+                    </p:cTn>
+                  </p:par>
+                </p:childTnLst>
+              </p:cTn>
+              <p:prevCondLst>
+                <p:cond evt="onPrev" delay="0">
+                  <p:tgtEl>
+                    <p:sldTgt/>
+                  </p:tgtEl>
+                </p:cond>
+              </p:prevCondLst>
+              <p:nextCondLst>
+                <p:cond evt="onNext" delay="0">
+                  <p:tgtEl>
+                    <p:sldTgt/>
+                  </p:tgtEl>
+                </p:cond>
+              </p:nextCondLst>
+            </p:seq>
+          </p:childTnLst>
+        </p:cTn>
+      </p:par>
+    </p:tnLst>
+    <p:bldLst>
+      <p:bldP spid="3" grpId="0" uiExpand="1" build="p"/>
+    </p:bldLst>
+  </p:timing>
+</p:sld>
+</file>
+
+<file path=ppt/slides/slide12.xml><?xml version="1.0" encoding="utf-8"?>
+<p:sld xmlns:a="http://schemas.openxmlformats.org/drawingml/2006/main" xmlns:r="http://schemas.openxmlformats.org/officeDocument/2006/relationships" xmlns:p="http://schemas.openxmlformats.org/presentationml/2006/main">
+  <p:cSld>
+    <p:spTree>
+      <p:nvGrpSpPr>
+        <p:cNvPr id="1" name=""/>
+        <p:cNvGrpSpPr/>
+        <p:nvPr/>
+      </p:nvGrpSpPr>
+      <p:grpSpPr>
+        <a:xfrm>
+          <a:off x="0" y="0"/>
+          <a:ext cx="0" cy="0"/>
+          <a:chOff x="0" y="0"/>
+          <a:chExt cx="0" cy="0"/>
+        </a:xfrm>
+      </p:grpSpPr>
+      <p:sp>
+        <p:nvSpPr>
+          <p:cNvPr id="3" name="TextBox 2"/>
+          <p:cNvSpPr txBox="1"/>
+          <p:nvPr/>
+        </p:nvSpPr>
+        <p:spPr>
+          <a:xfrm>
+            <a:off x="1720914" y="1074510"/>
+            <a:ext cx="8750173" cy="4708981"/>
+          </a:xfrm>
+          <a:prstGeom prst="rect">
+            <a:avLst/>
+          </a:prstGeom>
+          <a:noFill/>
+        </p:spPr>
+        <p:txBody>
+          <a:bodyPr wrap="square" rtlCol="0">
+            <a:spAutoFit/>
+          </a:bodyPr>
+          <a:lstStyle/>
+          <a:p>
+            <a:pPr algn="ctr"/>
+            <a:r>
+              <a:rPr lang="en-US" sz="4000" dirty="0" smtClean="0"/>
+              <a:t>Thanks for your attention.</a:t>
+            </a:r>
+          </a:p>
+          <a:p>
+            <a:pPr algn="ctr"/>
+            <a:endParaRPr lang="en-US" sz="4000" dirty="0" smtClean="0"/>
+          </a:p>
+          <a:p>
+            <a:pPr algn="ctr"/>
+            <a:r>
+              <a:rPr lang="en-US" sz="4000" b="1" dirty="0"/>
+              <a:t>Questions</a:t>
+            </a:r>
+            <a:r>
+              <a:rPr lang="en-US" sz="4000" dirty="0"/>
+              <a:t>?</a:t>
+            </a:r>
+          </a:p>
+          <a:p>
+            <a:pPr algn="ctr"/>
+            <a:endParaRPr lang="en-US" sz="4000" dirty="0"/>
+          </a:p>
+          <a:p>
+            <a:pPr algn="ctr"/>
+            <a:endParaRPr lang="en-US" sz="4000" dirty="0"/>
+          </a:p>
+          <a:p>
+            <a:pPr algn="ctr"/>
+            <a:endParaRPr lang="en-US" sz="4000" dirty="0"/>
+          </a:p>
+          <a:p>
+            <a:pPr algn="ctr"/>
+            <a:endParaRPr lang="en-US" sz="4000" dirty="0" smtClean="0"/>
+          </a:p>
+          <a:p>
+            <a:pPr algn="ctr"/>
+            <a:r>
+              <a:rPr lang="en-US" sz="2000" dirty="0" err="1">
+                <a:solidFill>
+                  <a:schemeClr val="tx1">
+                    <a:lumMod val="50000"/>
+                    <a:lumOff val="50000"/>
+                  </a:schemeClr>
+                </a:solidFill>
+              </a:rPr>
+              <a:t>github.com</a:t>
+            </a:r>
+            <a:r>
+              <a:rPr lang="en-US" sz="2000" dirty="0">
+                <a:solidFill>
+                  <a:schemeClr val="tx1">
+                    <a:lumMod val="50000"/>
+                    <a:lumOff val="50000"/>
+                  </a:schemeClr>
+                </a:solidFill>
+              </a:rPr>
+              <a:t>/</a:t>
+            </a:r>
+            <a:r>
+              <a:rPr lang="en-US" sz="2000" dirty="0" err="1">
+                <a:solidFill>
+                  <a:schemeClr val="tx1">
+                    <a:lumMod val="50000"/>
+                    <a:lumOff val="50000"/>
+                  </a:schemeClr>
+                </a:solidFill>
+              </a:rPr>
+              <a:t>benjaminaaron</a:t>
+            </a:r>
+            <a:r>
+              <a:rPr lang="en-US" sz="2000" dirty="0">
+                <a:solidFill>
+                  <a:schemeClr val="tx1">
+                    <a:lumMod val="50000"/>
+                    <a:lumOff val="50000"/>
+                  </a:schemeClr>
+                </a:solidFill>
+              </a:rPr>
+              <a:t>/subgroups</a:t>
+            </a:r>
+          </a:p>
+        </p:txBody>
+      </p:sp>
+    </p:spTree>
+    <p:extLst>
+      <p:ext uri="{BB962C8B-B14F-4D97-AF65-F5344CB8AC3E}">
+        <p14:creationId xmlns:p14="http://schemas.microsoft.com/office/powerpoint/2010/main" val="2122466788"/>
       </p:ext>
     </p:extLst>
   </p:cSld>
@@ -4116,8 +6853,8 @@
         </p:nvSpPr>
         <p:spPr>
           <a:xfrm>
-            <a:off x="1720914" y="904772"/>
-            <a:ext cx="8750173" cy="2369880"/>
+            <a:off x="2084682" y="1166843"/>
+            <a:ext cx="8022637" cy="4524315"/>
           </a:xfrm>
           <a:prstGeom prst="rect">
             <a:avLst/>
@@ -4131,30 +6868,68 @@
           <a:lstStyle/>
           <a:p>
             <a:r>
-              <a:rPr lang="en-US" sz="2000" dirty="0" smtClean="0"/>
-              <a:t>Can cause insights as well as resistance by the participants when being faced with the results. The topic might best be situated in cognitive science and psychology.</a:t>
-            </a:r>
-          </a:p>
-          <a:p>
-            <a:endParaRPr lang="en-US" sz="2000" dirty="0"/>
-          </a:p>
-          <a:p>
-            <a:r>
-              <a:rPr lang="en-US" sz="2000" b="1" dirty="0"/>
-              <a:t>TODO</a:t>
-            </a:r>
-          </a:p>
-          <a:p>
-            <a:endParaRPr lang="en-US" sz="2000" dirty="0"/>
-          </a:p>
-          <a:p>
-            <a:r>
-              <a:rPr lang="en-US" sz="2000" dirty="0" smtClean="0"/>
-              <a:t>Experiment out of curiosity, KP explain…</a:t>
-            </a:r>
-          </a:p>
-          <a:p>
-            <a:endParaRPr lang="en-US" sz="2800" dirty="0" smtClean="0"/>
+              <a:rPr lang="en-US" sz="2400" dirty="0"/>
+              <a:t>Experiment I made out of curiosity in my KaosPilot (alternative school in Denmark) team to solve a task mathematically that would otherwise likely be a long-winded and possibly heated social process: </a:t>
+            </a:r>
+            <a:r>
+              <a:rPr lang="en-US" sz="2400" b="1" dirty="0"/>
+              <a:t>split whole group into little teams that work together on a project</a:t>
+            </a:r>
+            <a:r>
+              <a:rPr lang="en-US" sz="2400" dirty="0"/>
+              <a:t>.</a:t>
+            </a:r>
+          </a:p>
+          <a:p>
+            <a:endParaRPr lang="en-US" sz="2400" dirty="0" smtClean="0"/>
+          </a:p>
+          <a:p>
+            <a:r>
+              <a:rPr lang="en-US" sz="2400" dirty="0" smtClean="0"/>
+              <a:t>Can cause </a:t>
+            </a:r>
+            <a:r>
+              <a:rPr lang="en-US" sz="2400" b="1" dirty="0" smtClean="0"/>
+              <a:t>insights</a:t>
+            </a:r>
+            <a:r>
+              <a:rPr lang="en-US" sz="2400" dirty="0" smtClean="0"/>
+              <a:t> as well as </a:t>
+            </a:r>
+            <a:r>
+              <a:rPr lang="en-US" sz="2400" b="1" dirty="0" smtClean="0"/>
+              <a:t>resistance</a:t>
+            </a:r>
+            <a:r>
+              <a:rPr lang="en-US" sz="2400" dirty="0" smtClean="0"/>
+              <a:t> by the participants when being faced with the results. Not thought through to the end, so initial motivation not achieved.</a:t>
+            </a:r>
+          </a:p>
+          <a:p>
+            <a:endParaRPr lang="en-US" sz="2400" dirty="0"/>
+          </a:p>
+          <a:p>
+            <a:r>
+              <a:rPr lang="en-US" sz="2400" dirty="0" smtClean="0"/>
+              <a:t>Besides the math the topic might best be situated in </a:t>
+            </a:r>
+            <a:r>
+              <a:rPr lang="en-US" sz="2400" b="1" dirty="0" smtClean="0"/>
+              <a:t>cognitive science </a:t>
+            </a:r>
+            <a:r>
+              <a:rPr lang="en-US" sz="2400" dirty="0" smtClean="0"/>
+              <a:t>and </a:t>
+            </a:r>
+            <a:r>
+              <a:rPr lang="en-US" sz="2400" b="1" dirty="0" smtClean="0"/>
+              <a:t>psychology</a:t>
+            </a:r>
+            <a:r>
+              <a:rPr lang="en-US" sz="2400" dirty="0" smtClean="0"/>
+              <a:t>.</a:t>
+            </a:r>
+            <a:endParaRPr lang="en-US" sz="3200" dirty="0" smtClean="0"/>
           </a:p>
         </p:txBody>
       </p:sp>
@@ -4171,9 +6946,221 @@
   <p:timing>
     <p:tnLst>
       <p:par>
-        <p:cTn id="1" dur="indefinite" restart="never" nodeType="tmRoot"/>
+        <p:cTn id="1" dur="indefinite" restart="never" nodeType="tmRoot">
+          <p:childTnLst>
+            <p:seq concurrent="1" nextAc="seek">
+              <p:cTn id="2" dur="indefinite" nodeType="mainSeq">
+                <p:childTnLst>
+                  <p:par>
+                    <p:cTn id="3" fill="hold">
+                      <p:stCondLst>
+                        <p:cond delay="indefinite"/>
+                        <p:cond evt="onBegin" delay="0">
+                          <p:tn val="2"/>
+                        </p:cond>
+                      </p:stCondLst>
+                      <p:childTnLst>
+                        <p:par>
+                          <p:cTn id="4" fill="hold">
+                            <p:stCondLst>
+                              <p:cond delay="0"/>
+                            </p:stCondLst>
+                            <p:childTnLst>
+                              <p:par>
+                                <p:cTn id="5" presetID="10" presetClass="entr" presetSubtype="0" fill="hold" grpId="0" nodeType="afterEffect">
+                                  <p:stCondLst>
+                                    <p:cond delay="0"/>
+                                  </p:stCondLst>
+                                  <p:childTnLst>
+                                    <p:set>
+                                      <p:cBhvr>
+                                        <p:cTn id="6" dur="1" fill="hold">
+                                          <p:stCondLst>
+                                            <p:cond delay="0"/>
+                                          </p:stCondLst>
+                                        </p:cTn>
+                                        <p:tgtEl>
+                                          <p:spTgt spid="4">
+                                            <p:txEl>
+                                              <p:pRg st="0" end="0"/>
+                                            </p:txEl>
+                                          </p:spTgt>
+                                        </p:tgtEl>
+                                        <p:attrNameLst>
+                                          <p:attrName>style.visibility</p:attrName>
+                                        </p:attrNameLst>
+                                      </p:cBhvr>
+                                      <p:to>
+                                        <p:strVal val="visible"/>
+                                      </p:to>
+                                    </p:set>
+                                    <p:animEffect transition="in" filter="fade">
+                                      <p:cBhvr>
+                                        <p:cTn id="7" dur="500"/>
+                                        <p:tgtEl>
+                                          <p:spTgt spid="4">
+                                            <p:txEl>
+                                              <p:pRg st="0" end="0"/>
+                                            </p:txEl>
+                                          </p:spTgt>
+                                        </p:tgtEl>
+                                      </p:cBhvr>
+                                    </p:animEffect>
+                                  </p:childTnLst>
+                                </p:cTn>
+                              </p:par>
+                            </p:childTnLst>
+                          </p:cTn>
+                        </p:par>
+                      </p:childTnLst>
+                    </p:cTn>
+                  </p:par>
+                  <p:par>
+                    <p:cTn id="8" fill="hold">
+                      <p:stCondLst>
+                        <p:cond delay="indefinite"/>
+                      </p:stCondLst>
+                      <p:childTnLst>
+                        <p:par>
+                          <p:cTn id="9" fill="hold">
+                            <p:stCondLst>
+                              <p:cond delay="0"/>
+                            </p:stCondLst>
+                            <p:childTnLst>
+                              <p:par>
+                                <p:cTn id="10" presetID="10" presetClass="entr" presetSubtype="0" fill="hold" grpId="0" nodeType="clickEffect">
+                                  <p:stCondLst>
+                                    <p:cond delay="0"/>
+                                  </p:stCondLst>
+                                  <p:childTnLst>
+                                    <p:set>
+                                      <p:cBhvr>
+                                        <p:cTn id="11" dur="1" fill="hold">
+                                          <p:stCondLst>
+                                            <p:cond delay="0"/>
+                                          </p:stCondLst>
+                                        </p:cTn>
+                                        <p:tgtEl>
+                                          <p:spTgt spid="4">
+                                            <p:txEl>
+                                              <p:pRg st="2" end="2"/>
+                                            </p:txEl>
+                                          </p:spTgt>
+                                        </p:tgtEl>
+                                        <p:attrNameLst>
+                                          <p:attrName>style.visibility</p:attrName>
+                                        </p:attrNameLst>
+                                      </p:cBhvr>
+                                      <p:to>
+                                        <p:strVal val="visible"/>
+                                      </p:to>
+                                    </p:set>
+                                    <p:animEffect transition="in" filter="fade">
+                                      <p:cBhvr>
+                                        <p:cTn id="12" dur="500"/>
+                                        <p:tgtEl>
+                                          <p:spTgt spid="4">
+                                            <p:txEl>
+                                              <p:pRg st="2" end="2"/>
+                                            </p:txEl>
+                                          </p:spTgt>
+                                        </p:tgtEl>
+                                      </p:cBhvr>
+                                    </p:animEffect>
+                                  </p:childTnLst>
+                                </p:cTn>
+                              </p:par>
+                            </p:childTnLst>
+                          </p:cTn>
+                        </p:par>
+                      </p:childTnLst>
+                    </p:cTn>
+                  </p:par>
+                  <p:par>
+                    <p:cTn id="13" fill="hold">
+                      <p:stCondLst>
+                        <p:cond delay="indefinite"/>
+                      </p:stCondLst>
+                      <p:childTnLst>
+                        <p:par>
+                          <p:cTn id="14" fill="hold">
+                            <p:stCondLst>
+                              <p:cond delay="0"/>
+                            </p:stCondLst>
+                            <p:childTnLst>
+                              <p:par>
+                                <p:cTn id="15" presetID="10" presetClass="entr" presetSubtype="0" fill="hold" grpId="0" nodeType="clickEffect">
+                                  <p:stCondLst>
+                                    <p:cond delay="0"/>
+                                  </p:stCondLst>
+                                  <p:childTnLst>
+                                    <p:set>
+                                      <p:cBhvr>
+                                        <p:cTn id="16" dur="1" fill="hold">
+                                          <p:stCondLst>
+                                            <p:cond delay="0"/>
+                                          </p:stCondLst>
+                                        </p:cTn>
+                                        <p:tgtEl>
+                                          <p:spTgt spid="4">
+                                            <p:txEl>
+                                              <p:pRg st="4" end="4"/>
+                                            </p:txEl>
+                                          </p:spTgt>
+                                        </p:tgtEl>
+                                        <p:attrNameLst>
+                                          <p:attrName>style.visibility</p:attrName>
+                                        </p:attrNameLst>
+                                      </p:cBhvr>
+                                      <p:to>
+                                        <p:strVal val="visible"/>
+                                      </p:to>
+                                    </p:set>
+                                    <p:animEffect transition="in" filter="fade">
+                                      <p:cBhvr>
+                                        <p:cTn id="17" dur="500"/>
+                                        <p:tgtEl>
+                                          <p:spTgt spid="4">
+                                            <p:txEl>
+                                              <p:pRg st="4" end="4"/>
+                                            </p:txEl>
+                                          </p:spTgt>
+                                        </p:tgtEl>
+                                      </p:cBhvr>
+                                    </p:animEffect>
+                                  </p:childTnLst>
+                                </p:cTn>
+                              </p:par>
+                            </p:childTnLst>
+                          </p:cTn>
+                        </p:par>
+                      </p:childTnLst>
+                    </p:cTn>
+                  </p:par>
+                </p:childTnLst>
+              </p:cTn>
+              <p:prevCondLst>
+                <p:cond evt="onPrev" delay="0">
+                  <p:tgtEl>
+                    <p:sldTgt/>
+                  </p:tgtEl>
+                </p:cond>
+              </p:prevCondLst>
+              <p:nextCondLst>
+                <p:cond evt="onNext" delay="0">
+                  <p:tgtEl>
+                    <p:sldTgt/>
+                  </p:tgtEl>
+                </p:cond>
+              </p:nextCondLst>
+            </p:seq>
+          </p:childTnLst>
+        </p:cTn>
       </p:par>
     </p:tnLst>
+    <p:bldLst>
+      <p:bldP spid="4" grpId="0" uiExpand="1" build="p"/>
+    </p:bldLst>
   </p:timing>
 </p:sld>
 </file>
@@ -13963,7 +16950,7 @@
                       </a:schemeClr>
                     </a:solidFill>
                   </a:rPr>
-                  <a:t>(order isn’t relevant: AB = BA for instance)</a:t>
+                  <a:t>(order isn’t relevant: AB = BA)</a:t>
                 </a:r>
                 <a:endParaRPr lang="en-US" sz="1400" dirty="0" smtClean="0">
                   <a:solidFill>
@@ -14388,6 +17375,9 @@
                     <p:cTn id="3" fill="hold">
                       <p:stCondLst>
                         <p:cond delay="indefinite"/>
+                        <p:cond evt="onBegin" delay="0">
+                          <p:tn val="2"/>
+                        </p:cond>
                       </p:stCondLst>
                       <p:childTnLst>
                         <p:par>
@@ -14397,7 +17387,7 @@
                             </p:stCondLst>
                             <p:childTnLst>
                               <p:par>
-                                <p:cTn id="5" presetID="10" presetClass="entr" presetSubtype="0" fill="hold" grpId="0" nodeType="clickEffect">
+                                <p:cTn id="5" presetID="10" presetClass="entr" presetSubtype="0" fill="hold" grpId="0" nodeType="afterEffect">
                                   <p:stCondLst>
                                     <p:cond delay="0"/>
                                   </p:stCondLst>
@@ -14747,30 +17737,21 @@
                             </p:childTnLst>
                           </p:cTn>
                         </p:par>
-                      </p:childTnLst>
-                    </p:cTn>
-                  </p:par>
-                  <p:par>
-                    <p:cTn id="33" fill="hold">
-                      <p:stCondLst>
-                        <p:cond delay="indefinite"/>
-                      </p:stCondLst>
-                      <p:childTnLst>
                         <p:par>
-                          <p:cTn id="34" fill="hold">
+                          <p:cTn id="33" fill="hold">
                             <p:stCondLst>
-                              <p:cond delay="0"/>
+                              <p:cond delay="500"/>
                             </p:stCondLst>
                             <p:childTnLst>
                               <p:par>
-                                <p:cTn id="35" presetID="10" presetClass="entr" presetSubtype="0" fill="hold" nodeType="clickEffect">
+                                <p:cTn id="34" presetID="10" presetClass="entr" presetSubtype="0" fill="hold" nodeType="afterEffect">
                                   <p:stCondLst>
                                     <p:cond delay="0"/>
                                   </p:stCondLst>
                                   <p:childTnLst>
                                     <p:set>
                                       <p:cBhvr>
-                                        <p:cTn id="36" dur="1" fill="hold">
+                                        <p:cTn id="35" dur="1" fill="hold">
                                           <p:stCondLst>
                                             <p:cond delay="0"/>
                                           </p:stCondLst>
@@ -14788,7 +17769,7 @@
                                     </p:set>
                                     <p:animEffect transition="in" filter="fade">
                                       <p:cBhvr>
-                                        <p:cTn id="37" dur="500"/>
+                                        <p:cTn id="36" dur="500"/>
                                         <p:tgtEl>
                                           <p:spTgt spid="3"/>
                                         </p:tgtEl>
@@ -14804,26 +17785,26 @@
                     </p:cTn>
                   </p:par>
                   <p:par>
-                    <p:cTn id="38" fill="hold">
+                    <p:cTn id="37" fill="hold">
                       <p:stCondLst>
                         <p:cond delay="indefinite"/>
                       </p:stCondLst>
                       <p:childTnLst>
                         <p:par>
-                          <p:cTn id="39" fill="hold">
+                          <p:cTn id="38" fill="hold">
                             <p:stCondLst>
                               <p:cond delay="0"/>
                             </p:stCondLst>
                             <p:childTnLst>
                               <p:par>
-                                <p:cTn id="40" presetID="10" presetClass="entr" presetSubtype="0" fill="hold" grpId="0" nodeType="clickEffect">
+                                <p:cTn id="39" presetID="10" presetClass="entr" presetSubtype="0" fill="hold" grpId="0" nodeType="clickEffect">
                                   <p:stCondLst>
                                     <p:cond delay="0"/>
                                   </p:stCondLst>
                                   <p:childTnLst>
                                     <p:set>
                                       <p:cBhvr>
-                                        <p:cTn id="41" dur="1" fill="hold">
+                                        <p:cTn id="40" dur="1" fill="hold">
                                           <p:stCondLst>
                                             <p:cond delay="0"/>
                                           </p:stCondLst>
@@ -14841,7 +17822,7 @@
                                     </p:set>
                                     <p:animEffect transition="in" filter="fade">
                                       <p:cBhvr>
-                                        <p:cTn id="42" dur="500"/>
+                                        <p:cTn id="41" dur="500"/>
                                         <p:tgtEl>
                                           <p:spTgt spid="10"/>
                                         </p:tgtEl>
@@ -14857,26 +17838,26 @@
                     </p:cTn>
                   </p:par>
                   <p:par>
-                    <p:cTn id="43" fill="hold">
+                    <p:cTn id="42" fill="hold">
                       <p:stCondLst>
                         <p:cond delay="indefinite"/>
                       </p:stCondLst>
                       <p:childTnLst>
                         <p:par>
-                          <p:cTn id="44" fill="hold">
+                          <p:cTn id="43" fill="hold">
                             <p:stCondLst>
                               <p:cond delay="0"/>
                             </p:stCondLst>
                             <p:childTnLst>
                               <p:par>
-                                <p:cTn id="45" presetID="42" presetClass="path" presetSubtype="0" accel="50000" decel="50000" fill="hold" grpId="1" nodeType="clickEffect">
+                                <p:cTn id="44" presetID="42" presetClass="path" presetSubtype="0" accel="50000" decel="50000" fill="hold" grpId="1" nodeType="clickEffect">
                                   <p:stCondLst>
                                     <p:cond delay="0"/>
                                   </p:stCondLst>
                                   <p:childTnLst>
                                     <p:animMotion origin="layout" path="M 8.33333E-7 1.11111E-6 L -0.00026 0.21227 " pathEditMode="relative" rAng="0" ptsTypes="AA">
                                       <p:cBhvr>
-                                        <p:cTn id="46" dur="1500" fill="hold"/>
+                                        <p:cTn id="45" dur="1500" fill="hold"/>
                                         <p:tgtEl>
                                           <p:spTgt spid="10"/>
                                         </p:tgtEl>
@@ -14894,20 +17875,20 @@
                           </p:cTn>
                         </p:par>
                         <p:par>
-                          <p:cTn id="47" fill="hold">
+                          <p:cTn id="46" fill="hold">
                             <p:stCondLst>
                               <p:cond delay="1500"/>
                             </p:stCondLst>
                             <p:childTnLst>
                               <p:par>
-                                <p:cTn id="48" presetID="10" presetClass="entr" presetSubtype="0" fill="hold" grpId="0" nodeType="afterEffect">
+                                <p:cTn id="47" presetID="10" presetClass="entr" presetSubtype="0" fill="hold" grpId="0" nodeType="afterEffect">
                                   <p:stCondLst>
                                     <p:cond delay="0"/>
                                   </p:stCondLst>
                                   <p:childTnLst>
                                     <p:set>
                                       <p:cBhvr>
-                                        <p:cTn id="49" dur="1" fill="hold">
+                                        <p:cTn id="48" dur="1" fill="hold">
                                           <p:stCondLst>
                                             <p:cond delay="0"/>
                                           </p:stCondLst>
@@ -14925,7 +17906,7 @@
                                     </p:set>
                                     <p:animEffect transition="in" filter="fade">
                                       <p:cBhvr>
-                                        <p:cTn id="50" dur="500"/>
+                                        <p:cTn id="49" dur="500"/>
                                         <p:tgtEl>
                                           <p:spTgt spid="13"/>
                                         </p:tgtEl>
@@ -14938,20 +17919,20 @@
                           </p:cTn>
                         </p:par>
                         <p:par>
-                          <p:cTn id="51" fill="hold">
+                          <p:cTn id="50" fill="hold">
                             <p:stCondLst>
                               <p:cond delay="2000"/>
                             </p:stCondLst>
                             <p:childTnLst>
                               <p:par>
-                                <p:cTn id="52" presetID="10" presetClass="exit" presetSubtype="0" fill="hold" grpId="0" nodeType="afterEffect">
+                                <p:cTn id="51" presetID="10" presetClass="exit" presetSubtype="0" fill="hold" grpId="0" nodeType="afterEffect">
                                   <p:stCondLst>
                                     <p:cond delay="0"/>
                                   </p:stCondLst>
                                   <p:childTnLst>
                                     <p:animEffect transition="out" filter="fade">
                                       <p:cBhvr>
-                                        <p:cTn id="53" dur="500"/>
+                                        <p:cTn id="52" dur="500"/>
                                         <p:tgtEl>
                                           <p:spTgt spid="4"/>
                                         </p:tgtEl>
@@ -14959,7 +17940,7 @@
                                     </p:animEffect>
                                     <p:set>
                                       <p:cBhvr>
-                                        <p:cTn id="54" dur="1" fill="hold">
+                                        <p:cTn id="53" dur="1" fill="hold">
                                           <p:stCondLst>
                                             <p:cond delay="499"/>
                                           </p:stCondLst>
@@ -14982,20 +17963,20 @@
                           </p:cTn>
                         </p:par>
                         <p:par>
-                          <p:cTn id="55" fill="hold">
+                          <p:cTn id="54" fill="hold">
                             <p:stCondLst>
                               <p:cond delay="2500"/>
                             </p:stCondLst>
                             <p:childTnLst>
                               <p:par>
-                                <p:cTn id="56" presetID="10" presetClass="entr" presetSubtype="0" fill="hold" grpId="0" nodeType="afterEffect">
+                                <p:cTn id="55" presetID="10" presetClass="entr" presetSubtype="0" fill="hold" grpId="0" nodeType="afterEffect">
                                   <p:stCondLst>
                                     <p:cond delay="0"/>
                                   </p:stCondLst>
                                   <p:childTnLst>
                                     <p:set>
                                       <p:cBhvr>
-                                        <p:cTn id="57" dur="1" fill="hold">
+                                        <p:cTn id="56" dur="1" fill="hold">
                                           <p:stCondLst>
                                             <p:cond delay="0"/>
                                           </p:stCondLst>
@@ -15017,7 +17998,7 @@
                                     </p:set>
                                     <p:animEffect transition="in" filter="fade">
                                       <p:cBhvr>
-                                        <p:cTn id="58" dur="500"/>
+                                        <p:cTn id="57" dur="500"/>
                                         <p:tgtEl>
                                           <p:spTgt spid="11">
                                             <p:txEl>
@@ -15037,26 +18018,26 @@
                     </p:cTn>
                   </p:par>
                   <p:par>
-                    <p:cTn id="59" fill="hold">
+                    <p:cTn id="58" fill="hold">
                       <p:stCondLst>
                         <p:cond delay="indefinite"/>
                       </p:stCondLst>
                       <p:childTnLst>
                         <p:par>
-                          <p:cTn id="60" fill="hold">
+                          <p:cTn id="59" fill="hold">
                             <p:stCondLst>
                               <p:cond delay="0"/>
                             </p:stCondLst>
                             <p:childTnLst>
                               <p:par>
-                                <p:cTn id="61" presetID="10" presetClass="entr" presetSubtype="0" fill="hold" grpId="0" nodeType="clickEffect">
+                                <p:cTn id="60" presetID="10" presetClass="entr" presetSubtype="0" fill="hold" grpId="0" nodeType="clickEffect">
                                   <p:stCondLst>
                                     <p:cond delay="0"/>
                                   </p:stCondLst>
                                   <p:childTnLst>
                                     <p:set>
                                       <p:cBhvr>
-                                        <p:cTn id="62" dur="1" fill="hold">
+                                        <p:cTn id="61" dur="1" fill="hold">
                                           <p:stCondLst>
                                             <p:cond delay="0"/>
                                           </p:stCondLst>
@@ -15078,7 +18059,7 @@
                                     </p:set>
                                     <p:animEffect transition="in" filter="fade">
                                       <p:cBhvr>
-                                        <p:cTn id="63" dur="500"/>
+                                        <p:cTn id="62" dur="500"/>
                                         <p:tgtEl>
                                           <p:spTgt spid="11">
                                             <p:txEl>
@@ -16152,6 +19133,9 @@
                     <p:cTn id="3" fill="hold">
                       <p:stCondLst>
                         <p:cond delay="indefinite"/>
+                        <p:cond evt="onBegin" delay="0">
+                          <p:tn val="2"/>
+                        </p:cond>
                       </p:stCondLst>
                       <p:childTnLst>
                         <p:par>
@@ -16161,7 +19145,7 @@
                             </p:stCondLst>
                             <p:childTnLst>
                               <p:par>
-                                <p:cTn id="5" presetID="10" presetClass="entr" presetSubtype="0" fill="hold" grpId="0" nodeType="clickEffect">
+                                <p:cTn id="5" presetID="10" presetClass="entr" presetSubtype="0" fill="hold" grpId="0" nodeType="afterEffect">
                                   <p:stCondLst>
                                     <p:cond delay="0"/>
                                   </p:stCondLst>
@@ -17274,7 +20258,7 @@
       </p:par>
     </p:tnLst>
     <p:bldLst>
-      <p:bldP spid="4" grpId="0" build="p"/>
+      <p:bldP spid="4" grpId="0" uiExpand="1" build="p"/>
       <p:bldP spid="2" grpId="0" animBg="1"/>
     </p:bldLst>
   </p:timing>
@@ -18890,6 +21874,301 @@
       </p:grpSpPr>
       <p:sp>
         <p:nvSpPr>
+          <p:cNvPr id="2" name="TextBox 1"/>
+          <p:cNvSpPr txBox="1"/>
+          <p:nvPr/>
+        </p:nvSpPr>
+        <p:spPr>
+          <a:xfrm>
+            <a:off x="3143711" y="1566952"/>
+            <a:ext cx="5904579" cy="3724096"/>
+          </a:xfrm>
+          <a:prstGeom prst="rect">
+            <a:avLst/>
+          </a:prstGeom>
+          <a:noFill/>
+        </p:spPr>
+        <p:txBody>
+          <a:bodyPr wrap="square" rtlCol="0">
+            <a:spAutoFit/>
+          </a:bodyPr>
+          <a:lstStyle/>
+          <a:p>
+            <a:r>
+              <a:rPr lang="en-US" sz="2800" dirty="0" smtClean="0"/>
+              <a:t>Now let’s start the process of collecting the “social input” for the algorithm.</a:t>
+            </a:r>
+          </a:p>
+          <a:p>
+            <a:endParaRPr lang="en-US" sz="2800" dirty="0" smtClean="0"/>
+          </a:p>
+          <a:p>
+            <a:r>
+              <a:rPr lang="en-US" sz="2800" dirty="0" smtClean="0"/>
+              <a:t>Ask every member to call their favourite subgroup into the middle and record the names.</a:t>
+            </a:r>
+          </a:p>
+          <a:p>
+            <a:r>
+              <a:rPr lang="en-US" sz="2800" dirty="0" smtClean="0"/>
+              <a:t> </a:t>
+            </a:r>
+          </a:p>
+          <a:p>
+            <a:r>
+              <a:rPr lang="en-US" sz="2000" dirty="0"/>
+              <a:t>“</a:t>
+            </a:r>
+            <a:r>
+              <a:rPr lang="en-US" sz="2000" dirty="0" smtClean="0"/>
+              <a:t>Favourite” in a sense who (s)he would be most like to work together with on a project for instance.</a:t>
+            </a:r>
+            <a:endParaRPr lang="en-US" sz="2800" dirty="0" smtClean="0"/>
+          </a:p>
+        </p:txBody>
+      </p:sp>
+    </p:spTree>
+    <p:extLst>
+      <p:ext uri="{BB962C8B-B14F-4D97-AF65-F5344CB8AC3E}">
+        <p14:creationId xmlns:p14="http://schemas.microsoft.com/office/powerpoint/2010/main" val="1111800030"/>
+      </p:ext>
+    </p:extLst>
+  </p:cSld>
+  <p:clrMapOvr>
+    <a:masterClrMapping/>
+  </p:clrMapOvr>
+  <p:timing>
+    <p:tnLst>
+      <p:par>
+        <p:cTn id="1" dur="indefinite" restart="never" nodeType="tmRoot">
+          <p:childTnLst>
+            <p:seq concurrent="1" nextAc="seek">
+              <p:cTn id="2" dur="indefinite" nodeType="mainSeq">
+                <p:childTnLst>
+                  <p:par>
+                    <p:cTn id="3" fill="hold">
+                      <p:stCondLst>
+                        <p:cond delay="indefinite"/>
+                        <p:cond evt="onBegin" delay="0">
+                          <p:tn val="2"/>
+                        </p:cond>
+                      </p:stCondLst>
+                      <p:childTnLst>
+                        <p:par>
+                          <p:cTn id="4" fill="hold">
+                            <p:stCondLst>
+                              <p:cond delay="0"/>
+                            </p:stCondLst>
+                            <p:childTnLst>
+                              <p:par>
+                                <p:cTn id="5" presetID="10" presetClass="entr" presetSubtype="0" fill="hold" grpId="0" nodeType="afterEffect">
+                                  <p:stCondLst>
+                                    <p:cond delay="0"/>
+                                  </p:stCondLst>
+                                  <p:childTnLst>
+                                    <p:set>
+                                      <p:cBhvr>
+                                        <p:cTn id="6" dur="1" fill="hold">
+                                          <p:stCondLst>
+                                            <p:cond delay="0"/>
+                                          </p:stCondLst>
+                                        </p:cTn>
+                                        <p:tgtEl>
+                                          <p:spTgt spid="2">
+                                            <p:txEl>
+                                              <p:pRg st="0" end="0"/>
+                                            </p:txEl>
+                                          </p:spTgt>
+                                        </p:tgtEl>
+                                        <p:attrNameLst>
+                                          <p:attrName>style.visibility</p:attrName>
+                                        </p:attrNameLst>
+                                      </p:cBhvr>
+                                      <p:to>
+                                        <p:strVal val="visible"/>
+                                      </p:to>
+                                    </p:set>
+                                    <p:animEffect transition="in" filter="fade">
+                                      <p:cBhvr>
+                                        <p:cTn id="7" dur="500"/>
+                                        <p:tgtEl>
+                                          <p:spTgt spid="2">
+                                            <p:txEl>
+                                              <p:pRg st="0" end="0"/>
+                                            </p:txEl>
+                                          </p:spTgt>
+                                        </p:tgtEl>
+                                      </p:cBhvr>
+                                    </p:animEffect>
+                                  </p:childTnLst>
+                                </p:cTn>
+                              </p:par>
+                            </p:childTnLst>
+                          </p:cTn>
+                        </p:par>
+                      </p:childTnLst>
+                    </p:cTn>
+                  </p:par>
+                  <p:par>
+                    <p:cTn id="8" fill="hold">
+                      <p:stCondLst>
+                        <p:cond delay="indefinite"/>
+                      </p:stCondLst>
+                      <p:childTnLst>
+                        <p:par>
+                          <p:cTn id="9" fill="hold">
+                            <p:stCondLst>
+                              <p:cond delay="0"/>
+                            </p:stCondLst>
+                            <p:childTnLst>
+                              <p:par>
+                                <p:cTn id="10" presetID="10" presetClass="entr" presetSubtype="0" fill="hold" grpId="0" nodeType="clickEffect">
+                                  <p:stCondLst>
+                                    <p:cond delay="0"/>
+                                  </p:stCondLst>
+                                  <p:childTnLst>
+                                    <p:set>
+                                      <p:cBhvr>
+                                        <p:cTn id="11" dur="1" fill="hold">
+                                          <p:stCondLst>
+                                            <p:cond delay="0"/>
+                                          </p:stCondLst>
+                                        </p:cTn>
+                                        <p:tgtEl>
+                                          <p:spTgt spid="2">
+                                            <p:txEl>
+                                              <p:pRg st="2" end="2"/>
+                                            </p:txEl>
+                                          </p:spTgt>
+                                        </p:tgtEl>
+                                        <p:attrNameLst>
+                                          <p:attrName>style.visibility</p:attrName>
+                                        </p:attrNameLst>
+                                      </p:cBhvr>
+                                      <p:to>
+                                        <p:strVal val="visible"/>
+                                      </p:to>
+                                    </p:set>
+                                    <p:animEffect transition="in" filter="fade">
+                                      <p:cBhvr>
+                                        <p:cTn id="12" dur="500"/>
+                                        <p:tgtEl>
+                                          <p:spTgt spid="2">
+                                            <p:txEl>
+                                              <p:pRg st="2" end="2"/>
+                                            </p:txEl>
+                                          </p:spTgt>
+                                        </p:tgtEl>
+                                      </p:cBhvr>
+                                    </p:animEffect>
+                                  </p:childTnLst>
+                                </p:cTn>
+                              </p:par>
+                            </p:childTnLst>
+                          </p:cTn>
+                        </p:par>
+                        <p:par>
+                          <p:cTn id="13" fill="hold">
+                            <p:stCondLst>
+                              <p:cond delay="500"/>
+                            </p:stCondLst>
+                            <p:childTnLst>
+                              <p:par>
+                                <p:cTn id="14" presetID="10" presetClass="entr" presetSubtype="0" fill="hold" grpId="0" nodeType="afterEffect">
+                                  <p:stCondLst>
+                                    <p:cond delay="0"/>
+                                  </p:stCondLst>
+                                  <p:childTnLst>
+                                    <p:set>
+                                      <p:cBhvr>
+                                        <p:cTn id="15" dur="1" fill="hold">
+                                          <p:stCondLst>
+                                            <p:cond delay="0"/>
+                                          </p:stCondLst>
+                                        </p:cTn>
+                                        <p:tgtEl>
+                                          <p:spTgt spid="2">
+                                            <p:txEl>
+                                              <p:pRg st="4" end="4"/>
+                                            </p:txEl>
+                                          </p:spTgt>
+                                        </p:tgtEl>
+                                        <p:attrNameLst>
+                                          <p:attrName>style.visibility</p:attrName>
+                                        </p:attrNameLst>
+                                      </p:cBhvr>
+                                      <p:to>
+                                        <p:strVal val="visible"/>
+                                      </p:to>
+                                    </p:set>
+                                    <p:animEffect transition="in" filter="fade">
+                                      <p:cBhvr>
+                                        <p:cTn id="16" dur="500"/>
+                                        <p:tgtEl>
+                                          <p:spTgt spid="2">
+                                            <p:txEl>
+                                              <p:pRg st="4" end="4"/>
+                                            </p:txEl>
+                                          </p:spTgt>
+                                        </p:tgtEl>
+                                      </p:cBhvr>
+                                    </p:animEffect>
+                                  </p:childTnLst>
+                                </p:cTn>
+                              </p:par>
+                            </p:childTnLst>
+                          </p:cTn>
+                        </p:par>
+                      </p:childTnLst>
+                    </p:cTn>
+                  </p:par>
+                </p:childTnLst>
+              </p:cTn>
+              <p:prevCondLst>
+                <p:cond evt="onPrev" delay="0">
+                  <p:tgtEl>
+                    <p:sldTgt/>
+                  </p:tgtEl>
+                </p:cond>
+              </p:prevCondLst>
+              <p:nextCondLst>
+                <p:cond evt="onNext" delay="0">
+                  <p:tgtEl>
+                    <p:sldTgt/>
+                  </p:tgtEl>
+                </p:cond>
+              </p:nextCondLst>
+            </p:seq>
+          </p:childTnLst>
+        </p:cTn>
+      </p:par>
+    </p:tnLst>
+    <p:bldLst>
+      <p:bldP spid="2" grpId="0" uiExpand="1" build="p"/>
+    </p:bldLst>
+  </p:timing>
+</p:sld>
+</file>
+
+<file path=ppt/slides/slide7.xml><?xml version="1.0" encoding="utf-8"?>
+<p:sld xmlns:a="http://schemas.openxmlformats.org/drawingml/2006/main" xmlns:r="http://schemas.openxmlformats.org/officeDocument/2006/relationships" xmlns:p="http://schemas.openxmlformats.org/presentationml/2006/main">
+  <p:cSld>
+    <p:spTree>
+      <p:nvGrpSpPr>
+        <p:cNvPr id="1" name=""/>
+        <p:cNvGrpSpPr/>
+        <p:nvPr/>
+      </p:nvGrpSpPr>
+      <p:grpSpPr>
+        <a:xfrm>
+          <a:off x="0" y="0"/>
+          <a:ext cx="0" cy="0"/>
+          <a:chOff x="0" y="0"/>
+          <a:chExt cx="0" cy="0"/>
+        </a:xfrm>
+      </p:grpSpPr>
+      <p:sp>
+        <p:nvSpPr>
           <p:cNvPr id="11" name="Oval 10"/>
           <p:cNvSpPr/>
           <p:nvPr/>
@@ -19286,8 +22565,8 @@
         </p:nvSpPr>
         <p:spPr>
           <a:xfrm>
-            <a:off x="6482465" y="186645"/>
-            <a:ext cx="1826648" cy="369332"/>
+            <a:off x="7181252" y="2682955"/>
+            <a:ext cx="3582426" cy="2031325"/>
           </a:xfrm>
           <a:prstGeom prst="rect">
             <a:avLst/>
@@ -19301,10 +22580,178 @@
           <a:lstStyle/>
           <a:p>
             <a:r>
-              <a:rPr lang="en-US" dirty="0" err="1" smtClean="0"/>
-              <a:t>subgroups…</a:t>
+              <a:rPr lang="en-US" dirty="0" err="1"/>
+              <a:t>katy obama albert harry jesus</a:t>
+            </a:r>
+          </a:p>
+          <a:p>
+            <a:r>
+              <a:rPr lang="en-US" dirty="0" err="1"/>
+              <a:t>john steve charlie</a:t>
+            </a:r>
+          </a:p>
+          <a:p>
+            <a:r>
+              <a:rPr lang="en-US" dirty="0" err="1"/>
+              <a:t>charlie albert katy john</a:t>
+            </a:r>
+          </a:p>
+          <a:p>
+            <a:r>
+              <a:rPr lang="en-US" dirty="0" err="1"/>
+              <a:t>obama jesus harry</a:t>
+            </a:r>
+          </a:p>
+          <a:p>
+            <a:r>
+              <a:rPr lang="en-US" dirty="0" err="1"/>
+              <a:t>hermione harry</a:t>
+            </a:r>
+          </a:p>
+          <a:p>
+            <a:r>
+              <a:rPr lang="en-US" dirty="0" err="1"/>
+              <a:t>albert harry jesus katy</a:t>
+            </a:r>
+          </a:p>
+          <a:p>
+            <a:r>
+              <a:rPr lang="en-US" dirty="0" err="1"/>
+              <a:t>harry obama steve hermione charlie</a:t>
             </a:r>
             <a:endParaRPr lang="en-US" sz="2400" dirty="0" smtClean="0"/>
+          </a:p>
+        </p:txBody>
+      </p:sp>
+      <p:sp>
+        <p:nvSpPr>
+          <p:cNvPr id="16" name="TextBox 15"/>
+          <p:cNvSpPr txBox="1"/>
+          <p:nvPr/>
+        </p:nvSpPr>
+        <p:spPr>
+          <a:xfrm>
+            <a:off x="7181252" y="2134577"/>
+            <a:ext cx="2421536" cy="369332"/>
+          </a:xfrm>
+          <a:prstGeom prst="rect">
+            <a:avLst/>
+          </a:prstGeom>
+          <a:noFill/>
+        </p:spPr>
+        <p:txBody>
+          <a:bodyPr wrap="square" rtlCol="0">
+            <a:spAutoFit/>
+          </a:bodyPr>
+          <a:lstStyle/>
+          <a:p>
+            <a:r>
+              <a:rPr lang="en-US" dirty="0" err="1"/>
+              <a:t>jesus john harry albert</a:t>
+            </a:r>
+          </a:p>
+        </p:txBody>
+      </p:sp>
+      <p:sp>
+        <p:nvSpPr>
+          <p:cNvPr id="17" name="TextBox 16"/>
+          <p:cNvSpPr txBox="1"/>
+          <p:nvPr/>
+        </p:nvSpPr>
+        <p:spPr>
+          <a:xfrm>
+            <a:off x="7181253" y="2409055"/>
+            <a:ext cx="2421536" cy="369332"/>
+          </a:xfrm>
+          <a:prstGeom prst="rect">
+            <a:avLst/>
+          </a:prstGeom>
+          <a:noFill/>
+        </p:spPr>
+        <p:txBody>
+          <a:bodyPr wrap="square" rtlCol="0">
+            <a:spAutoFit/>
+          </a:bodyPr>
+          <a:lstStyle/>
+          <a:p>
+            <a:r>
+              <a:rPr lang="en-US" dirty="0" err="1"/>
+              <a:t>steve charlie hermione</a:t>
+            </a:r>
+          </a:p>
+        </p:txBody>
+      </p:sp>
+      <p:sp>
+        <p:nvSpPr>
+          <p:cNvPr id="15" name="TextBox 14"/>
+          <p:cNvSpPr txBox="1"/>
+          <p:nvPr/>
+        </p:nvSpPr>
+        <p:spPr>
+          <a:xfrm>
+            <a:off x="7181252" y="1025321"/>
+            <a:ext cx="4120732" cy="830997"/>
+          </a:xfrm>
+          <a:prstGeom prst="rect">
+            <a:avLst/>
+          </a:prstGeom>
+          <a:noFill/>
+        </p:spPr>
+        <p:txBody>
+          <a:bodyPr wrap="square" rtlCol="0">
+            <a:spAutoFit/>
+          </a:bodyPr>
+          <a:lstStyle/>
+          <a:p>
+            <a:r>
+              <a:rPr lang="en-US" sz="2000" dirty="0" err="1">
+                <a:solidFill>
+                  <a:srgbClr val="FF0000"/>
+                </a:solidFill>
+              </a:rPr>
+              <a:t>chosen subgroups</a:t>
+            </a:r>
+          </a:p>
+          <a:p>
+            <a:r>
+              <a:rPr lang="en-US" sz="1400" dirty="0" err="1">
+                <a:solidFill>
+                  <a:srgbClr val="FF0000"/>
+                </a:solidFill>
+              </a:rPr>
+              <a:t>information about topology of social landscape is in those subgroups: “social input” for the algorithm</a:t>
+            </a:r>
+            <a:endParaRPr lang="en-US" sz="1400" dirty="0" err="1">
+              <a:solidFill>
+                <a:srgbClr val="FF0000"/>
+              </a:solidFill>
+            </a:endParaRPr>
+          </a:p>
+        </p:txBody>
+      </p:sp>
+      <p:sp>
+        <p:nvSpPr>
+          <p:cNvPr id="12" name="TextBox 11"/>
+          <p:cNvSpPr txBox="1"/>
+          <p:nvPr/>
+        </p:nvSpPr>
+        <p:spPr>
+          <a:xfrm>
+            <a:off x="14264640" y="-850392"/>
+            <a:ext cx="184731" cy="369332"/>
+          </a:xfrm>
+          <a:prstGeom prst="rect">
+            <a:avLst/>
+          </a:prstGeom>
+          <a:noFill/>
+        </p:spPr>
+        <p:txBody>
+          <a:bodyPr wrap="none" rtlCol="0">
+            <a:spAutoFit/>
+          </a:bodyPr>
+          <a:lstStyle/>
+          <a:p>
+            <a:endParaRPr lang="en-US"/>
           </a:p>
         </p:txBody>
       </p:sp>
@@ -19321,14 +22768,997 @@
   <p:timing>
     <p:tnLst>
       <p:par>
-        <p:cTn id="1" dur="indefinite" restart="never" nodeType="tmRoot"/>
+        <p:cTn id="1" dur="indefinite" restart="never" nodeType="tmRoot">
+          <p:childTnLst>
+            <p:seq concurrent="1" nextAc="seek">
+              <p:cTn id="2" dur="indefinite" nodeType="mainSeq">
+                <p:childTnLst>
+                  <p:par>
+                    <p:cTn id="3" fill="hold">
+                      <p:stCondLst>
+                        <p:cond delay="indefinite"/>
+                      </p:stCondLst>
+                      <p:childTnLst>
+                        <p:par>
+                          <p:cTn id="4" fill="hold">
+                            <p:stCondLst>
+                              <p:cond delay="0"/>
+                            </p:stCondLst>
+                            <p:childTnLst>
+                              <p:par>
+                                <p:cTn id="5" presetID="42" presetClass="path" presetSubtype="0" accel="50000" decel="50000" fill="hold" nodeType="clickEffect">
+                                  <p:stCondLst>
+                                    <p:cond delay="0"/>
+                                  </p:stCondLst>
+                                  <p:childTnLst>
+                                    <p:animMotion origin="layout" path="M 1.45833E-6 0 L -0.15651 0.07384 " pathEditMode="relative" rAng="0" ptsTypes="AA">
+                                      <p:cBhvr>
+                                        <p:cTn id="6" dur="1000" fill="hold"/>
+                                        <p:tgtEl>
+                                          <p:spTgt spid="6"/>
+                                        </p:tgtEl>
+                                        <p:attrNameLst>
+                                          <p:attrName>ppt_x</p:attrName>
+                                          <p:attrName>ppt_y</p:attrName>
+                                        </p:attrNameLst>
+                                      </p:cBhvr>
+                                      <p:rCtr x="-7826" y="3681"/>
+                                    </p:animMotion>
+                                  </p:childTnLst>
+                                </p:cTn>
+                              </p:par>
+                            </p:childTnLst>
+                          </p:cTn>
+                        </p:par>
+                        <p:par>
+                          <p:cTn id="7" fill="hold">
+                            <p:stCondLst>
+                              <p:cond delay="1000"/>
+                            </p:stCondLst>
+                            <p:childTnLst>
+                              <p:par>
+                                <p:cTn id="8" presetID="42" presetClass="path" presetSubtype="0" accel="50000" decel="50000" fill="hold" nodeType="afterEffect">
+                                  <p:stCondLst>
+                                    <p:cond delay="0"/>
+                                  </p:stCondLst>
+                                  <p:childTnLst>
+                                    <p:animMotion origin="layout" path="M -1.66667E-6 2.96296E-6 L 0.06081 -0.23982 " pathEditMode="relative" rAng="0" ptsTypes="AA">
+                                      <p:cBhvr>
+                                        <p:cTn id="9" dur="1000" fill="hold"/>
+                                        <p:tgtEl>
+                                          <p:spTgt spid="7"/>
+                                        </p:tgtEl>
+                                        <p:attrNameLst>
+                                          <p:attrName>ppt_x</p:attrName>
+                                          <p:attrName>ppt_y</p:attrName>
+                                        </p:attrNameLst>
+                                      </p:cBhvr>
+                                      <p:rCtr x="3034" y="-11991"/>
+                                    </p:animMotion>
+                                  </p:childTnLst>
+                                </p:cTn>
+                              </p:par>
+                              <p:par>
+                                <p:cTn id="10" presetID="42" presetClass="path" presetSubtype="0" accel="50000" decel="50000" fill="hold" nodeType="withEffect">
+                                  <p:stCondLst>
+                                    <p:cond delay="0"/>
+                                  </p:stCondLst>
+                                  <p:childTnLst>
+                                    <p:animMotion origin="layout" path="M -1.45833E-6 -2.22222E-6 L -0.10898 0.15417 " pathEditMode="relative" rAng="0" ptsTypes="AA">
+                                      <p:cBhvr>
+                                        <p:cTn id="11" dur="1000" fill="hold"/>
+                                        <p:tgtEl>
+                                          <p:spTgt spid="4"/>
+                                        </p:tgtEl>
+                                        <p:attrNameLst>
+                                          <p:attrName>ppt_x</p:attrName>
+                                          <p:attrName>ppt_y</p:attrName>
+                                        </p:attrNameLst>
+                                      </p:cBhvr>
+                                      <p:rCtr x="-5456" y="7708"/>
+                                    </p:animMotion>
+                                  </p:childTnLst>
+                                </p:cTn>
+                              </p:par>
+                              <p:par>
+                                <p:cTn id="12" presetID="42" presetClass="path" presetSubtype="0" accel="50000" decel="50000" fill="hold" nodeType="withEffect">
+                                  <p:stCondLst>
+                                    <p:cond delay="0"/>
+                                  </p:stCondLst>
+                                  <p:childTnLst>
+                                    <p:animMotion origin="layout" path="M 4.375E-6 -1.11111E-6 L -0.07917 0.27546 " pathEditMode="relative" rAng="0" ptsTypes="AA">
+                                      <p:cBhvr>
+                                        <p:cTn id="13" dur="1000" fill="hold"/>
+                                        <p:tgtEl>
+                                          <p:spTgt spid="2"/>
+                                        </p:tgtEl>
+                                        <p:attrNameLst>
+                                          <p:attrName>ppt_x</p:attrName>
+                                          <p:attrName>ppt_y</p:attrName>
+                                        </p:attrNameLst>
+                                      </p:cBhvr>
+                                      <p:rCtr x="-3958" y="13773"/>
+                                    </p:animMotion>
+                                  </p:childTnLst>
+                                </p:cTn>
+                              </p:par>
+                            </p:childTnLst>
+                          </p:cTn>
+                        </p:par>
+                        <p:par>
+                          <p:cTn id="14" fill="hold">
+                            <p:stCondLst>
+                              <p:cond delay="2000"/>
+                            </p:stCondLst>
+                            <p:childTnLst>
+                              <p:par>
+                                <p:cTn id="15" presetID="10" presetClass="entr" presetSubtype="0" fill="hold" grpId="0" nodeType="afterEffect">
+                                  <p:stCondLst>
+                                    <p:cond delay="0"/>
+                                  </p:stCondLst>
+                                  <p:childTnLst>
+                                    <p:set>
+                                      <p:cBhvr>
+                                        <p:cTn id="16" dur="1" fill="hold">
+                                          <p:stCondLst>
+                                            <p:cond delay="0"/>
+                                          </p:stCondLst>
+                                        </p:cTn>
+                                        <p:tgtEl>
+                                          <p:spTgt spid="16"/>
+                                        </p:tgtEl>
+                                        <p:attrNameLst>
+                                          <p:attrName>style.visibility</p:attrName>
+                                        </p:attrNameLst>
+                                      </p:cBhvr>
+                                      <p:to>
+                                        <p:strVal val="visible"/>
+                                      </p:to>
+                                    </p:set>
+                                    <p:animEffect transition="in" filter="fade">
+                                      <p:cBhvr>
+                                        <p:cTn id="17" dur="500"/>
+                                        <p:tgtEl>
+                                          <p:spTgt spid="16"/>
+                                        </p:tgtEl>
+                                      </p:cBhvr>
+                                    </p:animEffect>
+                                  </p:childTnLst>
+                                </p:cTn>
+                              </p:par>
+                            </p:childTnLst>
+                          </p:cTn>
+                        </p:par>
+                      </p:childTnLst>
+                    </p:cTn>
+                  </p:par>
+                  <p:par>
+                    <p:cTn id="18" fill="hold">
+                      <p:stCondLst>
+                        <p:cond delay="indefinite"/>
+                      </p:stCondLst>
+                      <p:childTnLst>
+                        <p:par>
+                          <p:cTn id="19" fill="hold">
+                            <p:stCondLst>
+                              <p:cond delay="0"/>
+                            </p:stCondLst>
+                            <p:childTnLst>
+                              <p:par>
+                                <p:cTn id="20" presetID="42" presetClass="path" presetSubtype="0" accel="50000" decel="50000" fill="hold" nodeType="clickEffect">
+                                  <p:stCondLst>
+                                    <p:cond delay="0"/>
+                                  </p:stCondLst>
+                                  <p:childTnLst>
+                                    <p:animMotion origin="layout" path="M -0.15651 0.07384 L 1.25E-6 -1.11111E-6 " pathEditMode="relative" rAng="0" ptsTypes="AA">
+                                      <p:cBhvr>
+                                        <p:cTn id="21" dur="1000" fill="hold"/>
+                                        <p:tgtEl>
+                                          <p:spTgt spid="6"/>
+                                        </p:tgtEl>
+                                        <p:attrNameLst>
+                                          <p:attrName>ppt_x</p:attrName>
+                                          <p:attrName>ppt_y</p:attrName>
+                                        </p:attrNameLst>
+                                      </p:cBhvr>
+                                      <p:rCtr x="7826" y="-3449"/>
+                                    </p:animMotion>
+                                  </p:childTnLst>
+                                </p:cTn>
+                              </p:par>
+                              <p:par>
+                                <p:cTn id="22" presetID="42" presetClass="path" presetSubtype="0" accel="50000" decel="50000" fill="hold" nodeType="withEffect">
+                                  <p:stCondLst>
+                                    <p:cond delay="0"/>
+                                  </p:stCondLst>
+                                  <p:childTnLst>
+                                    <p:animMotion origin="layout" path="M -0.10898 0.15417 L -2.5E-6 -9.97466E-18 " pathEditMode="relative" rAng="0" ptsTypes="AA">
+                                      <p:cBhvr>
+                                        <p:cTn id="23" dur="1000" fill="hold"/>
+                                        <p:tgtEl>
+                                          <p:spTgt spid="4"/>
+                                        </p:tgtEl>
+                                        <p:attrNameLst>
+                                          <p:attrName>ppt_x</p:attrName>
+                                          <p:attrName>ppt_y</p:attrName>
+                                        </p:attrNameLst>
+                                      </p:cBhvr>
+                                      <p:rCtr x="5482" y="-7569"/>
+                                    </p:animMotion>
+                                  </p:childTnLst>
+                                </p:cTn>
+                              </p:par>
+                              <p:par>
+                                <p:cTn id="24" presetID="42" presetClass="path" presetSubtype="0" accel="50000" decel="50000" fill="hold" nodeType="withEffect">
+                                  <p:stCondLst>
+                                    <p:cond delay="0"/>
+                                  </p:stCondLst>
+                                  <p:childTnLst>
+                                    <p:animMotion origin="layout" path="M -0.07917 0.27546 L 4.79167E-6 -1.04083E-17 " pathEditMode="relative" rAng="0" ptsTypes="AA">
+                                      <p:cBhvr>
+                                        <p:cTn id="25" dur="1000" fill="hold"/>
+                                        <p:tgtEl>
+                                          <p:spTgt spid="2"/>
+                                        </p:tgtEl>
+                                        <p:attrNameLst>
+                                          <p:attrName>ppt_x</p:attrName>
+                                          <p:attrName>ppt_y</p:attrName>
+                                        </p:attrNameLst>
+                                      </p:cBhvr>
+                                      <p:rCtr x="3945" y="-14028"/>
+                                    </p:animMotion>
+                                  </p:childTnLst>
+                                </p:cTn>
+                              </p:par>
+                              <p:par>
+                                <p:cTn id="26" presetID="42" presetClass="path" presetSubtype="0" accel="50000" decel="50000" fill="hold" nodeType="withEffect">
+                                  <p:stCondLst>
+                                    <p:cond delay="0"/>
+                                  </p:stCondLst>
+                                  <p:childTnLst>
+                                    <p:animMotion origin="layout" path="M 0.06081 -0.23982 L -1.875E-6 -3.7037E-6 " pathEditMode="relative" rAng="0" ptsTypes="AA">
+                                      <p:cBhvr>
+                                        <p:cTn id="27" dur="1000" fill="hold"/>
+                                        <p:tgtEl>
+                                          <p:spTgt spid="7"/>
+                                        </p:tgtEl>
+                                        <p:attrNameLst>
+                                          <p:attrName>ppt_x</p:attrName>
+                                          <p:attrName>ppt_y</p:attrName>
+                                        </p:attrNameLst>
+                                      </p:cBhvr>
+                                      <p:rCtr x="-3034" y="11875"/>
+                                    </p:animMotion>
+                                  </p:childTnLst>
+                                </p:cTn>
+                              </p:par>
+                            </p:childTnLst>
+                          </p:cTn>
+                        </p:par>
+                        <p:par>
+                          <p:cTn id="28" fill="hold">
+                            <p:stCondLst>
+                              <p:cond delay="1000"/>
+                            </p:stCondLst>
+                            <p:childTnLst>
+                              <p:par>
+                                <p:cTn id="29" presetID="42" presetClass="path" presetSubtype="0" accel="50000" decel="50000" fill="hold" nodeType="afterEffect">
+                                  <p:stCondLst>
+                                    <p:cond delay="0"/>
+                                  </p:stCondLst>
+                                  <p:childTnLst>
+                                    <p:animMotion origin="layout" path="M -2.29167E-6 -1.85185E-6 L -0.14922 -0.32477 " pathEditMode="relative" rAng="0" ptsTypes="AA">
+                                      <p:cBhvr>
+                                        <p:cTn id="30" dur="1000" fill="hold"/>
+                                        <p:tgtEl>
+                                          <p:spTgt spid="10"/>
+                                        </p:tgtEl>
+                                        <p:attrNameLst>
+                                          <p:attrName>ppt_x</p:attrName>
+                                          <p:attrName>ppt_y</p:attrName>
+                                        </p:attrNameLst>
+                                      </p:cBhvr>
+                                      <p:rCtr x="-7461" y="-16250"/>
+                                    </p:animMotion>
+                                  </p:childTnLst>
+                                </p:cTn>
+                              </p:par>
+                            </p:childTnLst>
+                          </p:cTn>
+                        </p:par>
+                        <p:par>
+                          <p:cTn id="31" fill="hold">
+                            <p:stCondLst>
+                              <p:cond delay="2000"/>
+                            </p:stCondLst>
+                            <p:childTnLst>
+                              <p:par>
+                                <p:cTn id="32" presetID="42" presetClass="path" presetSubtype="0" accel="50000" decel="50000" fill="hold" nodeType="afterEffect">
+                                  <p:stCondLst>
+                                    <p:cond delay="0"/>
+                                  </p:stCondLst>
+                                  <p:childTnLst>
+                                    <p:animMotion origin="layout" path="M 4.16667E-6 -2.22222E-6 L 0.25299 -0.06551 " pathEditMode="relative" rAng="0" ptsTypes="AA">
+                                      <p:cBhvr>
+                                        <p:cTn id="33" dur="1000" fill="hold"/>
+                                        <p:tgtEl>
+                                          <p:spTgt spid="3"/>
+                                        </p:tgtEl>
+                                        <p:attrNameLst>
+                                          <p:attrName>ppt_x</p:attrName>
+                                          <p:attrName>ppt_y</p:attrName>
+                                        </p:attrNameLst>
+                                      </p:cBhvr>
+                                      <p:rCtr x="12643" y="-3287"/>
+                                    </p:animMotion>
+                                  </p:childTnLst>
+                                </p:cTn>
+                              </p:par>
+                              <p:par>
+                                <p:cTn id="34" presetID="42" presetClass="path" presetSubtype="0" accel="50000" decel="50000" fill="hold" nodeType="withEffect">
+                                  <p:stCondLst>
+                                    <p:cond delay="0"/>
+                                  </p:stCondLst>
+                                  <p:childTnLst>
+                                    <p:animMotion origin="layout" path="M -1.66667E-6 3.33333E-6 L 0.06628 0.38634 " pathEditMode="relative" rAng="0" ptsTypes="AA">
+                                      <p:cBhvr>
+                                        <p:cTn id="35" dur="1000" fill="hold"/>
+                                        <p:tgtEl>
+                                          <p:spTgt spid="5"/>
+                                        </p:tgtEl>
+                                        <p:attrNameLst>
+                                          <p:attrName>ppt_x</p:attrName>
+                                          <p:attrName>ppt_y</p:attrName>
+                                        </p:attrNameLst>
+                                      </p:cBhvr>
+                                      <p:rCtr x="3307" y="19306"/>
+                                    </p:animMotion>
+                                  </p:childTnLst>
+                                </p:cTn>
+                              </p:par>
+                            </p:childTnLst>
+                          </p:cTn>
+                        </p:par>
+                        <p:par>
+                          <p:cTn id="36" fill="hold">
+                            <p:stCondLst>
+                              <p:cond delay="3000"/>
+                            </p:stCondLst>
+                            <p:childTnLst>
+                              <p:par>
+                                <p:cTn id="37" presetID="10" presetClass="entr" presetSubtype="0" fill="hold" grpId="0" nodeType="afterEffect">
+                                  <p:stCondLst>
+                                    <p:cond delay="0"/>
+                                  </p:stCondLst>
+                                  <p:childTnLst>
+                                    <p:set>
+                                      <p:cBhvr>
+                                        <p:cTn id="38" dur="1" fill="hold">
+                                          <p:stCondLst>
+                                            <p:cond delay="0"/>
+                                          </p:stCondLst>
+                                        </p:cTn>
+                                        <p:tgtEl>
+                                          <p:spTgt spid="17"/>
+                                        </p:tgtEl>
+                                        <p:attrNameLst>
+                                          <p:attrName>style.visibility</p:attrName>
+                                        </p:attrNameLst>
+                                      </p:cBhvr>
+                                      <p:to>
+                                        <p:strVal val="visible"/>
+                                      </p:to>
+                                    </p:set>
+                                    <p:animEffect transition="in" filter="fade">
+                                      <p:cBhvr>
+                                        <p:cTn id="39" dur="500"/>
+                                        <p:tgtEl>
+                                          <p:spTgt spid="17"/>
+                                        </p:tgtEl>
+                                      </p:cBhvr>
+                                    </p:animEffect>
+                                  </p:childTnLst>
+                                </p:cTn>
+                              </p:par>
+                            </p:childTnLst>
+                          </p:cTn>
+                        </p:par>
+                      </p:childTnLst>
+                    </p:cTn>
+                  </p:par>
+                  <p:par>
+                    <p:cTn id="40" fill="hold">
+                      <p:stCondLst>
+                        <p:cond delay="indefinite"/>
+                      </p:stCondLst>
+                      <p:childTnLst>
+                        <p:par>
+                          <p:cTn id="41" fill="hold">
+                            <p:stCondLst>
+                              <p:cond delay="0"/>
+                            </p:stCondLst>
+                            <p:childTnLst>
+                              <p:par>
+                                <p:cTn id="42" presetID="42" presetClass="path" presetSubtype="0" accel="50000" decel="50000" fill="hold" nodeType="clickEffect">
+                                  <p:stCondLst>
+                                    <p:cond delay="0"/>
+                                  </p:stCondLst>
+                                  <p:childTnLst>
+                                    <p:animMotion origin="layout" path="M -0.14922 -0.32477 L -2.29167E-6 1.85185E-6 " pathEditMode="relative" rAng="0" ptsTypes="AA">
+                                      <p:cBhvr>
+                                        <p:cTn id="43" dur="1000" fill="hold"/>
+                                        <p:tgtEl>
+                                          <p:spTgt spid="10"/>
+                                        </p:tgtEl>
+                                        <p:attrNameLst>
+                                          <p:attrName>ppt_x</p:attrName>
+                                          <p:attrName>ppt_y</p:attrName>
+                                        </p:attrNameLst>
+                                      </p:cBhvr>
+                                      <p:rCtr x="7461" y="15741"/>
+                                    </p:animMotion>
+                                  </p:childTnLst>
+                                </p:cTn>
+                              </p:par>
+                              <p:par>
+                                <p:cTn id="44" presetID="42" presetClass="path" presetSubtype="0" accel="50000" decel="50000" fill="hold" nodeType="withEffect">
+                                  <p:stCondLst>
+                                    <p:cond delay="0"/>
+                                  </p:stCondLst>
+                                  <p:childTnLst>
+                                    <p:animMotion origin="layout" path="M 0.25104 -0.06389 L 2.08333E-6 2.96296E-6 " pathEditMode="relative" rAng="0" ptsTypes="AA">
+                                      <p:cBhvr>
+                                        <p:cTn id="45" dur="1000" fill="hold"/>
+                                        <p:tgtEl>
+                                          <p:spTgt spid="3"/>
+                                        </p:tgtEl>
+                                        <p:attrNameLst>
+                                          <p:attrName>ppt_x</p:attrName>
+                                          <p:attrName>ppt_y</p:attrName>
+                                        </p:attrNameLst>
+                                      </p:cBhvr>
+                                      <p:rCtr x="-12487" y="3310"/>
+                                    </p:animMotion>
+                                  </p:childTnLst>
+                                </p:cTn>
+                              </p:par>
+                              <p:par>
+                                <p:cTn id="46" presetID="42" presetClass="path" presetSubtype="0" accel="50000" decel="50000" fill="hold" nodeType="withEffect">
+                                  <p:stCondLst>
+                                    <p:cond delay="0"/>
+                                  </p:stCondLst>
+                                  <p:childTnLst>
+                                    <p:animMotion origin="layout" path="M 0.06537 0.3831 L -1.875E-6 -4.81481E-6 " pathEditMode="relative" rAng="0" ptsTypes="AA">
+                                      <p:cBhvr>
+                                        <p:cTn id="47" dur="1000" fill="hold"/>
+                                        <p:tgtEl>
+                                          <p:spTgt spid="5"/>
+                                        </p:tgtEl>
+                                        <p:attrNameLst>
+                                          <p:attrName>ppt_x</p:attrName>
+                                          <p:attrName>ppt_y</p:attrName>
+                                        </p:attrNameLst>
+                                      </p:cBhvr>
+                                      <p:rCtr x="-3268" y="-19259"/>
+                                    </p:animMotion>
+                                  </p:childTnLst>
+                                </p:cTn>
+                              </p:par>
+                            </p:childTnLst>
+                          </p:cTn>
+                        </p:par>
+                        <p:par>
+                          <p:cTn id="48" fill="hold">
+                            <p:stCondLst>
+                              <p:cond delay="1000"/>
+                            </p:stCondLst>
+                            <p:childTnLst>
+                              <p:par>
+                                <p:cTn id="49" presetID="10" presetClass="entr" presetSubtype="0" fill="hold" grpId="0" nodeType="afterEffect">
+                                  <p:stCondLst>
+                                    <p:cond delay="0"/>
+                                  </p:stCondLst>
+                                  <p:childTnLst>
+                                    <p:set>
+                                      <p:cBhvr>
+                                        <p:cTn id="50" dur="1" fill="hold">
+                                          <p:stCondLst>
+                                            <p:cond delay="0"/>
+                                          </p:stCondLst>
+                                        </p:cTn>
+                                        <p:tgtEl>
+                                          <p:spTgt spid="30">
+                                            <p:txEl>
+                                              <p:pRg st="0" end="0"/>
+                                            </p:txEl>
+                                          </p:spTgt>
+                                        </p:tgtEl>
+                                        <p:attrNameLst>
+                                          <p:attrName>style.visibility</p:attrName>
+                                        </p:attrNameLst>
+                                      </p:cBhvr>
+                                      <p:to>
+                                        <p:strVal val="visible"/>
+                                      </p:to>
+                                    </p:set>
+                                    <p:animEffect transition="in" filter="fade">
+                                      <p:cBhvr>
+                                        <p:cTn id="51" dur="500"/>
+                                        <p:tgtEl>
+                                          <p:spTgt spid="30">
+                                            <p:txEl>
+                                              <p:pRg st="0" end="0"/>
+                                            </p:txEl>
+                                          </p:spTgt>
+                                        </p:tgtEl>
+                                      </p:cBhvr>
+                                    </p:animEffect>
+                                  </p:childTnLst>
+                                </p:cTn>
+                              </p:par>
+                            </p:childTnLst>
+                          </p:cTn>
+                        </p:par>
+                        <p:par>
+                          <p:cTn id="52" fill="hold">
+                            <p:stCondLst>
+                              <p:cond delay="1500"/>
+                            </p:stCondLst>
+                            <p:childTnLst>
+                              <p:par>
+                                <p:cTn id="53" presetID="10" presetClass="entr" presetSubtype="0" fill="hold" grpId="0" nodeType="afterEffect">
+                                  <p:stCondLst>
+                                    <p:cond delay="0"/>
+                                  </p:stCondLst>
+                                  <p:childTnLst>
+                                    <p:set>
+                                      <p:cBhvr>
+                                        <p:cTn id="54" dur="1" fill="hold">
+                                          <p:stCondLst>
+                                            <p:cond delay="0"/>
+                                          </p:stCondLst>
+                                        </p:cTn>
+                                        <p:tgtEl>
+                                          <p:spTgt spid="30">
+                                            <p:txEl>
+                                              <p:pRg st="1" end="1"/>
+                                            </p:txEl>
+                                          </p:spTgt>
+                                        </p:tgtEl>
+                                        <p:attrNameLst>
+                                          <p:attrName>style.visibility</p:attrName>
+                                        </p:attrNameLst>
+                                      </p:cBhvr>
+                                      <p:to>
+                                        <p:strVal val="visible"/>
+                                      </p:to>
+                                    </p:set>
+                                    <p:animEffect transition="in" filter="fade">
+                                      <p:cBhvr>
+                                        <p:cTn id="55" dur="500"/>
+                                        <p:tgtEl>
+                                          <p:spTgt spid="30">
+                                            <p:txEl>
+                                              <p:pRg st="1" end="1"/>
+                                            </p:txEl>
+                                          </p:spTgt>
+                                        </p:tgtEl>
+                                      </p:cBhvr>
+                                    </p:animEffect>
+                                  </p:childTnLst>
+                                </p:cTn>
+                              </p:par>
+                            </p:childTnLst>
+                          </p:cTn>
+                        </p:par>
+                        <p:par>
+                          <p:cTn id="56" fill="hold">
+                            <p:stCondLst>
+                              <p:cond delay="2000"/>
+                            </p:stCondLst>
+                            <p:childTnLst>
+                              <p:par>
+                                <p:cTn id="57" presetID="10" presetClass="entr" presetSubtype="0" fill="hold" grpId="0" nodeType="afterEffect">
+                                  <p:stCondLst>
+                                    <p:cond delay="0"/>
+                                  </p:stCondLst>
+                                  <p:childTnLst>
+                                    <p:set>
+                                      <p:cBhvr>
+                                        <p:cTn id="58" dur="1" fill="hold">
+                                          <p:stCondLst>
+                                            <p:cond delay="0"/>
+                                          </p:stCondLst>
+                                        </p:cTn>
+                                        <p:tgtEl>
+                                          <p:spTgt spid="30">
+                                            <p:txEl>
+                                              <p:pRg st="2" end="2"/>
+                                            </p:txEl>
+                                          </p:spTgt>
+                                        </p:tgtEl>
+                                        <p:attrNameLst>
+                                          <p:attrName>style.visibility</p:attrName>
+                                        </p:attrNameLst>
+                                      </p:cBhvr>
+                                      <p:to>
+                                        <p:strVal val="visible"/>
+                                      </p:to>
+                                    </p:set>
+                                    <p:animEffect transition="in" filter="fade">
+                                      <p:cBhvr>
+                                        <p:cTn id="59" dur="500"/>
+                                        <p:tgtEl>
+                                          <p:spTgt spid="30">
+                                            <p:txEl>
+                                              <p:pRg st="2" end="2"/>
+                                            </p:txEl>
+                                          </p:spTgt>
+                                        </p:tgtEl>
+                                      </p:cBhvr>
+                                    </p:animEffect>
+                                  </p:childTnLst>
+                                </p:cTn>
+                              </p:par>
+                            </p:childTnLst>
+                          </p:cTn>
+                        </p:par>
+                        <p:par>
+                          <p:cTn id="60" fill="hold">
+                            <p:stCondLst>
+                              <p:cond delay="2500"/>
+                            </p:stCondLst>
+                            <p:childTnLst>
+                              <p:par>
+                                <p:cTn id="61" presetID="10" presetClass="entr" presetSubtype="0" fill="hold" grpId="0" nodeType="afterEffect">
+                                  <p:stCondLst>
+                                    <p:cond delay="0"/>
+                                  </p:stCondLst>
+                                  <p:childTnLst>
+                                    <p:set>
+                                      <p:cBhvr>
+                                        <p:cTn id="62" dur="1" fill="hold">
+                                          <p:stCondLst>
+                                            <p:cond delay="0"/>
+                                          </p:stCondLst>
+                                        </p:cTn>
+                                        <p:tgtEl>
+                                          <p:spTgt spid="30">
+                                            <p:txEl>
+                                              <p:pRg st="3" end="3"/>
+                                            </p:txEl>
+                                          </p:spTgt>
+                                        </p:tgtEl>
+                                        <p:attrNameLst>
+                                          <p:attrName>style.visibility</p:attrName>
+                                        </p:attrNameLst>
+                                      </p:cBhvr>
+                                      <p:to>
+                                        <p:strVal val="visible"/>
+                                      </p:to>
+                                    </p:set>
+                                    <p:animEffect transition="in" filter="fade">
+                                      <p:cBhvr>
+                                        <p:cTn id="63" dur="500"/>
+                                        <p:tgtEl>
+                                          <p:spTgt spid="30">
+                                            <p:txEl>
+                                              <p:pRg st="3" end="3"/>
+                                            </p:txEl>
+                                          </p:spTgt>
+                                        </p:tgtEl>
+                                      </p:cBhvr>
+                                    </p:animEffect>
+                                  </p:childTnLst>
+                                </p:cTn>
+                              </p:par>
+                            </p:childTnLst>
+                          </p:cTn>
+                        </p:par>
+                        <p:par>
+                          <p:cTn id="64" fill="hold">
+                            <p:stCondLst>
+                              <p:cond delay="3000"/>
+                            </p:stCondLst>
+                            <p:childTnLst>
+                              <p:par>
+                                <p:cTn id="65" presetID="10" presetClass="entr" presetSubtype="0" fill="hold" grpId="0" nodeType="afterEffect">
+                                  <p:stCondLst>
+                                    <p:cond delay="0"/>
+                                  </p:stCondLst>
+                                  <p:childTnLst>
+                                    <p:set>
+                                      <p:cBhvr>
+                                        <p:cTn id="66" dur="1" fill="hold">
+                                          <p:stCondLst>
+                                            <p:cond delay="0"/>
+                                          </p:stCondLst>
+                                        </p:cTn>
+                                        <p:tgtEl>
+                                          <p:spTgt spid="30">
+                                            <p:txEl>
+                                              <p:pRg st="4" end="4"/>
+                                            </p:txEl>
+                                          </p:spTgt>
+                                        </p:tgtEl>
+                                        <p:attrNameLst>
+                                          <p:attrName>style.visibility</p:attrName>
+                                        </p:attrNameLst>
+                                      </p:cBhvr>
+                                      <p:to>
+                                        <p:strVal val="visible"/>
+                                      </p:to>
+                                    </p:set>
+                                    <p:animEffect transition="in" filter="fade">
+                                      <p:cBhvr>
+                                        <p:cTn id="67" dur="500"/>
+                                        <p:tgtEl>
+                                          <p:spTgt spid="30">
+                                            <p:txEl>
+                                              <p:pRg st="4" end="4"/>
+                                            </p:txEl>
+                                          </p:spTgt>
+                                        </p:tgtEl>
+                                      </p:cBhvr>
+                                    </p:animEffect>
+                                  </p:childTnLst>
+                                </p:cTn>
+                              </p:par>
+                            </p:childTnLst>
+                          </p:cTn>
+                        </p:par>
+                        <p:par>
+                          <p:cTn id="68" fill="hold">
+                            <p:stCondLst>
+                              <p:cond delay="3500"/>
+                            </p:stCondLst>
+                            <p:childTnLst>
+                              <p:par>
+                                <p:cTn id="69" presetID="10" presetClass="entr" presetSubtype="0" fill="hold" grpId="0" nodeType="afterEffect">
+                                  <p:stCondLst>
+                                    <p:cond delay="0"/>
+                                  </p:stCondLst>
+                                  <p:childTnLst>
+                                    <p:set>
+                                      <p:cBhvr>
+                                        <p:cTn id="70" dur="1" fill="hold">
+                                          <p:stCondLst>
+                                            <p:cond delay="0"/>
+                                          </p:stCondLst>
+                                        </p:cTn>
+                                        <p:tgtEl>
+                                          <p:spTgt spid="30">
+                                            <p:txEl>
+                                              <p:pRg st="5" end="5"/>
+                                            </p:txEl>
+                                          </p:spTgt>
+                                        </p:tgtEl>
+                                        <p:attrNameLst>
+                                          <p:attrName>style.visibility</p:attrName>
+                                        </p:attrNameLst>
+                                      </p:cBhvr>
+                                      <p:to>
+                                        <p:strVal val="visible"/>
+                                      </p:to>
+                                    </p:set>
+                                    <p:animEffect transition="in" filter="fade">
+                                      <p:cBhvr>
+                                        <p:cTn id="71" dur="500"/>
+                                        <p:tgtEl>
+                                          <p:spTgt spid="30">
+                                            <p:txEl>
+                                              <p:pRg st="5" end="5"/>
+                                            </p:txEl>
+                                          </p:spTgt>
+                                        </p:tgtEl>
+                                      </p:cBhvr>
+                                    </p:animEffect>
+                                  </p:childTnLst>
+                                </p:cTn>
+                              </p:par>
+                            </p:childTnLst>
+                          </p:cTn>
+                        </p:par>
+                        <p:par>
+                          <p:cTn id="72" fill="hold">
+                            <p:stCondLst>
+                              <p:cond delay="4000"/>
+                            </p:stCondLst>
+                            <p:childTnLst>
+                              <p:par>
+                                <p:cTn id="73" presetID="10" presetClass="entr" presetSubtype="0" fill="hold" grpId="0" nodeType="afterEffect">
+                                  <p:stCondLst>
+                                    <p:cond delay="0"/>
+                                  </p:stCondLst>
+                                  <p:childTnLst>
+                                    <p:set>
+                                      <p:cBhvr>
+                                        <p:cTn id="74" dur="1" fill="hold">
+                                          <p:stCondLst>
+                                            <p:cond delay="0"/>
+                                          </p:stCondLst>
+                                        </p:cTn>
+                                        <p:tgtEl>
+                                          <p:spTgt spid="30">
+                                            <p:txEl>
+                                              <p:pRg st="6" end="6"/>
+                                            </p:txEl>
+                                          </p:spTgt>
+                                        </p:tgtEl>
+                                        <p:attrNameLst>
+                                          <p:attrName>style.visibility</p:attrName>
+                                        </p:attrNameLst>
+                                      </p:cBhvr>
+                                      <p:to>
+                                        <p:strVal val="visible"/>
+                                      </p:to>
+                                    </p:set>
+                                    <p:animEffect transition="in" filter="fade">
+                                      <p:cBhvr>
+                                        <p:cTn id="75" dur="500"/>
+                                        <p:tgtEl>
+                                          <p:spTgt spid="30">
+                                            <p:txEl>
+                                              <p:pRg st="6" end="6"/>
+                                            </p:txEl>
+                                          </p:spTgt>
+                                        </p:tgtEl>
+                                      </p:cBhvr>
+                                    </p:animEffect>
+                                  </p:childTnLst>
+                                </p:cTn>
+                              </p:par>
+                            </p:childTnLst>
+                          </p:cTn>
+                        </p:par>
+                      </p:childTnLst>
+                    </p:cTn>
+                  </p:par>
+                  <p:par>
+                    <p:cTn id="76" fill="hold">
+                      <p:stCondLst>
+                        <p:cond delay="indefinite"/>
+                      </p:stCondLst>
+                      <p:childTnLst>
+                        <p:par>
+                          <p:cTn id="77" fill="hold">
+                            <p:stCondLst>
+                              <p:cond delay="0"/>
+                            </p:stCondLst>
+                            <p:childTnLst>
+                              <p:par>
+                                <p:cTn id="78" presetID="10" presetClass="entr" presetSubtype="0" fill="hold" grpId="0" nodeType="clickEffect">
+                                  <p:stCondLst>
+                                    <p:cond delay="0"/>
+                                  </p:stCondLst>
+                                  <p:childTnLst>
+                                    <p:set>
+                                      <p:cBhvr>
+                                        <p:cTn id="79" dur="1" fill="hold">
+                                          <p:stCondLst>
+                                            <p:cond delay="0"/>
+                                          </p:stCondLst>
+                                        </p:cTn>
+                                        <p:tgtEl>
+                                          <p:spTgt spid="15">
+                                            <p:txEl>
+                                              <p:pRg st="0" end="0"/>
+                                            </p:txEl>
+                                          </p:spTgt>
+                                        </p:tgtEl>
+                                        <p:attrNameLst>
+                                          <p:attrName>style.visibility</p:attrName>
+                                        </p:attrNameLst>
+                                      </p:cBhvr>
+                                      <p:to>
+                                        <p:strVal val="visible"/>
+                                      </p:to>
+                                    </p:set>
+                                    <p:animEffect transition="in" filter="fade">
+                                      <p:cBhvr>
+                                        <p:cTn id="80" dur="500"/>
+                                        <p:tgtEl>
+                                          <p:spTgt spid="15">
+                                            <p:txEl>
+                                              <p:pRg st="0" end="0"/>
+                                            </p:txEl>
+                                          </p:spTgt>
+                                        </p:tgtEl>
+                                      </p:cBhvr>
+                                    </p:animEffect>
+                                  </p:childTnLst>
+                                </p:cTn>
+                              </p:par>
+                            </p:childTnLst>
+                          </p:cTn>
+                        </p:par>
+                        <p:par>
+                          <p:cTn id="81" fill="hold">
+                            <p:stCondLst>
+                              <p:cond delay="500"/>
+                            </p:stCondLst>
+                            <p:childTnLst>
+                              <p:par>
+                                <p:cTn id="82" presetID="10" presetClass="entr" presetSubtype="0" fill="hold" grpId="0" nodeType="afterEffect">
+                                  <p:stCondLst>
+                                    <p:cond delay="0"/>
+                                  </p:stCondLst>
+                                  <p:childTnLst>
+                                    <p:set>
+                                      <p:cBhvr>
+                                        <p:cTn id="83" dur="1" fill="hold">
+                                          <p:stCondLst>
+                                            <p:cond delay="0"/>
+                                          </p:stCondLst>
+                                        </p:cTn>
+                                        <p:tgtEl>
+                                          <p:spTgt spid="15">
+                                            <p:txEl>
+                                              <p:pRg st="1" end="1"/>
+                                            </p:txEl>
+                                          </p:spTgt>
+                                        </p:tgtEl>
+                                        <p:attrNameLst>
+                                          <p:attrName>style.visibility</p:attrName>
+                                        </p:attrNameLst>
+                                      </p:cBhvr>
+                                      <p:to>
+                                        <p:strVal val="visible"/>
+                                      </p:to>
+                                    </p:set>
+                                    <p:animEffect transition="in" filter="fade">
+                                      <p:cBhvr>
+                                        <p:cTn id="84" dur="500"/>
+                                        <p:tgtEl>
+                                          <p:spTgt spid="15">
+                                            <p:txEl>
+                                              <p:pRg st="1" end="1"/>
+                                            </p:txEl>
+                                          </p:spTgt>
+                                        </p:tgtEl>
+                                      </p:cBhvr>
+                                    </p:animEffect>
+                                  </p:childTnLst>
+                                </p:cTn>
+                              </p:par>
+                            </p:childTnLst>
+                          </p:cTn>
+                        </p:par>
+                      </p:childTnLst>
+                    </p:cTn>
+                  </p:par>
+                </p:childTnLst>
+              </p:cTn>
+              <p:prevCondLst>
+                <p:cond evt="onPrev" delay="0">
+                  <p:tgtEl>
+                    <p:sldTgt/>
+                  </p:tgtEl>
+                </p:cond>
+              </p:prevCondLst>
+              <p:nextCondLst>
+                <p:cond evt="onNext" delay="0">
+                  <p:tgtEl>
+                    <p:sldTgt/>
+                  </p:tgtEl>
+                </p:cond>
+              </p:nextCondLst>
+            </p:seq>
+          </p:childTnLst>
+        </p:cTn>
       </p:par>
     </p:tnLst>
+    <p:bldLst>
+      <p:bldP spid="30" grpId="0" uiExpand="1" build="p"/>
+      <p:bldP spid="16" grpId="0"/>
+      <p:bldP spid="17" grpId="0"/>
+      <p:bldP spid="15" grpId="0" uiExpand="1" build="p"/>
+    </p:bldLst>
   </p:timing>
 </p:sld>
 </file>
 
-<file path=ppt/slides/slide7.xml><?xml version="1.0" encoding="utf-8"?>
+<file path=ppt/slides/slide8.xml><?xml version="1.0" encoding="utf-8"?>
 <p:sld xmlns:a="http://schemas.openxmlformats.org/drawingml/2006/main" xmlns:r="http://schemas.openxmlformats.org/officeDocument/2006/relationships" xmlns:p="http://schemas.openxmlformats.org/presentationml/2006/main">
   <p:cSld>
     <p:spTree>
@@ -19345,10 +23775,765 @@
           <a:chExt cx="0" cy="0"/>
         </a:xfrm>
       </p:grpSpPr>
+      <p:sp>
+        <p:nvSpPr>
+          <p:cNvPr id="16" name="TextBox 15"/>
+          <p:cNvSpPr txBox="1"/>
+          <p:nvPr/>
+        </p:nvSpPr>
+        <p:spPr>
+          <a:xfrm>
+            <a:off x="7181252" y="2134577"/>
+            <a:ext cx="3582426" cy="2585323"/>
+          </a:xfrm>
+          <a:prstGeom prst="rect">
+            <a:avLst/>
+          </a:prstGeom>
+          <a:noFill/>
+        </p:spPr>
+        <p:txBody>
+          <a:bodyPr wrap="square" rtlCol="0">
+            <a:spAutoFit/>
+          </a:bodyPr>
+          <a:lstStyle/>
+          <a:p>
+            <a:r>
+              <a:rPr lang="en-US" dirty="0" err="1"/>
+              <a:t>jesus john harry albert</a:t>
+            </a:r>
+          </a:p>
+          <a:p>
+            <a:r>
+              <a:rPr lang="en-US" dirty="0" err="1"/>
+              <a:t>steve charlie hermione</a:t>
+            </a:r>
+          </a:p>
+          <a:p>
+            <a:r>
+              <a:rPr lang="en-US" dirty="0" err="1"/>
+              <a:t>katy obama albert harry jesus</a:t>
+            </a:r>
+          </a:p>
+          <a:p>
+            <a:r>
+              <a:rPr lang="en-US" dirty="0" err="1"/>
+              <a:t>john steve charlie</a:t>
+            </a:r>
+          </a:p>
+          <a:p>
+            <a:r>
+              <a:rPr lang="en-US" dirty="0" err="1"/>
+              <a:t>charlie albert katy john</a:t>
+            </a:r>
+          </a:p>
+          <a:p>
+            <a:r>
+              <a:rPr lang="en-US" dirty="0" err="1"/>
+              <a:t>obama jesus harry</a:t>
+            </a:r>
+          </a:p>
+          <a:p>
+            <a:r>
+              <a:rPr lang="en-US" dirty="0" err="1"/>
+              <a:t>hermione harry</a:t>
+            </a:r>
+          </a:p>
+          <a:p>
+            <a:r>
+              <a:rPr lang="en-US" dirty="0" err="1"/>
+              <a:t>albert harry jesus katy</a:t>
+            </a:r>
+          </a:p>
+          <a:p>
+            <a:r>
+              <a:rPr lang="en-US" dirty="0" err="1"/>
+              <a:t>harry obama steve hermione charlie</a:t>
+            </a:r>
+            <a:endParaRPr lang="en-US" sz="2400" dirty="0" smtClean="0"/>
+          </a:p>
+        </p:txBody>
+      </p:sp>
+      <p:sp>
+        <p:nvSpPr>
+          <p:cNvPr id="19" name="TextBox 18"/>
+          <p:cNvSpPr txBox="1"/>
+          <p:nvPr/>
+        </p:nvSpPr>
+        <p:spPr>
+          <a:xfrm>
+            <a:off x="570140" y="611082"/>
+            <a:ext cx="4577931" cy="5816977"/>
+          </a:xfrm>
+          <a:prstGeom prst="rect">
+            <a:avLst/>
+          </a:prstGeom>
+          <a:noFill/>
+        </p:spPr>
+        <p:txBody>
+          <a:bodyPr wrap="square" rtlCol="0">
+            <a:spAutoFit/>
+          </a:bodyPr>
+          <a:lstStyle/>
+          <a:p>
+            <a:r>
+              <a:rPr lang="en-US" sz="1200" dirty="0" err="1"/>
+              <a:t>jesus / john / jesus john / harry / harry jesus / harry john / harry jesus john / albert / albert jesus / albert john / albert jesus john / albert harry / albert harry jesus / albert harry john / albert harry jesus john / steve / charlie / charlie steve / hermione / hermione steve / charlie hermione / charlie hermione steve / katy / obama / katy obama / albert / albert katy / albert obama / albert katy obama / harry / harry katy / harry obama / harry katy obama / albert harry / albert harry katy / albert harry obama / albert harry katy obama / jesus / jesus katy / jesus obama / jesus katy obama / albert jesus / albert jesus katy / albert jesus obama / albert jesus katy obama / harry jesus / harry jesus katy / harry jesus obama / harry jesus katy obama / albert harry jesus / albert harry jesus katy / albert harry jesus obama / albert harry jesus katy obama / john / steve / john steve / charlie / charlie john / charlie steve / charlie john steve / charlie / albert / albert charlie / katy / charlie katy / albert katy / albert charlie katy / john / charlie john / albert john / albert charlie john / john katy / charlie john katy / albert john katy / albert charlie john katy / obama / jesus / jesus obama / harry / harry obama / harry jesus / harry jesus obama / hermione / harry / harry hermione / albert / harry / albert harry / jesus / albert jesus / harry jesus / albert harry jesus / katy / albert katy / harry katy / albert harry katy / jesus katy / albert jesus katy / harry jesus katy / albert harry jesus katy / harry / obama / harry obama / steve / harry steve / obama steve / harry obama steve / hermione / harry hermione / hermione obama / harry hermione obama / hermione steve / harry hermione steve / hermione obama steve / harry hermione obama steve / charlie / charlie harry / charlie obama / charlie harry obama / charlie steve / charlie harry steve / charlie obama steve / charlie harry obama steve / charlie hermione / charlie harry hermione / charlie hermione obama / charlie harry hermione obama / charlie hermione steve / charlie harry hermione steve / charlie hermione obama steve / charlie harry hermione obama steve</a:t>
+            </a:r>
+            <a:endParaRPr lang="en-US" sz="1200" dirty="0" smtClean="0"/>
+          </a:p>
+        </p:txBody>
+      </p:sp>
+      <p:sp>
+        <p:nvSpPr>
+          <p:cNvPr id="12" name="Left Arrow 11"/>
+          <p:cNvSpPr/>
+          <p:nvPr/>
+        </p:nvSpPr>
+        <p:spPr>
+          <a:xfrm>
+            <a:off x="5748610" y="3223260"/>
+            <a:ext cx="960120" cy="411480"/>
+          </a:xfrm>
+          <a:prstGeom prst="leftArrow">
+            <a:avLst>
+              <a:gd name="adj1" fmla="val 50000"/>
+              <a:gd name="adj2" fmla="val 83333"/>
+            </a:avLst>
+          </a:prstGeom>
+        </p:spPr>
+        <p:style>
+          <a:lnRef idx="2">
+            <a:schemeClr val="accent2">
+              <a:shade val="50000"/>
+            </a:schemeClr>
+          </a:lnRef>
+          <a:fillRef idx="1">
+            <a:schemeClr val="accent2"/>
+          </a:fillRef>
+          <a:effectRef idx="0">
+            <a:schemeClr val="accent2"/>
+          </a:effectRef>
+          <a:fontRef idx="minor">
+            <a:schemeClr val="lt1"/>
+          </a:fontRef>
+        </p:style>
+        <p:txBody>
+          <a:bodyPr rtlCol="0" anchor="ctr"/>
+          <a:lstStyle/>
+          <a:p>
+            <a:pPr algn="ctr"/>
+            <a:endParaRPr lang="en-US"/>
+          </a:p>
+        </p:txBody>
+      </p:sp>
+      <p:sp>
+        <p:nvSpPr>
+          <p:cNvPr id="22" name="Left Arrow 21"/>
+          <p:cNvSpPr/>
+          <p:nvPr/>
+        </p:nvSpPr>
+        <p:spPr>
+          <a:xfrm rot="10800000">
+            <a:off x="5832512" y="3223260"/>
+            <a:ext cx="960120" cy="411480"/>
+          </a:xfrm>
+          <a:prstGeom prst="leftArrow">
+            <a:avLst>
+              <a:gd name="adj1" fmla="val 50000"/>
+              <a:gd name="adj2" fmla="val 83333"/>
+            </a:avLst>
+          </a:prstGeom>
+        </p:spPr>
+        <p:style>
+          <a:lnRef idx="2">
+            <a:schemeClr val="accent2">
+              <a:shade val="50000"/>
+            </a:schemeClr>
+          </a:lnRef>
+          <a:fillRef idx="1">
+            <a:schemeClr val="accent2"/>
+          </a:fillRef>
+          <a:effectRef idx="0">
+            <a:schemeClr val="accent2"/>
+          </a:effectRef>
+          <a:fontRef idx="minor">
+            <a:schemeClr val="lt1"/>
+          </a:fontRef>
+        </p:style>
+        <p:txBody>
+          <a:bodyPr rtlCol="0" anchor="ctr"/>
+          <a:lstStyle/>
+          <a:p>
+            <a:pPr algn="ctr"/>
+            <a:endParaRPr lang="en-US"/>
+          </a:p>
+        </p:txBody>
+      </p:sp>
+      <p:sp>
+        <p:nvSpPr>
+          <p:cNvPr id="24" name="TextBox 23"/>
+          <p:cNvSpPr txBox="1"/>
+          <p:nvPr/>
+        </p:nvSpPr>
+        <p:spPr>
+          <a:xfrm>
+            <a:off x="7181252" y="611081"/>
+            <a:ext cx="4248748" cy="4524315"/>
+          </a:xfrm>
+          <a:prstGeom prst="rect">
+            <a:avLst/>
+          </a:prstGeom>
+          <a:noFill/>
+        </p:spPr>
+        <p:txBody>
+          <a:bodyPr wrap="square" rtlCol="0">
+            <a:spAutoFit/>
+          </a:bodyPr>
+          <a:lstStyle/>
+          <a:p>
+            <a:r>
+              <a:rPr lang="en-US" b="1" dirty="0" err="1"/>
+              <a:t>9</a:t>
+            </a:r>
+            <a:r>
+              <a:rPr lang="en-US" dirty="0" err="1"/>
+              <a:t>: 3: albert harry jesus</a:t>
+            </a:r>
+          </a:p>
+          <a:p>
+            <a:r>
+              <a:rPr lang="en-US" b="1" dirty="0" err="1"/>
+              <a:t>8</a:t>
+            </a:r>
+            <a:r>
+              <a:rPr lang="en-US" dirty="0" err="1"/>
+              <a:t>: 4: harry jesus</a:t>
+            </a:r>
+          </a:p>
+          <a:p>
+            <a:r>
+              <a:rPr lang="en-US" b="1" dirty="0" err="1"/>
+              <a:t>8</a:t>
+            </a:r>
+            <a:r>
+              <a:rPr lang="en-US" dirty="0" err="1"/>
+              <a:t>: 2: albert harry jesus katy</a:t>
+            </a:r>
+          </a:p>
+          <a:p>
+            <a:r>
+              <a:rPr lang="en-US" b="1" dirty="0" err="1"/>
+              <a:t>6</a:t>
+            </a:r>
+            <a:r>
+              <a:rPr lang="en-US" dirty="0" err="1"/>
+              <a:t>: 2: charlie hermione steve</a:t>
+            </a:r>
+          </a:p>
+          <a:p>
+            <a:r>
+              <a:rPr lang="en-US" b="1" dirty="0" err="1"/>
+              <a:t>6</a:t>
+            </a:r>
+            <a:r>
+              <a:rPr lang="en-US" dirty="0" err="1"/>
+              <a:t>: 6: harry</a:t>
+            </a:r>
+          </a:p>
+          <a:p>
+            <a:r>
+              <a:rPr lang="en-US" b="1" dirty="0" err="1"/>
+              <a:t>6</a:t>
+            </a:r>
+            <a:r>
+              <a:rPr lang="en-US" dirty="0" err="1"/>
+              <a:t>: 3: albert harry</a:t>
+            </a:r>
+          </a:p>
+          <a:p>
+            <a:r>
+              <a:rPr lang="en-US" b="1" dirty="0" err="1"/>
+              <a:t>6</a:t>
+            </a:r>
+            <a:r>
+              <a:rPr lang="en-US" dirty="0" err="1"/>
+              <a:t>: 2: albert harry katy</a:t>
+            </a:r>
+          </a:p>
+          <a:p>
+            <a:r>
+              <a:rPr lang="en-US" b="1" dirty="0" err="1"/>
+              <a:t>6</a:t>
+            </a:r>
+            <a:r>
+              <a:rPr lang="en-US" dirty="0" err="1"/>
+              <a:t>: 2: harry jesus obama</a:t>
+            </a:r>
+          </a:p>
+          <a:p>
+            <a:r>
+              <a:rPr lang="en-US" b="1" dirty="0" err="1"/>
+              <a:t>6</a:t>
+            </a:r>
+            <a:r>
+              <a:rPr lang="en-US" dirty="0" err="1"/>
+              <a:t>: 3: charlie steve</a:t>
+            </a:r>
+          </a:p>
+          <a:p>
+            <a:r>
+              <a:rPr lang="en-US" b="1" dirty="0" err="1"/>
+              <a:t>6</a:t>
+            </a:r>
+            <a:r>
+              <a:rPr lang="en-US" dirty="0" err="1"/>
+              <a:t>: 3: harry obama</a:t>
+            </a:r>
+          </a:p>
+          <a:p>
+            <a:r>
+              <a:rPr lang="en-US" b="1" dirty="0" err="1"/>
+              <a:t>6</a:t>
+            </a:r>
+            <a:r>
+              <a:rPr lang="en-US" dirty="0" err="1"/>
+              <a:t>: 2: harry jesus katy</a:t>
+            </a:r>
+          </a:p>
+          <a:p>
+            <a:r>
+              <a:rPr lang="en-US" b="1" dirty="0" err="1"/>
+              <a:t>6</a:t>
+            </a:r>
+            <a:r>
+              <a:rPr lang="en-US" dirty="0" err="1"/>
+              <a:t>: 3: albert jesus</a:t>
+            </a:r>
+          </a:p>
+          <a:p>
+            <a:r>
+              <a:rPr lang="en-US" b="1" dirty="0" err="1"/>
+              <a:t>6</a:t>
+            </a:r>
+            <a:r>
+              <a:rPr lang="en-US" dirty="0" err="1"/>
+              <a:t>: 3: albert katy</a:t>
+            </a:r>
+          </a:p>
+          <a:p>
+            <a:r>
+              <a:rPr lang="en-US" b="1" dirty="0" err="1"/>
+              <a:t>6</a:t>
+            </a:r>
+            <a:r>
+              <a:rPr lang="en-US" dirty="0" err="1"/>
+              <a:t>: 2: albert jesus katy</a:t>
+            </a:r>
+          </a:p>
+          <a:p>
+            <a:r>
+              <a:rPr lang="en-US" b="1" dirty="0" err="1"/>
+              <a:t>5</a:t>
+            </a:r>
+            <a:r>
+              <a:rPr lang="en-US" dirty="0" err="1"/>
+              <a:t>: 1: charlie harry hermione obama steve</a:t>
+            </a:r>
+          </a:p>
+          <a:p>
+            <a:r>
+              <a:rPr lang="en-US" dirty="0" err="1"/>
+              <a:t>…</a:t>
+            </a:r>
+            <a:endParaRPr lang="en-US" dirty="0" smtClean="0"/>
+          </a:p>
+        </p:txBody>
+      </p:sp>
+      <p:sp>
+        <p:nvSpPr>
+          <p:cNvPr id="7" name="TextBox 6"/>
+          <p:cNvSpPr txBox="1"/>
+          <p:nvPr/>
+        </p:nvSpPr>
+        <p:spPr>
+          <a:xfrm>
+            <a:off x="5113129" y="2884706"/>
+            <a:ext cx="2133763" cy="338554"/>
+          </a:xfrm>
+          <a:prstGeom prst="rect">
+            <a:avLst/>
+          </a:prstGeom>
+          <a:noFill/>
+        </p:spPr>
+        <p:txBody>
+          <a:bodyPr wrap="square" rtlCol="0">
+            <a:spAutoFit/>
+          </a:bodyPr>
+          <a:lstStyle/>
+          <a:p>
+            <a:r>
+              <a:rPr lang="en-US" sz="1600" dirty="0" err="1">
+                <a:solidFill>
+                  <a:srgbClr val="FF0000"/>
+                </a:solidFill>
+              </a:rPr>
+              <a:t>g</a:t>
+            </a:r>
+            <a:r>
+              <a:rPr lang="en-US" sz="1600" dirty="0" err="1">
+                <a:solidFill>
+                  <a:srgbClr val="FF0000"/>
+                </a:solidFill>
+              </a:rPr>
+              <a:t>enerate subsubgroups</a:t>
+            </a:r>
+          </a:p>
+        </p:txBody>
+      </p:sp>
+      <p:sp>
+        <p:nvSpPr>
+          <p:cNvPr id="8" name="TextBox 7"/>
+          <p:cNvSpPr txBox="1"/>
+          <p:nvPr/>
+        </p:nvSpPr>
+        <p:spPr>
+          <a:xfrm>
+            <a:off x="5682819" y="3634740"/>
+            <a:ext cx="1259506" cy="338554"/>
+          </a:xfrm>
+          <a:prstGeom prst="rect">
+            <a:avLst/>
+          </a:prstGeom>
+          <a:noFill/>
+        </p:spPr>
+        <p:txBody>
+          <a:bodyPr wrap="square" rtlCol="0">
+            <a:spAutoFit/>
+          </a:bodyPr>
+          <a:lstStyle/>
+          <a:p>
+            <a:r>
+              <a:rPr lang="en-US" sz="1600" dirty="0" err="1">
+                <a:solidFill>
+                  <a:srgbClr val="FF0000"/>
+                </a:solidFill>
+              </a:rPr>
+              <a:t>count &amp; rank</a:t>
+            </a:r>
+            <a:endParaRPr lang="en-US" sz="1600" dirty="0" err="1">
+              <a:solidFill>
+                <a:srgbClr val="FF0000"/>
+              </a:solidFill>
+            </a:endParaRPr>
+          </a:p>
+        </p:txBody>
+      </p:sp>
+      <p:sp>
+        <p:nvSpPr>
+          <p:cNvPr id="2" name="Rounded Rectangle 1"/>
+          <p:cNvSpPr/>
+          <p:nvPr/>
+        </p:nvSpPr>
+        <p:spPr>
+          <a:xfrm>
+            <a:off x="7162964" y="2185416"/>
+            <a:ext cx="2273644" cy="269522"/>
+          </a:xfrm>
+          <a:prstGeom prst="roundRect">
+            <a:avLst/>
+          </a:prstGeom>
+          <a:solidFill>
+            <a:schemeClr val="accent1">
+              <a:alpha val="20000"/>
+            </a:schemeClr>
+          </a:solidFill>
+        </p:spPr>
+        <p:style>
+          <a:lnRef idx="2">
+            <a:schemeClr val="accent1">
+              <a:shade val="50000"/>
+            </a:schemeClr>
+          </a:lnRef>
+          <a:fillRef idx="1">
+            <a:schemeClr val="accent1"/>
+          </a:fillRef>
+          <a:effectRef idx="0">
+            <a:schemeClr val="accent1"/>
+          </a:effectRef>
+          <a:fontRef idx="minor">
+            <a:schemeClr val="lt1"/>
+          </a:fontRef>
+        </p:style>
+        <p:txBody>
+          <a:bodyPr rtlCol="0" anchor="ctr"/>
+          <a:lstStyle/>
+          <a:p>
+            <a:pPr algn="ctr"/>
+            <a:endParaRPr lang="en-US"/>
+          </a:p>
+        </p:txBody>
+      </p:sp>
+      <p:sp>
+        <p:nvSpPr>
+          <p:cNvPr id="10" name="Rounded Rectangle 9"/>
+          <p:cNvSpPr/>
+          <p:nvPr/>
+        </p:nvSpPr>
+        <p:spPr>
+          <a:xfrm>
+            <a:off x="570139" y="611080"/>
+            <a:ext cx="4477350" cy="614215"/>
+          </a:xfrm>
+          <a:prstGeom prst="roundRect">
+            <a:avLst/>
+          </a:prstGeom>
+          <a:solidFill>
+            <a:schemeClr val="accent1">
+              <a:alpha val="20000"/>
+            </a:schemeClr>
+          </a:solidFill>
+        </p:spPr>
+        <p:style>
+          <a:lnRef idx="2">
+            <a:schemeClr val="accent1">
+              <a:shade val="50000"/>
+            </a:schemeClr>
+          </a:lnRef>
+          <a:fillRef idx="1">
+            <a:schemeClr val="accent1"/>
+          </a:fillRef>
+          <a:effectRef idx="0">
+            <a:schemeClr val="accent1"/>
+          </a:effectRef>
+          <a:fontRef idx="minor">
+            <a:schemeClr val="lt1"/>
+          </a:fontRef>
+        </p:style>
+        <p:txBody>
+          <a:bodyPr rtlCol="0" anchor="ctr"/>
+          <a:lstStyle/>
+          <a:p>
+            <a:pPr algn="ctr"/>
+            <a:endParaRPr lang="en-US"/>
+          </a:p>
+        </p:txBody>
+      </p:sp>
+      <p:cxnSp>
+        <p:nvCxnSpPr>
+          <p:cNvPr id="4" name="Straight Arrow Connector 3"/>
+          <p:cNvCxnSpPr/>
+          <p:nvPr/>
+        </p:nvCxnSpPr>
+        <p:spPr>
+          <a:xfrm flipH="1" flipV="1">
+            <a:off x="5166359" y="941832"/>
+            <a:ext cx="1896023" cy="1362456"/>
+          </a:xfrm>
+          <a:prstGeom prst="straightConnector1">
+            <a:avLst/>
+          </a:prstGeom>
+          <a:ln>
+            <a:tailEnd type="triangle"/>
+          </a:ln>
+        </p:spPr>
+        <p:style>
+          <a:lnRef idx="1">
+            <a:schemeClr val="accent1"/>
+          </a:lnRef>
+          <a:fillRef idx="0">
+            <a:schemeClr val="accent1"/>
+          </a:fillRef>
+          <a:effectRef idx="0">
+            <a:schemeClr val="accent1"/>
+          </a:effectRef>
+          <a:fontRef idx="minor">
+            <a:schemeClr val="tx1"/>
+          </a:fontRef>
+        </p:style>
+      </p:cxnSp>
+      <mc:AlternateContent xmlns:mc="http://schemas.openxmlformats.org/markup-compatibility/2006">
+        <mc:Choice xmlns:a14="http://schemas.microsoft.com/office/drawing/2010/main" Requires="a14">
+          <p:sp>
+            <p:nvSpPr>
+              <p:cNvPr id="14" name="TextBox 13"/>
+              <p:cNvSpPr txBox="1"/>
+              <p:nvPr/>
+            </p:nvSpPr>
+            <p:spPr>
+              <a:xfrm>
+                <a:off x="7211950" y="5185935"/>
+                <a:ext cx="3521029" cy="276999"/>
+              </a:xfrm>
+              <a:prstGeom prst="rect">
+                <a:avLst/>
+              </a:prstGeom>
+              <a:noFill/>
+            </p:spPr>
+            <p:txBody>
+              <a:bodyPr wrap="none" lIns="0" tIns="0" rIns="0" bIns="0" rtlCol="0">
+                <a:spAutoFit/>
+              </a:bodyPr>
+              <a:lstStyle/>
+              <a:p>
+                <a14:m>
+                  <m:oMathPara xmlns:m="http://schemas.openxmlformats.org/officeDocument/2006/math">
+                    <m:oMathParaPr>
+                      <m:jc m:val="centerGroup"/>
+                    </m:oMathParaPr>
+                    <m:oMath xmlns:m="http://schemas.openxmlformats.org/officeDocument/2006/math">
+                      <m:r>
+                        <m:rPr>
+                          <m:sty m:val="p"/>
+                        </m:rPr>
+                        <a:rPr lang="de-DE" i="1">
+                          <a:solidFill>
+                            <a:schemeClr val="tx1"/>
+                          </a:solidFill>
+                          <a:latin typeface="Cambria Math" charset="0"/>
+                        </a:rPr>
+                        <m:t>r</m:t>
+                      </m:r>
+                      <m:r>
+                        <a:rPr lang="de-DE" b="0" i="1">
+                          <a:solidFill>
+                            <a:schemeClr val="tx1"/>
+                          </a:solidFill>
+                          <a:latin typeface="Cambria Math" charset="0"/>
+                        </a:rPr>
+                        <m:t>𝑎𝑛𝑘</m:t>
+                      </m:r>
+                      <m:r>
+                        <a:rPr lang="de-DE" b="0" i="1">
+                          <a:solidFill>
+                            <a:schemeClr val="tx1"/>
+                          </a:solidFill>
+                          <a:latin typeface="Cambria Math" charset="0"/>
+                        </a:rPr>
+                        <m:t>=</m:t>
+                      </m:r>
+                      <m:r>
+                        <a:rPr lang="de-DE" b="0" i="1">
+                          <a:solidFill>
+                            <a:schemeClr val="tx1"/>
+                          </a:solidFill>
+                          <a:latin typeface="Cambria Math" charset="0"/>
+                        </a:rPr>
+                        <m:t>𝑜𝑐𝑐𝑢𝑟𝑒𝑛𝑐𝑒</m:t>
+                      </m:r>
+                      <m:r>
+                        <a:rPr lang="de-DE" b="0" i="1">
+                          <a:solidFill>
+                            <a:schemeClr val="tx1"/>
+                          </a:solidFill>
+                          <a:latin typeface="Cambria Math" charset="0"/>
+                        </a:rPr>
+                        <m:t>∗</m:t>
+                      </m:r>
+                      <m:r>
+                        <a:rPr lang="de-DE" b="0" i="1">
+                          <a:solidFill>
+                            <a:schemeClr val="tx1"/>
+                          </a:solidFill>
+                          <a:latin typeface="Cambria Math" charset="0"/>
+                        </a:rPr>
+                        <m:t>𝑠𝑢𝑏𝑔𝑟𝑜𝑢𝑝𝑠𝑖𝑧𝑒</m:t>
+                      </m:r>
+                    </m:oMath>
+                  </m:oMathPara>
+                </a14:m>
+                <a:endParaRPr lang="en-US">
+                  <a:solidFill>
+                    <a:schemeClr val="tx1"/>
+                  </a:solidFill>
+                </a:endParaRPr>
+              </a:p>
+            </p:txBody>
+          </p:sp>
+        </mc:Choice>
+        <mc:Fallback>
+          <p:sp>
+            <p:nvSpPr>
+              <p:cNvPr id="14" name="TextBox 13"/>
+              <p:cNvSpPr txBox="1">
+                <a:spLocks noRot="1" noChangeAspect="1" noMove="1" noResize="1" noEditPoints="1" noAdjustHandles="1" noChangeArrowheads="1" noChangeShapeType="1" noTextEdit="1"/>
+              </p:cNvSpPr>
+              <p:nvPr/>
+            </p:nvSpPr>
+            <p:spPr>
+              <a:xfrm>
+                <a:off x="7211950" y="5185935"/>
+                <a:ext cx="3521029" cy="276999"/>
+              </a:xfrm>
+              <a:prstGeom prst="rect">
+                <a:avLst/>
+              </a:prstGeom>
+              <a:blipFill rotWithShape="0">
+                <a:blip r:embed="rId3"/>
+                <a:stretch>
+                  <a:fillRect l="-519" t="-4444" r="-2076" b="-37778"/>
+                </a:stretch>
+              </a:blipFill>
+            </p:spPr>
+            <p:txBody>
+              <a:bodyPr/>
+              <a:lstStyle/>
+              <a:p>
+                <a:r>
+                  <a:rPr lang="en-US">
+                    <a:noFill/>
+                  </a:rPr>
+                  <a:t> </a:t>
+                </a:r>
+              </a:p>
+            </p:txBody>
+          </p:sp>
+        </mc:Fallback>
+      </mc:AlternateContent>
+      <p:sp>
+        <p:nvSpPr>
+          <p:cNvPr id="15" name="TextBox 14"/>
+          <p:cNvSpPr txBox="1"/>
+          <p:nvPr/>
+        </p:nvSpPr>
+        <p:spPr>
+          <a:xfrm>
+            <a:off x="6022930" y="5546876"/>
+            <a:ext cx="5407070" cy="861774"/>
+          </a:xfrm>
+          <a:prstGeom prst="rect">
+            <a:avLst/>
+          </a:prstGeom>
+          <a:noFill/>
+        </p:spPr>
+        <p:txBody>
+          <a:bodyPr wrap="square" rtlCol="0">
+            <a:spAutoFit/>
+          </a:bodyPr>
+          <a:lstStyle/>
+          <a:p>
+            <a:r>
+              <a:rPr lang="en-US"/>
+              <a:t>Idea: reward strong bonds between large subgroups.</a:t>
+            </a:r>
+          </a:p>
+          <a:p>
+            <a:r>
+              <a:rPr lang="en-US"/>
+              <a:t>Other ranking-schemes possible.</a:t>
+            </a:r>
+          </a:p>
+          <a:p>
+            <a:r>
+              <a:rPr lang="en-US" sz="1400"/>
+              <a:t>For instance subsubgroups with the subgroup-caller could get a bonus.</a:t>
+            </a:r>
+          </a:p>
+        </p:txBody>
+      </p:sp>
     </p:spTree>
     <p:extLst>
       <p:ext uri="{BB962C8B-B14F-4D97-AF65-F5344CB8AC3E}">
-        <p14:creationId xmlns:p14="http://schemas.microsoft.com/office/powerpoint/2010/main" val="1111800030"/>
+        <p14:creationId xmlns:p14="http://schemas.microsoft.com/office/powerpoint/2010/main" val="1365180540"/>
       </p:ext>
     </p:extLst>
   </p:cSld>
@@ -19358,9 +24543,2105 @@
   <p:timing>
     <p:tnLst>
       <p:par>
-        <p:cTn id="1" dur="indefinite" restart="never" nodeType="tmRoot"/>
+        <p:cTn id="1" dur="indefinite" restart="never" nodeType="tmRoot">
+          <p:childTnLst>
+            <p:seq concurrent="1" nextAc="seek">
+              <p:cTn id="2" dur="indefinite" nodeType="mainSeq">
+                <p:childTnLst>
+                  <p:par>
+                    <p:cTn id="3" fill="hold">
+                      <p:stCondLst>
+                        <p:cond delay="indefinite"/>
+                      </p:stCondLst>
+                      <p:childTnLst>
+                        <p:par>
+                          <p:cTn id="4" fill="hold">
+                            <p:stCondLst>
+                              <p:cond delay="0"/>
+                            </p:stCondLst>
+                            <p:childTnLst>
+                              <p:par>
+                                <p:cTn id="5" presetID="10" presetClass="entr" presetSubtype="0" fill="hold" grpId="0" nodeType="clickEffect">
+                                  <p:stCondLst>
+                                    <p:cond delay="0"/>
+                                  </p:stCondLst>
+                                  <p:childTnLst>
+                                    <p:set>
+                                      <p:cBhvr>
+                                        <p:cTn id="6" dur="1" fill="hold">
+                                          <p:stCondLst>
+                                            <p:cond delay="0"/>
+                                          </p:stCondLst>
+                                        </p:cTn>
+                                        <p:tgtEl>
+                                          <p:spTgt spid="12"/>
+                                        </p:tgtEl>
+                                        <p:attrNameLst>
+                                          <p:attrName>style.visibility</p:attrName>
+                                        </p:attrNameLst>
+                                      </p:cBhvr>
+                                      <p:to>
+                                        <p:strVal val="visible"/>
+                                      </p:to>
+                                    </p:set>
+                                    <p:animEffect transition="in" filter="fade">
+                                      <p:cBhvr>
+                                        <p:cTn id="7" dur="500"/>
+                                        <p:tgtEl>
+                                          <p:spTgt spid="12"/>
+                                        </p:tgtEl>
+                                      </p:cBhvr>
+                                    </p:animEffect>
+                                  </p:childTnLst>
+                                </p:cTn>
+                              </p:par>
+                            </p:childTnLst>
+                          </p:cTn>
+                        </p:par>
+                        <p:par>
+                          <p:cTn id="8" fill="hold">
+                            <p:stCondLst>
+                              <p:cond delay="500"/>
+                            </p:stCondLst>
+                            <p:childTnLst>
+                              <p:par>
+                                <p:cTn id="9" presetID="10" presetClass="entr" presetSubtype="0" fill="hold" grpId="0" nodeType="afterEffect">
+                                  <p:stCondLst>
+                                    <p:cond delay="0"/>
+                                  </p:stCondLst>
+                                  <p:childTnLst>
+                                    <p:set>
+                                      <p:cBhvr>
+                                        <p:cTn id="10" dur="1" fill="hold">
+                                          <p:stCondLst>
+                                            <p:cond delay="0"/>
+                                          </p:stCondLst>
+                                        </p:cTn>
+                                        <p:tgtEl>
+                                          <p:spTgt spid="7"/>
+                                        </p:tgtEl>
+                                        <p:attrNameLst>
+                                          <p:attrName>style.visibility</p:attrName>
+                                        </p:attrNameLst>
+                                      </p:cBhvr>
+                                      <p:to>
+                                        <p:strVal val="visible"/>
+                                      </p:to>
+                                    </p:set>
+                                    <p:animEffect transition="in" filter="fade">
+                                      <p:cBhvr>
+                                        <p:cTn id="11" dur="500"/>
+                                        <p:tgtEl>
+                                          <p:spTgt spid="7"/>
+                                        </p:tgtEl>
+                                      </p:cBhvr>
+                                    </p:animEffect>
+                                  </p:childTnLst>
+                                </p:cTn>
+                              </p:par>
+                            </p:childTnLst>
+                          </p:cTn>
+                        </p:par>
+                        <p:par>
+                          <p:cTn id="12" fill="hold">
+                            <p:stCondLst>
+                              <p:cond delay="1000"/>
+                            </p:stCondLst>
+                            <p:childTnLst>
+                              <p:par>
+                                <p:cTn id="13" presetID="10" presetClass="entr" presetSubtype="0" fill="hold" grpId="0" nodeType="afterEffect">
+                                  <p:stCondLst>
+                                    <p:cond delay="0"/>
+                                  </p:stCondLst>
+                                  <p:childTnLst>
+                                    <p:set>
+                                      <p:cBhvr>
+                                        <p:cTn id="14" dur="1" fill="hold">
+                                          <p:stCondLst>
+                                            <p:cond delay="0"/>
+                                          </p:stCondLst>
+                                        </p:cTn>
+                                        <p:tgtEl>
+                                          <p:spTgt spid="19"/>
+                                        </p:tgtEl>
+                                        <p:attrNameLst>
+                                          <p:attrName>style.visibility</p:attrName>
+                                        </p:attrNameLst>
+                                      </p:cBhvr>
+                                      <p:to>
+                                        <p:strVal val="visible"/>
+                                      </p:to>
+                                    </p:set>
+                                    <p:animEffect transition="in" filter="fade">
+                                      <p:cBhvr>
+                                        <p:cTn id="15" dur="500"/>
+                                        <p:tgtEl>
+                                          <p:spTgt spid="19"/>
+                                        </p:tgtEl>
+                                      </p:cBhvr>
+                                    </p:animEffect>
+                                  </p:childTnLst>
+                                </p:cTn>
+                              </p:par>
+                            </p:childTnLst>
+                          </p:cTn>
+                        </p:par>
+                      </p:childTnLst>
+                    </p:cTn>
+                  </p:par>
+                  <p:par>
+                    <p:cTn id="16" fill="hold">
+                      <p:stCondLst>
+                        <p:cond delay="indefinite"/>
+                      </p:stCondLst>
+                      <p:childTnLst>
+                        <p:par>
+                          <p:cTn id="17" fill="hold">
+                            <p:stCondLst>
+                              <p:cond delay="0"/>
+                            </p:stCondLst>
+                            <p:childTnLst>
+                              <p:par>
+                                <p:cTn id="18" presetID="10" presetClass="entr" presetSubtype="0" fill="hold" grpId="0" nodeType="clickEffect">
+                                  <p:stCondLst>
+                                    <p:cond delay="0"/>
+                                  </p:stCondLst>
+                                  <p:childTnLst>
+                                    <p:set>
+                                      <p:cBhvr>
+                                        <p:cTn id="19" dur="1" fill="hold">
+                                          <p:stCondLst>
+                                            <p:cond delay="0"/>
+                                          </p:stCondLst>
+                                        </p:cTn>
+                                        <p:tgtEl>
+                                          <p:spTgt spid="2"/>
+                                        </p:tgtEl>
+                                        <p:attrNameLst>
+                                          <p:attrName>style.visibility</p:attrName>
+                                        </p:attrNameLst>
+                                      </p:cBhvr>
+                                      <p:to>
+                                        <p:strVal val="visible"/>
+                                      </p:to>
+                                    </p:set>
+                                    <p:animEffect transition="in" filter="fade">
+                                      <p:cBhvr>
+                                        <p:cTn id="20" dur="500"/>
+                                        <p:tgtEl>
+                                          <p:spTgt spid="2"/>
+                                        </p:tgtEl>
+                                      </p:cBhvr>
+                                    </p:animEffect>
+                                  </p:childTnLst>
+                                </p:cTn>
+                              </p:par>
+                            </p:childTnLst>
+                          </p:cTn>
+                        </p:par>
+                        <p:par>
+                          <p:cTn id="21" fill="hold">
+                            <p:stCondLst>
+                              <p:cond delay="500"/>
+                            </p:stCondLst>
+                            <p:childTnLst>
+                              <p:par>
+                                <p:cTn id="22" presetID="10" presetClass="entr" presetSubtype="0" fill="hold" nodeType="afterEffect">
+                                  <p:stCondLst>
+                                    <p:cond delay="0"/>
+                                  </p:stCondLst>
+                                  <p:childTnLst>
+                                    <p:set>
+                                      <p:cBhvr>
+                                        <p:cTn id="23" dur="1" fill="hold">
+                                          <p:stCondLst>
+                                            <p:cond delay="0"/>
+                                          </p:stCondLst>
+                                        </p:cTn>
+                                        <p:tgtEl>
+                                          <p:spTgt spid="4"/>
+                                        </p:tgtEl>
+                                        <p:attrNameLst>
+                                          <p:attrName>style.visibility</p:attrName>
+                                        </p:attrNameLst>
+                                      </p:cBhvr>
+                                      <p:to>
+                                        <p:strVal val="visible"/>
+                                      </p:to>
+                                    </p:set>
+                                    <p:animEffect transition="in" filter="fade">
+                                      <p:cBhvr>
+                                        <p:cTn id="24" dur="500"/>
+                                        <p:tgtEl>
+                                          <p:spTgt spid="4"/>
+                                        </p:tgtEl>
+                                      </p:cBhvr>
+                                    </p:animEffect>
+                                  </p:childTnLst>
+                                </p:cTn>
+                              </p:par>
+                            </p:childTnLst>
+                          </p:cTn>
+                        </p:par>
+                        <p:par>
+                          <p:cTn id="25" fill="hold">
+                            <p:stCondLst>
+                              <p:cond delay="1000"/>
+                            </p:stCondLst>
+                            <p:childTnLst>
+                              <p:par>
+                                <p:cTn id="26" presetID="10" presetClass="entr" presetSubtype="0" fill="hold" grpId="0" nodeType="afterEffect">
+                                  <p:stCondLst>
+                                    <p:cond delay="0"/>
+                                  </p:stCondLst>
+                                  <p:childTnLst>
+                                    <p:set>
+                                      <p:cBhvr>
+                                        <p:cTn id="27" dur="1" fill="hold">
+                                          <p:stCondLst>
+                                            <p:cond delay="0"/>
+                                          </p:stCondLst>
+                                        </p:cTn>
+                                        <p:tgtEl>
+                                          <p:spTgt spid="10"/>
+                                        </p:tgtEl>
+                                        <p:attrNameLst>
+                                          <p:attrName>style.visibility</p:attrName>
+                                        </p:attrNameLst>
+                                      </p:cBhvr>
+                                      <p:to>
+                                        <p:strVal val="visible"/>
+                                      </p:to>
+                                    </p:set>
+                                    <p:animEffect transition="in" filter="fade">
+                                      <p:cBhvr>
+                                        <p:cTn id="28" dur="500"/>
+                                        <p:tgtEl>
+                                          <p:spTgt spid="10"/>
+                                        </p:tgtEl>
+                                      </p:cBhvr>
+                                    </p:animEffect>
+                                  </p:childTnLst>
+                                </p:cTn>
+                              </p:par>
+                            </p:childTnLst>
+                          </p:cTn>
+                        </p:par>
+                      </p:childTnLst>
+                    </p:cTn>
+                  </p:par>
+                  <p:par>
+                    <p:cTn id="29" fill="hold">
+                      <p:stCondLst>
+                        <p:cond delay="indefinite"/>
+                      </p:stCondLst>
+                      <p:childTnLst>
+                        <p:par>
+                          <p:cTn id="30" fill="hold">
+                            <p:stCondLst>
+                              <p:cond delay="0"/>
+                            </p:stCondLst>
+                            <p:childTnLst>
+                              <p:par>
+                                <p:cTn id="31" presetID="10" presetClass="exit" presetSubtype="0" fill="hold" grpId="1" nodeType="clickEffect">
+                                  <p:stCondLst>
+                                    <p:cond delay="0"/>
+                                  </p:stCondLst>
+                                  <p:childTnLst>
+                                    <p:animEffect transition="out" filter="fade">
+                                      <p:cBhvr>
+                                        <p:cTn id="32" dur="500"/>
+                                        <p:tgtEl>
+                                          <p:spTgt spid="2"/>
+                                        </p:tgtEl>
+                                      </p:cBhvr>
+                                    </p:animEffect>
+                                    <p:set>
+                                      <p:cBhvr>
+                                        <p:cTn id="33" dur="1" fill="hold">
+                                          <p:stCondLst>
+                                            <p:cond delay="499"/>
+                                          </p:stCondLst>
+                                        </p:cTn>
+                                        <p:tgtEl>
+                                          <p:spTgt spid="2"/>
+                                        </p:tgtEl>
+                                        <p:attrNameLst>
+                                          <p:attrName>style.visibility</p:attrName>
+                                        </p:attrNameLst>
+                                      </p:cBhvr>
+                                      <p:to>
+                                        <p:strVal val="hidden"/>
+                                      </p:to>
+                                    </p:set>
+                                  </p:childTnLst>
+                                </p:cTn>
+                              </p:par>
+                              <p:par>
+                                <p:cTn id="34" presetID="10" presetClass="exit" presetSubtype="0" fill="hold" nodeType="withEffect">
+                                  <p:stCondLst>
+                                    <p:cond delay="0"/>
+                                  </p:stCondLst>
+                                  <p:childTnLst>
+                                    <p:animEffect transition="out" filter="fade">
+                                      <p:cBhvr>
+                                        <p:cTn id="35" dur="500"/>
+                                        <p:tgtEl>
+                                          <p:spTgt spid="4"/>
+                                        </p:tgtEl>
+                                      </p:cBhvr>
+                                    </p:animEffect>
+                                    <p:set>
+                                      <p:cBhvr>
+                                        <p:cTn id="36" dur="1" fill="hold">
+                                          <p:stCondLst>
+                                            <p:cond delay="499"/>
+                                          </p:stCondLst>
+                                        </p:cTn>
+                                        <p:tgtEl>
+                                          <p:spTgt spid="4"/>
+                                        </p:tgtEl>
+                                        <p:attrNameLst>
+                                          <p:attrName>style.visibility</p:attrName>
+                                        </p:attrNameLst>
+                                      </p:cBhvr>
+                                      <p:to>
+                                        <p:strVal val="hidden"/>
+                                      </p:to>
+                                    </p:set>
+                                  </p:childTnLst>
+                                </p:cTn>
+                              </p:par>
+                              <p:par>
+                                <p:cTn id="37" presetID="10" presetClass="exit" presetSubtype="0" fill="hold" grpId="1" nodeType="withEffect">
+                                  <p:stCondLst>
+                                    <p:cond delay="0"/>
+                                  </p:stCondLst>
+                                  <p:childTnLst>
+                                    <p:animEffect transition="out" filter="fade">
+                                      <p:cBhvr>
+                                        <p:cTn id="38" dur="500"/>
+                                        <p:tgtEl>
+                                          <p:spTgt spid="10"/>
+                                        </p:tgtEl>
+                                      </p:cBhvr>
+                                    </p:animEffect>
+                                    <p:set>
+                                      <p:cBhvr>
+                                        <p:cTn id="39" dur="1" fill="hold">
+                                          <p:stCondLst>
+                                            <p:cond delay="499"/>
+                                          </p:stCondLst>
+                                        </p:cTn>
+                                        <p:tgtEl>
+                                          <p:spTgt spid="10"/>
+                                        </p:tgtEl>
+                                        <p:attrNameLst>
+                                          <p:attrName>style.visibility</p:attrName>
+                                        </p:attrNameLst>
+                                      </p:cBhvr>
+                                      <p:to>
+                                        <p:strVal val="hidden"/>
+                                      </p:to>
+                                    </p:set>
+                                  </p:childTnLst>
+                                </p:cTn>
+                              </p:par>
+                            </p:childTnLst>
+                          </p:cTn>
+                        </p:par>
+                        <p:par>
+                          <p:cTn id="40" fill="hold">
+                            <p:stCondLst>
+                              <p:cond delay="500"/>
+                            </p:stCondLst>
+                            <p:childTnLst>
+                              <p:par>
+                                <p:cTn id="41" presetID="10" presetClass="exit" presetSubtype="0" fill="hold" grpId="0" nodeType="afterEffect">
+                                  <p:stCondLst>
+                                    <p:cond delay="0"/>
+                                  </p:stCondLst>
+                                  <p:childTnLst>
+                                    <p:animEffect transition="out" filter="fade">
+                                      <p:cBhvr>
+                                        <p:cTn id="42" dur="500"/>
+                                        <p:tgtEl>
+                                          <p:spTgt spid="16"/>
+                                        </p:tgtEl>
+                                      </p:cBhvr>
+                                    </p:animEffect>
+                                    <p:set>
+                                      <p:cBhvr>
+                                        <p:cTn id="43" dur="1" fill="hold">
+                                          <p:stCondLst>
+                                            <p:cond delay="499"/>
+                                          </p:stCondLst>
+                                        </p:cTn>
+                                        <p:tgtEl>
+                                          <p:spTgt spid="16"/>
+                                        </p:tgtEl>
+                                        <p:attrNameLst>
+                                          <p:attrName>style.visibility</p:attrName>
+                                        </p:attrNameLst>
+                                      </p:cBhvr>
+                                      <p:to>
+                                        <p:strVal val="hidden"/>
+                                      </p:to>
+                                    </p:set>
+                                  </p:childTnLst>
+                                </p:cTn>
+                              </p:par>
+                              <p:par>
+                                <p:cTn id="44" presetID="10" presetClass="exit" presetSubtype="0" fill="hold" grpId="1" nodeType="withEffect">
+                                  <p:stCondLst>
+                                    <p:cond delay="0"/>
+                                  </p:stCondLst>
+                                  <p:childTnLst>
+                                    <p:animEffect transition="out" filter="fade">
+                                      <p:cBhvr>
+                                        <p:cTn id="45" dur="500"/>
+                                        <p:tgtEl>
+                                          <p:spTgt spid="12"/>
+                                        </p:tgtEl>
+                                      </p:cBhvr>
+                                    </p:animEffect>
+                                    <p:set>
+                                      <p:cBhvr>
+                                        <p:cTn id="46" dur="1" fill="hold">
+                                          <p:stCondLst>
+                                            <p:cond delay="499"/>
+                                          </p:stCondLst>
+                                        </p:cTn>
+                                        <p:tgtEl>
+                                          <p:spTgt spid="12"/>
+                                        </p:tgtEl>
+                                        <p:attrNameLst>
+                                          <p:attrName>style.visibility</p:attrName>
+                                        </p:attrNameLst>
+                                      </p:cBhvr>
+                                      <p:to>
+                                        <p:strVal val="hidden"/>
+                                      </p:to>
+                                    </p:set>
+                                  </p:childTnLst>
+                                </p:cTn>
+                              </p:par>
+                              <p:par>
+                                <p:cTn id="47" presetID="10" presetClass="exit" presetSubtype="0" fill="hold" grpId="1" nodeType="withEffect">
+                                  <p:stCondLst>
+                                    <p:cond delay="0"/>
+                                  </p:stCondLst>
+                                  <p:childTnLst>
+                                    <p:animEffect transition="out" filter="fade">
+                                      <p:cBhvr>
+                                        <p:cTn id="48" dur="500"/>
+                                        <p:tgtEl>
+                                          <p:spTgt spid="7"/>
+                                        </p:tgtEl>
+                                      </p:cBhvr>
+                                    </p:animEffect>
+                                    <p:set>
+                                      <p:cBhvr>
+                                        <p:cTn id="49" dur="1" fill="hold">
+                                          <p:stCondLst>
+                                            <p:cond delay="499"/>
+                                          </p:stCondLst>
+                                        </p:cTn>
+                                        <p:tgtEl>
+                                          <p:spTgt spid="7"/>
+                                        </p:tgtEl>
+                                        <p:attrNameLst>
+                                          <p:attrName>style.visibility</p:attrName>
+                                        </p:attrNameLst>
+                                      </p:cBhvr>
+                                      <p:to>
+                                        <p:strVal val="hidden"/>
+                                      </p:to>
+                                    </p:set>
+                                  </p:childTnLst>
+                                </p:cTn>
+                              </p:par>
+                            </p:childTnLst>
+                          </p:cTn>
+                        </p:par>
+                        <p:par>
+                          <p:cTn id="50" fill="hold">
+                            <p:stCondLst>
+                              <p:cond delay="1000"/>
+                            </p:stCondLst>
+                            <p:childTnLst>
+                              <p:par>
+                                <p:cTn id="51" presetID="10" presetClass="entr" presetSubtype="0" fill="hold" grpId="0" nodeType="afterEffect">
+                                  <p:stCondLst>
+                                    <p:cond delay="0"/>
+                                  </p:stCondLst>
+                                  <p:childTnLst>
+                                    <p:set>
+                                      <p:cBhvr>
+                                        <p:cTn id="52" dur="1" fill="hold">
+                                          <p:stCondLst>
+                                            <p:cond delay="0"/>
+                                          </p:stCondLst>
+                                        </p:cTn>
+                                        <p:tgtEl>
+                                          <p:spTgt spid="22"/>
+                                        </p:tgtEl>
+                                        <p:attrNameLst>
+                                          <p:attrName>style.visibility</p:attrName>
+                                        </p:attrNameLst>
+                                      </p:cBhvr>
+                                      <p:to>
+                                        <p:strVal val="visible"/>
+                                      </p:to>
+                                    </p:set>
+                                    <p:animEffect transition="in" filter="fade">
+                                      <p:cBhvr>
+                                        <p:cTn id="53" dur="500"/>
+                                        <p:tgtEl>
+                                          <p:spTgt spid="22"/>
+                                        </p:tgtEl>
+                                      </p:cBhvr>
+                                    </p:animEffect>
+                                  </p:childTnLst>
+                                </p:cTn>
+                              </p:par>
+                            </p:childTnLst>
+                          </p:cTn>
+                        </p:par>
+                        <p:par>
+                          <p:cTn id="54" fill="hold">
+                            <p:stCondLst>
+                              <p:cond delay="1500"/>
+                            </p:stCondLst>
+                            <p:childTnLst>
+                              <p:par>
+                                <p:cTn id="55" presetID="10" presetClass="entr" presetSubtype="0" fill="hold" grpId="0" nodeType="afterEffect">
+                                  <p:stCondLst>
+                                    <p:cond delay="0"/>
+                                  </p:stCondLst>
+                                  <p:childTnLst>
+                                    <p:set>
+                                      <p:cBhvr>
+                                        <p:cTn id="56" dur="1" fill="hold">
+                                          <p:stCondLst>
+                                            <p:cond delay="0"/>
+                                          </p:stCondLst>
+                                        </p:cTn>
+                                        <p:tgtEl>
+                                          <p:spTgt spid="8"/>
+                                        </p:tgtEl>
+                                        <p:attrNameLst>
+                                          <p:attrName>style.visibility</p:attrName>
+                                        </p:attrNameLst>
+                                      </p:cBhvr>
+                                      <p:to>
+                                        <p:strVal val="visible"/>
+                                      </p:to>
+                                    </p:set>
+                                    <p:animEffect transition="in" filter="fade">
+                                      <p:cBhvr>
+                                        <p:cTn id="57" dur="500"/>
+                                        <p:tgtEl>
+                                          <p:spTgt spid="8"/>
+                                        </p:tgtEl>
+                                      </p:cBhvr>
+                                    </p:animEffect>
+                                  </p:childTnLst>
+                                </p:cTn>
+                              </p:par>
+                            </p:childTnLst>
+                          </p:cTn>
+                        </p:par>
+                        <p:par>
+                          <p:cTn id="58" fill="hold">
+                            <p:stCondLst>
+                              <p:cond delay="2000"/>
+                            </p:stCondLst>
+                            <p:childTnLst>
+                              <p:par>
+                                <p:cTn id="59" presetID="10" presetClass="entr" presetSubtype="0" fill="hold" grpId="0" nodeType="afterEffect">
+                                  <p:stCondLst>
+                                    <p:cond delay="0"/>
+                                  </p:stCondLst>
+                                  <p:childTnLst>
+                                    <p:set>
+                                      <p:cBhvr>
+                                        <p:cTn id="60" dur="1" fill="hold">
+                                          <p:stCondLst>
+                                            <p:cond delay="0"/>
+                                          </p:stCondLst>
+                                        </p:cTn>
+                                        <p:tgtEl>
+                                          <p:spTgt spid="24"/>
+                                        </p:tgtEl>
+                                        <p:attrNameLst>
+                                          <p:attrName>style.visibility</p:attrName>
+                                        </p:attrNameLst>
+                                      </p:cBhvr>
+                                      <p:to>
+                                        <p:strVal val="visible"/>
+                                      </p:to>
+                                    </p:set>
+                                    <p:animEffect transition="in" filter="fade">
+                                      <p:cBhvr>
+                                        <p:cTn id="61" dur="500"/>
+                                        <p:tgtEl>
+                                          <p:spTgt spid="24"/>
+                                        </p:tgtEl>
+                                      </p:cBhvr>
+                                    </p:animEffect>
+                                  </p:childTnLst>
+                                </p:cTn>
+                              </p:par>
+                            </p:childTnLst>
+                          </p:cTn>
+                        </p:par>
+                      </p:childTnLst>
+                    </p:cTn>
+                  </p:par>
+                  <p:par>
+                    <p:cTn id="62" fill="hold">
+                      <p:stCondLst>
+                        <p:cond delay="indefinite"/>
+                      </p:stCondLst>
+                      <p:childTnLst>
+                        <p:par>
+                          <p:cTn id="63" fill="hold">
+                            <p:stCondLst>
+                              <p:cond delay="0"/>
+                            </p:stCondLst>
+                            <p:childTnLst>
+                              <p:par>
+                                <p:cTn id="64" presetID="10" presetClass="entr" presetSubtype="0" fill="hold" grpId="0" nodeType="clickEffect">
+                                  <p:stCondLst>
+                                    <p:cond delay="0"/>
+                                  </p:stCondLst>
+                                  <p:childTnLst>
+                                    <p:set>
+                                      <p:cBhvr>
+                                        <p:cTn id="65" dur="1" fill="hold">
+                                          <p:stCondLst>
+                                            <p:cond delay="0"/>
+                                          </p:stCondLst>
+                                        </p:cTn>
+                                        <p:tgtEl>
+                                          <p:spTgt spid="14"/>
+                                        </p:tgtEl>
+                                        <p:attrNameLst>
+                                          <p:attrName>style.visibility</p:attrName>
+                                        </p:attrNameLst>
+                                      </p:cBhvr>
+                                      <p:to>
+                                        <p:strVal val="visible"/>
+                                      </p:to>
+                                    </p:set>
+                                    <p:animEffect transition="in" filter="fade">
+                                      <p:cBhvr>
+                                        <p:cTn id="66" dur="500"/>
+                                        <p:tgtEl>
+                                          <p:spTgt spid="14"/>
+                                        </p:tgtEl>
+                                      </p:cBhvr>
+                                    </p:animEffect>
+                                  </p:childTnLst>
+                                </p:cTn>
+                              </p:par>
+                            </p:childTnLst>
+                          </p:cTn>
+                        </p:par>
+                      </p:childTnLst>
+                    </p:cTn>
+                  </p:par>
+                  <p:par>
+                    <p:cTn id="67" fill="hold">
+                      <p:stCondLst>
+                        <p:cond delay="indefinite"/>
+                      </p:stCondLst>
+                      <p:childTnLst>
+                        <p:par>
+                          <p:cTn id="68" fill="hold">
+                            <p:stCondLst>
+                              <p:cond delay="0"/>
+                            </p:stCondLst>
+                            <p:childTnLst>
+                              <p:par>
+                                <p:cTn id="69" presetID="10" presetClass="entr" presetSubtype="0" fill="hold" grpId="0" nodeType="clickEffect">
+                                  <p:stCondLst>
+                                    <p:cond delay="0"/>
+                                  </p:stCondLst>
+                                  <p:childTnLst>
+                                    <p:set>
+                                      <p:cBhvr>
+                                        <p:cTn id="70" dur="1" fill="hold">
+                                          <p:stCondLst>
+                                            <p:cond delay="0"/>
+                                          </p:stCondLst>
+                                        </p:cTn>
+                                        <p:tgtEl>
+                                          <p:spTgt spid="15">
+                                            <p:txEl>
+                                              <p:pRg st="0" end="0"/>
+                                            </p:txEl>
+                                          </p:spTgt>
+                                        </p:tgtEl>
+                                        <p:attrNameLst>
+                                          <p:attrName>style.visibility</p:attrName>
+                                        </p:attrNameLst>
+                                      </p:cBhvr>
+                                      <p:to>
+                                        <p:strVal val="visible"/>
+                                      </p:to>
+                                    </p:set>
+                                    <p:animEffect transition="in" filter="fade">
+                                      <p:cBhvr>
+                                        <p:cTn id="71" dur="500"/>
+                                        <p:tgtEl>
+                                          <p:spTgt spid="15">
+                                            <p:txEl>
+                                              <p:pRg st="0" end="0"/>
+                                            </p:txEl>
+                                          </p:spTgt>
+                                        </p:tgtEl>
+                                      </p:cBhvr>
+                                    </p:animEffect>
+                                  </p:childTnLst>
+                                </p:cTn>
+                              </p:par>
+                            </p:childTnLst>
+                          </p:cTn>
+                        </p:par>
+                      </p:childTnLst>
+                    </p:cTn>
+                  </p:par>
+                  <p:par>
+                    <p:cTn id="72" fill="hold">
+                      <p:stCondLst>
+                        <p:cond delay="indefinite"/>
+                      </p:stCondLst>
+                      <p:childTnLst>
+                        <p:par>
+                          <p:cTn id="73" fill="hold">
+                            <p:stCondLst>
+                              <p:cond delay="0"/>
+                            </p:stCondLst>
+                            <p:childTnLst>
+                              <p:par>
+                                <p:cTn id="74" presetID="10" presetClass="entr" presetSubtype="0" fill="hold" grpId="0" nodeType="clickEffect">
+                                  <p:stCondLst>
+                                    <p:cond delay="0"/>
+                                  </p:stCondLst>
+                                  <p:childTnLst>
+                                    <p:set>
+                                      <p:cBhvr>
+                                        <p:cTn id="75" dur="1" fill="hold">
+                                          <p:stCondLst>
+                                            <p:cond delay="0"/>
+                                          </p:stCondLst>
+                                        </p:cTn>
+                                        <p:tgtEl>
+                                          <p:spTgt spid="15">
+                                            <p:txEl>
+                                              <p:pRg st="1" end="1"/>
+                                            </p:txEl>
+                                          </p:spTgt>
+                                        </p:tgtEl>
+                                        <p:attrNameLst>
+                                          <p:attrName>style.visibility</p:attrName>
+                                        </p:attrNameLst>
+                                      </p:cBhvr>
+                                      <p:to>
+                                        <p:strVal val="visible"/>
+                                      </p:to>
+                                    </p:set>
+                                    <p:animEffect transition="in" filter="fade">
+                                      <p:cBhvr>
+                                        <p:cTn id="76" dur="500"/>
+                                        <p:tgtEl>
+                                          <p:spTgt spid="15">
+                                            <p:txEl>
+                                              <p:pRg st="1" end="1"/>
+                                            </p:txEl>
+                                          </p:spTgt>
+                                        </p:tgtEl>
+                                      </p:cBhvr>
+                                    </p:animEffect>
+                                  </p:childTnLst>
+                                </p:cTn>
+                              </p:par>
+                            </p:childTnLst>
+                          </p:cTn>
+                        </p:par>
+                      </p:childTnLst>
+                    </p:cTn>
+                  </p:par>
+                  <p:par>
+                    <p:cTn id="77" fill="hold">
+                      <p:stCondLst>
+                        <p:cond delay="indefinite"/>
+                      </p:stCondLst>
+                      <p:childTnLst>
+                        <p:par>
+                          <p:cTn id="78" fill="hold">
+                            <p:stCondLst>
+                              <p:cond delay="0"/>
+                            </p:stCondLst>
+                            <p:childTnLst>
+                              <p:par>
+                                <p:cTn id="79" presetID="10" presetClass="entr" presetSubtype="0" fill="hold" grpId="0" nodeType="clickEffect">
+                                  <p:stCondLst>
+                                    <p:cond delay="0"/>
+                                  </p:stCondLst>
+                                  <p:childTnLst>
+                                    <p:set>
+                                      <p:cBhvr>
+                                        <p:cTn id="80" dur="1" fill="hold">
+                                          <p:stCondLst>
+                                            <p:cond delay="0"/>
+                                          </p:stCondLst>
+                                        </p:cTn>
+                                        <p:tgtEl>
+                                          <p:spTgt spid="15">
+                                            <p:txEl>
+                                              <p:pRg st="2" end="2"/>
+                                            </p:txEl>
+                                          </p:spTgt>
+                                        </p:tgtEl>
+                                        <p:attrNameLst>
+                                          <p:attrName>style.visibility</p:attrName>
+                                        </p:attrNameLst>
+                                      </p:cBhvr>
+                                      <p:to>
+                                        <p:strVal val="visible"/>
+                                      </p:to>
+                                    </p:set>
+                                    <p:animEffect transition="in" filter="fade">
+                                      <p:cBhvr>
+                                        <p:cTn id="81" dur="500"/>
+                                        <p:tgtEl>
+                                          <p:spTgt spid="15">
+                                            <p:txEl>
+                                              <p:pRg st="2" end="2"/>
+                                            </p:txEl>
+                                          </p:spTgt>
+                                        </p:tgtEl>
+                                      </p:cBhvr>
+                                    </p:animEffect>
+                                  </p:childTnLst>
+                                </p:cTn>
+                              </p:par>
+                            </p:childTnLst>
+                          </p:cTn>
+                        </p:par>
+                      </p:childTnLst>
+                    </p:cTn>
+                  </p:par>
+                </p:childTnLst>
+              </p:cTn>
+              <p:prevCondLst>
+                <p:cond evt="onPrev" delay="0">
+                  <p:tgtEl>
+                    <p:sldTgt/>
+                  </p:tgtEl>
+                </p:cond>
+              </p:prevCondLst>
+              <p:nextCondLst>
+                <p:cond evt="onNext" delay="0">
+                  <p:tgtEl>
+                    <p:sldTgt/>
+                  </p:tgtEl>
+                </p:cond>
+              </p:nextCondLst>
+            </p:seq>
+          </p:childTnLst>
+        </p:cTn>
       </p:par>
     </p:tnLst>
+    <p:bldLst>
+      <p:bldP spid="16" grpId="0"/>
+      <p:bldP spid="19" grpId="0"/>
+      <p:bldP spid="12" grpId="0" animBg="1"/>
+      <p:bldP spid="12" grpId="1" animBg="1"/>
+      <p:bldP spid="22" grpId="0" animBg="1"/>
+      <p:bldP spid="24" grpId="0"/>
+      <p:bldP spid="7" grpId="0"/>
+      <p:bldP spid="7" grpId="1"/>
+      <p:bldP spid="8" grpId="0"/>
+      <p:bldP spid="2" grpId="0" animBg="1"/>
+      <p:bldP spid="2" grpId="1" animBg="1"/>
+      <p:bldP spid="10" grpId="0" animBg="1"/>
+      <p:bldP spid="10" grpId="1" animBg="1"/>
+      <p:bldP spid="14" grpId="0"/>
+      <p:bldP spid="15" grpId="0" build="p"/>
+    </p:bldLst>
+  </p:timing>
+</p:sld>
+</file>
+
+<file path=ppt/slides/slide9.xml><?xml version="1.0" encoding="utf-8"?>
+<p:sld xmlns:a="http://schemas.openxmlformats.org/drawingml/2006/main" xmlns:r="http://schemas.openxmlformats.org/officeDocument/2006/relationships" xmlns:p="http://schemas.openxmlformats.org/presentationml/2006/main">
+  <p:cSld>
+    <p:spTree>
+      <p:nvGrpSpPr>
+        <p:cNvPr id="1" name=""/>
+        <p:cNvGrpSpPr/>
+        <p:nvPr/>
+      </p:nvGrpSpPr>
+      <p:grpSpPr>
+        <a:xfrm>
+          <a:off x="0" y="0"/>
+          <a:ext cx="0" cy="0"/>
+          <a:chOff x="0" y="0"/>
+          <a:chExt cx="0" cy="0"/>
+        </a:xfrm>
+      </p:grpSpPr>
+      <p:sp>
+        <p:nvSpPr>
+          <p:cNvPr id="5" name="TextBox 4"/>
+          <p:cNvSpPr txBox="1"/>
+          <p:nvPr/>
+        </p:nvSpPr>
+        <p:spPr>
+          <a:xfrm>
+            <a:off x="7181252" y="611081"/>
+            <a:ext cx="4248748" cy="4524315"/>
+          </a:xfrm>
+          <a:prstGeom prst="rect">
+            <a:avLst/>
+          </a:prstGeom>
+          <a:noFill/>
+        </p:spPr>
+        <p:txBody>
+          <a:bodyPr wrap="square" rtlCol="0">
+            <a:spAutoFit/>
+          </a:bodyPr>
+          <a:lstStyle/>
+          <a:p>
+            <a:r>
+              <a:rPr lang="en-US" b="1" dirty="0" err="1"/>
+              <a:t>9</a:t>
+            </a:r>
+            <a:r>
+              <a:rPr lang="en-US" dirty="0" err="1"/>
+              <a:t>: 3: albert harry jesus</a:t>
+            </a:r>
+          </a:p>
+          <a:p>
+            <a:r>
+              <a:rPr lang="en-US" b="1" dirty="0" err="1"/>
+              <a:t>8</a:t>
+            </a:r>
+            <a:r>
+              <a:rPr lang="en-US" dirty="0" err="1"/>
+              <a:t>: 4: harry jesus</a:t>
+            </a:r>
+          </a:p>
+          <a:p>
+            <a:r>
+              <a:rPr lang="en-US" b="1" dirty="0" err="1"/>
+              <a:t>8</a:t>
+            </a:r>
+            <a:r>
+              <a:rPr lang="en-US" dirty="0" err="1"/>
+              <a:t>: 2: albert harry jesus katy</a:t>
+            </a:r>
+          </a:p>
+          <a:p>
+            <a:r>
+              <a:rPr lang="en-US" b="1" dirty="0" err="1"/>
+              <a:t>6</a:t>
+            </a:r>
+            <a:r>
+              <a:rPr lang="en-US" dirty="0" err="1"/>
+              <a:t>: 2: charlie hermione steve</a:t>
+            </a:r>
+          </a:p>
+          <a:p>
+            <a:r>
+              <a:rPr lang="en-US" b="1" dirty="0" err="1"/>
+              <a:t>6</a:t>
+            </a:r>
+            <a:r>
+              <a:rPr lang="en-US" dirty="0" err="1"/>
+              <a:t>: 6: harry</a:t>
+            </a:r>
+          </a:p>
+          <a:p>
+            <a:r>
+              <a:rPr lang="en-US" b="1" dirty="0" err="1"/>
+              <a:t>6</a:t>
+            </a:r>
+            <a:r>
+              <a:rPr lang="en-US" dirty="0" err="1"/>
+              <a:t>: 3: albert harry</a:t>
+            </a:r>
+          </a:p>
+          <a:p>
+            <a:r>
+              <a:rPr lang="en-US" b="1" dirty="0" err="1"/>
+              <a:t>6</a:t>
+            </a:r>
+            <a:r>
+              <a:rPr lang="en-US" dirty="0" err="1"/>
+              <a:t>: 2: albert harry katy</a:t>
+            </a:r>
+          </a:p>
+          <a:p>
+            <a:r>
+              <a:rPr lang="en-US" b="1" dirty="0" err="1"/>
+              <a:t>6</a:t>
+            </a:r>
+            <a:r>
+              <a:rPr lang="en-US" dirty="0" err="1"/>
+              <a:t>: 2: harry jesus obama</a:t>
+            </a:r>
+          </a:p>
+          <a:p>
+            <a:r>
+              <a:rPr lang="en-US" b="1" dirty="0" err="1"/>
+              <a:t>6</a:t>
+            </a:r>
+            <a:r>
+              <a:rPr lang="en-US" dirty="0" err="1"/>
+              <a:t>: 3: charlie steve</a:t>
+            </a:r>
+          </a:p>
+          <a:p>
+            <a:r>
+              <a:rPr lang="en-US" b="1" dirty="0" err="1"/>
+              <a:t>6</a:t>
+            </a:r>
+            <a:r>
+              <a:rPr lang="en-US" dirty="0" err="1"/>
+              <a:t>: 3: harry obama</a:t>
+            </a:r>
+          </a:p>
+          <a:p>
+            <a:r>
+              <a:rPr lang="en-US" b="1" dirty="0" err="1"/>
+              <a:t>6</a:t>
+            </a:r>
+            <a:r>
+              <a:rPr lang="en-US" dirty="0" err="1"/>
+              <a:t>: 2: harry jesus katy</a:t>
+            </a:r>
+          </a:p>
+          <a:p>
+            <a:r>
+              <a:rPr lang="en-US" b="1" dirty="0" err="1"/>
+              <a:t>6</a:t>
+            </a:r>
+            <a:r>
+              <a:rPr lang="en-US" dirty="0" err="1"/>
+              <a:t>: 3: albert jesus</a:t>
+            </a:r>
+          </a:p>
+          <a:p>
+            <a:r>
+              <a:rPr lang="en-US" b="1" dirty="0" err="1"/>
+              <a:t>6</a:t>
+            </a:r>
+            <a:r>
+              <a:rPr lang="en-US" dirty="0" err="1"/>
+              <a:t>: 3: albert katy</a:t>
+            </a:r>
+          </a:p>
+          <a:p>
+            <a:r>
+              <a:rPr lang="en-US" b="1" dirty="0" err="1"/>
+              <a:t>6</a:t>
+            </a:r>
+            <a:r>
+              <a:rPr lang="en-US" dirty="0" err="1"/>
+              <a:t>: 2: albert jesus katy</a:t>
+            </a:r>
+          </a:p>
+          <a:p>
+            <a:r>
+              <a:rPr lang="en-US" b="1" dirty="0" err="1"/>
+              <a:t>5</a:t>
+            </a:r>
+            <a:r>
+              <a:rPr lang="en-US" dirty="0" err="1"/>
+              <a:t>: 1: charlie harry hermione obama steve</a:t>
+            </a:r>
+          </a:p>
+          <a:p>
+            <a:r>
+              <a:rPr lang="en-US" dirty="0" err="1"/>
+              <a:t>…</a:t>
+            </a:r>
+            <a:endParaRPr lang="en-US" dirty="0" smtClean="0"/>
+          </a:p>
+        </p:txBody>
+      </p:sp>
+      <p:pic>
+        <p:nvPicPr>
+          <p:cNvPr id="12" name="Picture 11"/>
+          <p:cNvPicPr>
+            <a:picLocks noChangeAspect="1"/>
+          </p:cNvPicPr>
+          <p:nvPr/>
+        </p:nvPicPr>
+        <p:blipFill>
+          <a:blip r:embed="rId2">
+            <a:extLst>
+              <a:ext uri="{28A0092B-C50C-407E-A947-70E740481C1C}">
+                <a14:useLocalDpi xmlns:a14="http://schemas.microsoft.com/office/drawing/2010/main" val="0"/>
+              </a:ext>
+            </a:extLst>
+          </a:blip>
+          <a:stretch>
+            <a:fillRect/>
+          </a:stretch>
+        </p:blipFill>
+        <p:spPr>
+          <a:xfrm>
+            <a:off x="4615709" y="2892800"/>
+            <a:ext cx="900000" cy="900000"/>
+          </a:xfrm>
+          <a:prstGeom prst="roundRect">
+            <a:avLst/>
+          </a:prstGeom>
+          <a:effectLst>
+            <a:outerShdw blurRad="127000" dist="38100" dir="2700000" algn="tl" rotWithShape="0">
+              <a:prstClr val="black">
+                <a:alpha val="40000"/>
+              </a:prstClr>
+            </a:outerShdw>
+            <a:softEdge rad="0"/>
+          </a:effectLst>
+        </p:spPr>
+      </p:pic>
+      <p:grpSp>
+        <p:nvGrpSpPr>
+          <p:cNvPr id="3" name="Group 2"/>
+          <p:cNvGrpSpPr/>
+          <p:nvPr/>
+        </p:nvGrpSpPr>
+        <p:grpSpPr>
+          <a:xfrm>
+            <a:off x="2430613" y="442208"/>
+            <a:ext cx="905764" cy="4575888"/>
+            <a:chOff x="2430613" y="442208"/>
+            <a:chExt cx="905764" cy="4575888"/>
+          </a:xfrm>
+        </p:grpSpPr>
+        <p:pic>
+          <p:nvPicPr>
+            <p:cNvPr id="8" name="Picture 7"/>
+            <p:cNvPicPr>
+              <a:picLocks noChangeAspect="1"/>
+            </p:cNvPicPr>
+            <p:nvPr/>
+          </p:nvPicPr>
+          <p:blipFill>
+            <a:blip r:embed="rId3">
+              <a:extLst>
+                <a:ext uri="{28A0092B-C50C-407E-A947-70E740481C1C}">
+                  <a14:useLocalDpi xmlns:a14="http://schemas.microsoft.com/office/drawing/2010/main" val="0"/>
+                </a:ext>
+              </a:extLst>
+            </a:blip>
+            <a:stretch>
+              <a:fillRect/>
+            </a:stretch>
+          </p:blipFill>
+          <p:spPr>
+            <a:xfrm>
+              <a:off x="2430613" y="442208"/>
+              <a:ext cx="900000" cy="900000"/>
+            </a:xfrm>
+            <a:prstGeom prst="roundRect">
+              <a:avLst/>
+            </a:prstGeom>
+            <a:effectLst>
+              <a:outerShdw blurRad="127000" dist="38100" dir="2700000" algn="tl" rotWithShape="0">
+                <a:prstClr val="black">
+                  <a:alpha val="40000"/>
+                </a:prstClr>
+              </a:outerShdw>
+              <a:softEdge rad="0"/>
+            </a:effectLst>
+          </p:spPr>
+        </p:pic>
+        <p:pic>
+          <p:nvPicPr>
+            <p:cNvPr id="9" name="Picture 8"/>
+            <p:cNvPicPr>
+              <a:picLocks noChangeAspect="1"/>
+            </p:cNvPicPr>
+            <p:nvPr/>
+          </p:nvPicPr>
+          <p:blipFill>
+            <a:blip r:embed="rId4">
+              <a:extLst>
+                <a:ext uri="{28A0092B-C50C-407E-A947-70E740481C1C}">
+                  <a14:useLocalDpi xmlns:a14="http://schemas.microsoft.com/office/drawing/2010/main" val="0"/>
+                </a:ext>
+              </a:extLst>
+            </a:blip>
+            <a:stretch>
+              <a:fillRect/>
+            </a:stretch>
+          </p:blipFill>
+          <p:spPr>
+            <a:xfrm>
+              <a:off x="2436377" y="4118096"/>
+              <a:ext cx="900000" cy="900000"/>
+            </a:xfrm>
+            <a:prstGeom prst="roundRect">
+              <a:avLst/>
+            </a:prstGeom>
+            <a:effectLst>
+              <a:outerShdw blurRad="127000" dist="38100" dir="2700000" algn="tl" rotWithShape="0">
+                <a:prstClr val="black">
+                  <a:alpha val="40000"/>
+                </a:prstClr>
+              </a:outerShdw>
+              <a:softEdge rad="0"/>
+            </a:effectLst>
+          </p:spPr>
+        </p:pic>
+        <p:pic>
+          <p:nvPicPr>
+            <p:cNvPr id="16" name="Picture 15"/>
+            <p:cNvPicPr>
+              <a:picLocks noChangeAspect="1"/>
+            </p:cNvPicPr>
+            <p:nvPr/>
+          </p:nvPicPr>
+          <p:blipFill>
+            <a:blip r:embed="rId5">
+              <a:extLst>
+                <a:ext uri="{28A0092B-C50C-407E-A947-70E740481C1C}">
+                  <a14:useLocalDpi xmlns:a14="http://schemas.microsoft.com/office/drawing/2010/main" val="0"/>
+                </a:ext>
+              </a:extLst>
+            </a:blip>
+            <a:stretch>
+              <a:fillRect/>
+            </a:stretch>
+          </p:blipFill>
+          <p:spPr>
+            <a:xfrm>
+              <a:off x="2430613" y="1667504"/>
+              <a:ext cx="900000" cy="900000"/>
+            </a:xfrm>
+            <a:prstGeom prst="roundRect">
+              <a:avLst/>
+            </a:prstGeom>
+            <a:effectLst>
+              <a:outerShdw blurRad="127000" dist="38100" dir="2700000" algn="tl" rotWithShape="0">
+                <a:prstClr val="black">
+                  <a:alpha val="40000"/>
+                </a:prstClr>
+              </a:outerShdw>
+              <a:softEdge rad="0"/>
+            </a:effectLst>
+          </p:spPr>
+        </p:pic>
+        <p:pic>
+          <p:nvPicPr>
+            <p:cNvPr id="19" name="Picture 18"/>
+            <p:cNvPicPr>
+              <a:picLocks noChangeAspect="1"/>
+            </p:cNvPicPr>
+            <p:nvPr/>
+          </p:nvPicPr>
+          <p:blipFill>
+            <a:blip r:embed="rId3">
+              <a:extLst>
+                <a:ext uri="{28A0092B-C50C-407E-A947-70E740481C1C}">
+                  <a14:useLocalDpi xmlns:a14="http://schemas.microsoft.com/office/drawing/2010/main" val="0"/>
+                </a:ext>
+              </a:extLst>
+            </a:blip>
+            <a:stretch>
+              <a:fillRect/>
+            </a:stretch>
+          </p:blipFill>
+          <p:spPr>
+            <a:xfrm>
+              <a:off x="2430613" y="2892800"/>
+              <a:ext cx="900000" cy="900000"/>
+            </a:xfrm>
+            <a:prstGeom prst="roundRect">
+              <a:avLst/>
+            </a:prstGeom>
+            <a:effectLst>
+              <a:outerShdw blurRad="127000" dist="38100" dir="2700000" algn="tl" rotWithShape="0">
+                <a:prstClr val="black">
+                  <a:alpha val="40000"/>
+                </a:prstClr>
+              </a:outerShdw>
+              <a:softEdge rad="0"/>
+            </a:effectLst>
+          </p:spPr>
+        </p:pic>
+      </p:grpSp>
+      <p:grpSp>
+        <p:nvGrpSpPr>
+          <p:cNvPr id="4" name="Group 3"/>
+          <p:cNvGrpSpPr/>
+          <p:nvPr/>
+        </p:nvGrpSpPr>
+        <p:grpSpPr>
+          <a:xfrm>
+            <a:off x="3523161" y="442208"/>
+            <a:ext cx="900000" cy="4575888"/>
+            <a:chOff x="3523161" y="442208"/>
+            <a:chExt cx="900000" cy="4575888"/>
+          </a:xfrm>
+        </p:grpSpPr>
+        <p:pic>
+          <p:nvPicPr>
+            <p:cNvPr id="10" name="Picture 9"/>
+            <p:cNvPicPr>
+              <a:picLocks noChangeAspect="1"/>
+            </p:cNvPicPr>
+            <p:nvPr/>
+          </p:nvPicPr>
+          <p:blipFill>
+            <a:blip r:embed="rId5">
+              <a:extLst>
+                <a:ext uri="{28A0092B-C50C-407E-A947-70E740481C1C}">
+                  <a14:useLocalDpi xmlns:a14="http://schemas.microsoft.com/office/drawing/2010/main" val="0"/>
+                </a:ext>
+              </a:extLst>
+            </a:blip>
+            <a:stretch>
+              <a:fillRect/>
+            </a:stretch>
+          </p:blipFill>
+          <p:spPr>
+            <a:xfrm>
+              <a:off x="3523161" y="442208"/>
+              <a:ext cx="900000" cy="900000"/>
+            </a:xfrm>
+            <a:prstGeom prst="roundRect">
+              <a:avLst/>
+            </a:prstGeom>
+            <a:effectLst>
+              <a:outerShdw blurRad="127000" dist="38100" dir="2700000" algn="tl" rotWithShape="0">
+                <a:prstClr val="black">
+                  <a:alpha val="40000"/>
+                </a:prstClr>
+              </a:outerShdw>
+              <a:softEdge rad="0"/>
+            </a:effectLst>
+          </p:spPr>
+        </p:pic>
+        <p:pic>
+          <p:nvPicPr>
+            <p:cNvPr id="14" name="Picture 13"/>
+            <p:cNvPicPr>
+              <a:picLocks noChangeAspect="1"/>
+            </p:cNvPicPr>
+            <p:nvPr/>
+          </p:nvPicPr>
+          <p:blipFill>
+            <a:blip r:embed="rId6">
+              <a:extLst>
+                <a:ext uri="{28A0092B-C50C-407E-A947-70E740481C1C}">
+                  <a14:useLocalDpi xmlns:a14="http://schemas.microsoft.com/office/drawing/2010/main" val="0"/>
+                </a:ext>
+              </a:extLst>
+            </a:blip>
+            <a:stretch>
+              <a:fillRect/>
+            </a:stretch>
+          </p:blipFill>
+          <p:spPr>
+            <a:xfrm>
+              <a:off x="3523161" y="4118096"/>
+              <a:ext cx="900000" cy="900000"/>
+            </a:xfrm>
+            <a:prstGeom prst="roundRect">
+              <a:avLst/>
+            </a:prstGeom>
+            <a:effectLst>
+              <a:outerShdw blurRad="127000" dist="38100" dir="2700000" algn="tl" rotWithShape="0">
+                <a:prstClr val="black">
+                  <a:alpha val="40000"/>
+                </a:prstClr>
+              </a:outerShdw>
+              <a:softEdge rad="0"/>
+            </a:effectLst>
+          </p:spPr>
+        </p:pic>
+        <p:pic>
+          <p:nvPicPr>
+            <p:cNvPr id="20" name="Picture 19"/>
+            <p:cNvPicPr>
+              <a:picLocks noChangeAspect="1"/>
+            </p:cNvPicPr>
+            <p:nvPr/>
+          </p:nvPicPr>
+          <p:blipFill>
+            <a:blip r:embed="rId5">
+              <a:extLst>
+                <a:ext uri="{28A0092B-C50C-407E-A947-70E740481C1C}">
+                  <a14:useLocalDpi xmlns:a14="http://schemas.microsoft.com/office/drawing/2010/main" val="0"/>
+                </a:ext>
+              </a:extLst>
+            </a:blip>
+            <a:stretch>
+              <a:fillRect/>
+            </a:stretch>
+          </p:blipFill>
+          <p:spPr>
+            <a:xfrm>
+              <a:off x="3523161" y="2892800"/>
+              <a:ext cx="900000" cy="900000"/>
+            </a:xfrm>
+            <a:prstGeom prst="roundRect">
+              <a:avLst/>
+            </a:prstGeom>
+            <a:effectLst>
+              <a:outerShdw blurRad="127000" dist="38100" dir="2700000" algn="tl" rotWithShape="0">
+                <a:prstClr val="black">
+                  <a:alpha val="40000"/>
+                </a:prstClr>
+              </a:outerShdw>
+              <a:softEdge rad="0"/>
+            </a:effectLst>
+          </p:spPr>
+        </p:pic>
+      </p:grpSp>
+      <p:grpSp>
+        <p:nvGrpSpPr>
+          <p:cNvPr id="2" name="Group 1"/>
+          <p:cNvGrpSpPr/>
+          <p:nvPr/>
+        </p:nvGrpSpPr>
+        <p:grpSpPr>
+          <a:xfrm>
+            <a:off x="1335885" y="442208"/>
+            <a:ext cx="900000" cy="5801184"/>
+            <a:chOff x="1335885" y="442208"/>
+            <a:chExt cx="900000" cy="5801184"/>
+          </a:xfrm>
+        </p:grpSpPr>
+        <p:pic>
+          <p:nvPicPr>
+            <p:cNvPr id="6" name="Picture 5"/>
+            <p:cNvPicPr>
+              <a:picLocks noChangeAspect="1"/>
+            </p:cNvPicPr>
+            <p:nvPr/>
+          </p:nvPicPr>
+          <p:blipFill>
+            <a:blip r:embed="rId7">
+              <a:extLst>
+                <a:ext uri="{28A0092B-C50C-407E-A947-70E740481C1C}">
+                  <a14:useLocalDpi xmlns:a14="http://schemas.microsoft.com/office/drawing/2010/main" val="0"/>
+                </a:ext>
+              </a:extLst>
+            </a:blip>
+            <a:stretch>
+              <a:fillRect/>
+            </a:stretch>
+          </p:blipFill>
+          <p:spPr>
+            <a:xfrm>
+              <a:off x="1335885" y="442208"/>
+              <a:ext cx="900000" cy="900000"/>
+            </a:xfrm>
+            <a:prstGeom prst="roundRect">
+              <a:avLst/>
+            </a:prstGeom>
+            <a:effectLst>
+              <a:outerShdw blurRad="127000" dist="38100" dir="2700000" algn="tl" rotWithShape="0">
+                <a:prstClr val="black">
+                  <a:alpha val="40000"/>
+                </a:prstClr>
+              </a:outerShdw>
+              <a:softEdge rad="0"/>
+            </a:effectLst>
+          </p:spPr>
+        </p:pic>
+        <p:pic>
+          <p:nvPicPr>
+            <p:cNvPr id="7" name="Picture 6"/>
+            <p:cNvPicPr>
+              <a:picLocks noChangeAspect="1"/>
+            </p:cNvPicPr>
+            <p:nvPr/>
+          </p:nvPicPr>
+          <p:blipFill>
+            <a:blip r:embed="rId8">
+              <a:extLst>
+                <a:ext uri="{28A0092B-C50C-407E-A947-70E740481C1C}">
+                  <a14:useLocalDpi xmlns:a14="http://schemas.microsoft.com/office/drawing/2010/main" val="0"/>
+                </a:ext>
+              </a:extLst>
+            </a:blip>
+            <a:stretch>
+              <a:fillRect/>
+            </a:stretch>
+          </p:blipFill>
+          <p:spPr>
+            <a:xfrm>
+              <a:off x="1335885" y="4118096"/>
+              <a:ext cx="900000" cy="900000"/>
+            </a:xfrm>
+            <a:prstGeom prst="roundRect">
+              <a:avLst/>
+            </a:prstGeom>
+            <a:effectLst>
+              <a:outerShdw blurRad="127000" dist="38100" dir="2700000" algn="tl" rotWithShape="0">
+                <a:prstClr val="black">
+                  <a:alpha val="40000"/>
+                </a:prstClr>
+              </a:outerShdw>
+              <a:softEdge rad="0"/>
+            </a:effectLst>
+          </p:spPr>
+        </p:pic>
+        <p:pic>
+          <p:nvPicPr>
+            <p:cNvPr id="15" name="Picture 14"/>
+            <p:cNvPicPr>
+              <a:picLocks noChangeAspect="1"/>
+            </p:cNvPicPr>
+            <p:nvPr/>
+          </p:nvPicPr>
+          <p:blipFill>
+            <a:blip r:embed="rId3">
+              <a:extLst>
+                <a:ext uri="{28A0092B-C50C-407E-A947-70E740481C1C}">
+                  <a14:useLocalDpi xmlns:a14="http://schemas.microsoft.com/office/drawing/2010/main" val="0"/>
+                </a:ext>
+              </a:extLst>
+            </a:blip>
+            <a:stretch>
+              <a:fillRect/>
+            </a:stretch>
+          </p:blipFill>
+          <p:spPr>
+            <a:xfrm>
+              <a:off x="1335885" y="1667504"/>
+              <a:ext cx="900000" cy="900000"/>
+            </a:xfrm>
+            <a:prstGeom prst="roundRect">
+              <a:avLst/>
+            </a:prstGeom>
+            <a:effectLst>
+              <a:outerShdw blurRad="127000" dist="38100" dir="2700000" algn="tl" rotWithShape="0">
+                <a:prstClr val="black">
+                  <a:alpha val="40000"/>
+                </a:prstClr>
+              </a:outerShdw>
+              <a:softEdge rad="0"/>
+            </a:effectLst>
+          </p:spPr>
+        </p:pic>
+        <p:pic>
+          <p:nvPicPr>
+            <p:cNvPr id="18" name="Picture 17"/>
+            <p:cNvPicPr>
+              <a:picLocks noChangeAspect="1"/>
+            </p:cNvPicPr>
+            <p:nvPr/>
+          </p:nvPicPr>
+          <p:blipFill>
+            <a:blip r:embed="rId7">
+              <a:extLst>
+                <a:ext uri="{28A0092B-C50C-407E-A947-70E740481C1C}">
+                  <a14:useLocalDpi xmlns:a14="http://schemas.microsoft.com/office/drawing/2010/main" val="0"/>
+                </a:ext>
+              </a:extLst>
+            </a:blip>
+            <a:stretch>
+              <a:fillRect/>
+            </a:stretch>
+          </p:blipFill>
+          <p:spPr>
+            <a:xfrm>
+              <a:off x="1335885" y="2892800"/>
+              <a:ext cx="900000" cy="900000"/>
+            </a:xfrm>
+            <a:prstGeom prst="roundRect">
+              <a:avLst/>
+            </a:prstGeom>
+            <a:effectLst>
+              <a:outerShdw blurRad="127000" dist="38100" dir="2700000" algn="tl" rotWithShape="0">
+                <a:prstClr val="black">
+                  <a:alpha val="40000"/>
+                </a:prstClr>
+              </a:outerShdw>
+              <a:softEdge rad="0"/>
+            </a:effectLst>
+          </p:spPr>
+        </p:pic>
+        <p:pic>
+          <p:nvPicPr>
+            <p:cNvPr id="21" name="Picture 20"/>
+            <p:cNvPicPr>
+              <a:picLocks noChangeAspect="1"/>
+            </p:cNvPicPr>
+            <p:nvPr/>
+          </p:nvPicPr>
+          <p:blipFill>
+            <a:blip r:embed="rId3">
+              <a:extLst>
+                <a:ext uri="{28A0092B-C50C-407E-A947-70E740481C1C}">
+                  <a14:useLocalDpi xmlns:a14="http://schemas.microsoft.com/office/drawing/2010/main" val="0"/>
+                </a:ext>
+              </a:extLst>
+            </a:blip>
+            <a:stretch>
+              <a:fillRect/>
+            </a:stretch>
+          </p:blipFill>
+          <p:spPr>
+            <a:xfrm>
+              <a:off x="1335885" y="5343392"/>
+              <a:ext cx="900000" cy="900000"/>
+            </a:xfrm>
+            <a:prstGeom prst="roundRect">
+              <a:avLst/>
+            </a:prstGeom>
+            <a:effectLst>
+              <a:outerShdw blurRad="127000" dist="38100" dir="2700000" algn="tl" rotWithShape="0">
+                <a:prstClr val="black">
+                  <a:alpha val="40000"/>
+                </a:prstClr>
+              </a:outerShdw>
+              <a:softEdge rad="0"/>
+            </a:effectLst>
+          </p:spPr>
+        </p:pic>
+      </p:grpSp>
+      <p:sp>
+        <p:nvSpPr>
+          <p:cNvPr id="23" name="TextBox 22"/>
+          <p:cNvSpPr txBox="1"/>
+          <p:nvPr/>
+        </p:nvSpPr>
+        <p:spPr>
+          <a:xfrm>
+            <a:off x="853198" y="73152"/>
+            <a:ext cx="463132" cy="6324808"/>
+          </a:xfrm>
+          <a:prstGeom prst="rect">
+            <a:avLst/>
+          </a:prstGeom>
+          <a:noFill/>
+        </p:spPr>
+        <p:txBody>
+          <a:bodyPr wrap="square" rtlCol="0">
+            <a:spAutoFit/>
+          </a:bodyPr>
+          <a:lstStyle/>
+          <a:p>
+            <a:pPr>
+              <a:lnSpc>
+                <a:spcPct val="440000"/>
+              </a:lnSpc>
+            </a:pPr>
+            <a:r>
+              <a:rPr lang="en-US" b="1" dirty="0" err="1"/>
+              <a:t>9</a:t>
+            </a:r>
+            <a:endParaRPr lang="en-US" dirty="0" err="1"/>
+          </a:p>
+          <a:p>
+            <a:pPr>
+              <a:lnSpc>
+                <a:spcPct val="440000"/>
+              </a:lnSpc>
+            </a:pPr>
+            <a:r>
+              <a:rPr lang="en-US" b="1" dirty="0" err="1"/>
+              <a:t>8</a:t>
+            </a:r>
+            <a:endParaRPr lang="en-US" dirty="0" err="1"/>
+          </a:p>
+          <a:p>
+            <a:pPr>
+              <a:lnSpc>
+                <a:spcPct val="440000"/>
+              </a:lnSpc>
+            </a:pPr>
+            <a:r>
+              <a:rPr lang="en-US" b="1" dirty="0" err="1"/>
+              <a:t>8</a:t>
+            </a:r>
+            <a:endParaRPr lang="en-US" dirty="0" err="1"/>
+          </a:p>
+          <a:p>
+            <a:pPr>
+              <a:lnSpc>
+                <a:spcPct val="440000"/>
+              </a:lnSpc>
+            </a:pPr>
+            <a:r>
+              <a:rPr lang="en-US" b="1" dirty="0" err="1"/>
+              <a:t>6</a:t>
+            </a:r>
+            <a:endParaRPr lang="en-US" dirty="0" err="1"/>
+          </a:p>
+          <a:p>
+            <a:pPr>
+              <a:lnSpc>
+                <a:spcPct val="440000"/>
+              </a:lnSpc>
+            </a:pPr>
+            <a:r>
+              <a:rPr lang="en-US" b="1" dirty="0" err="1"/>
+              <a:t>6</a:t>
+            </a:r>
+            <a:endParaRPr lang="en-US" dirty="0" err="1"/>
+          </a:p>
+        </p:txBody>
+      </p:sp>
+      <p:sp>
+        <p:nvSpPr>
+          <p:cNvPr id="24" name="TextBox 23"/>
+          <p:cNvSpPr txBox="1"/>
+          <p:nvPr/>
+        </p:nvSpPr>
+        <p:spPr>
+          <a:xfrm>
+            <a:off x="1355475" y="6316544"/>
+            <a:ext cx="354453" cy="369332"/>
+          </a:xfrm>
+          <a:prstGeom prst="rect">
+            <a:avLst/>
+          </a:prstGeom>
+          <a:noFill/>
+        </p:spPr>
+        <p:txBody>
+          <a:bodyPr wrap="square" rtlCol="0">
+            <a:spAutoFit/>
+          </a:bodyPr>
+          <a:lstStyle/>
+          <a:p>
+            <a:r>
+              <a:rPr lang="en-US" dirty="0" err="1"/>
+              <a:t>…</a:t>
+            </a:r>
+            <a:endParaRPr lang="en-US" dirty="0"/>
+          </a:p>
+        </p:txBody>
+      </p:sp>
+    </p:spTree>
+    <p:extLst>
+      <p:ext uri="{BB962C8B-B14F-4D97-AF65-F5344CB8AC3E}">
+        <p14:creationId xmlns:p14="http://schemas.microsoft.com/office/powerpoint/2010/main" val="358532290"/>
+      </p:ext>
+    </p:extLst>
+  </p:cSld>
+  <p:clrMapOvr>
+    <a:masterClrMapping/>
+  </p:clrMapOvr>
+  <p:timing>
+    <p:tnLst>
+      <p:par>
+        <p:cTn id="1" dur="indefinite" restart="never" nodeType="tmRoot">
+          <p:childTnLst>
+            <p:seq concurrent="1" nextAc="seek">
+              <p:cTn id="2" dur="indefinite" nodeType="mainSeq">
+                <p:childTnLst>
+                  <p:par>
+                    <p:cTn id="3" fill="hold">
+                      <p:stCondLst>
+                        <p:cond delay="indefinite"/>
+                      </p:stCondLst>
+                      <p:childTnLst>
+                        <p:par>
+                          <p:cTn id="4" fill="hold">
+                            <p:stCondLst>
+                              <p:cond delay="0"/>
+                            </p:stCondLst>
+                            <p:childTnLst>
+                              <p:par>
+                                <p:cTn id="5" presetID="10" presetClass="entr" presetSubtype="0" fill="hold" grpId="0" nodeType="clickEffect">
+                                  <p:stCondLst>
+                                    <p:cond delay="0"/>
+                                  </p:stCondLst>
+                                  <p:childTnLst>
+                                    <p:set>
+                                      <p:cBhvr>
+                                        <p:cTn id="6" dur="1" fill="hold">
+                                          <p:stCondLst>
+                                            <p:cond delay="0"/>
+                                          </p:stCondLst>
+                                        </p:cTn>
+                                        <p:tgtEl>
+                                          <p:spTgt spid="23"/>
+                                        </p:tgtEl>
+                                        <p:attrNameLst>
+                                          <p:attrName>style.visibility</p:attrName>
+                                        </p:attrNameLst>
+                                      </p:cBhvr>
+                                      <p:to>
+                                        <p:strVal val="visible"/>
+                                      </p:to>
+                                    </p:set>
+                                    <p:animEffect transition="in" filter="fade">
+                                      <p:cBhvr>
+                                        <p:cTn id="7" dur="500"/>
+                                        <p:tgtEl>
+                                          <p:spTgt spid="23"/>
+                                        </p:tgtEl>
+                                      </p:cBhvr>
+                                    </p:animEffect>
+                                  </p:childTnLst>
+                                </p:cTn>
+                              </p:par>
+                            </p:childTnLst>
+                          </p:cTn>
+                        </p:par>
+                        <p:par>
+                          <p:cTn id="8" fill="hold">
+                            <p:stCondLst>
+                              <p:cond delay="500"/>
+                            </p:stCondLst>
+                            <p:childTnLst>
+                              <p:par>
+                                <p:cTn id="9" presetID="10" presetClass="entr" presetSubtype="0" fill="hold" nodeType="afterEffect">
+                                  <p:stCondLst>
+                                    <p:cond delay="0"/>
+                                  </p:stCondLst>
+                                  <p:childTnLst>
+                                    <p:set>
+                                      <p:cBhvr>
+                                        <p:cTn id="10" dur="1" fill="hold">
+                                          <p:stCondLst>
+                                            <p:cond delay="0"/>
+                                          </p:stCondLst>
+                                        </p:cTn>
+                                        <p:tgtEl>
+                                          <p:spTgt spid="2"/>
+                                        </p:tgtEl>
+                                        <p:attrNameLst>
+                                          <p:attrName>style.visibility</p:attrName>
+                                        </p:attrNameLst>
+                                      </p:cBhvr>
+                                      <p:to>
+                                        <p:strVal val="visible"/>
+                                      </p:to>
+                                    </p:set>
+                                    <p:animEffect transition="in" filter="fade">
+                                      <p:cBhvr>
+                                        <p:cTn id="11" dur="500"/>
+                                        <p:tgtEl>
+                                          <p:spTgt spid="2"/>
+                                        </p:tgtEl>
+                                      </p:cBhvr>
+                                    </p:animEffect>
+                                  </p:childTnLst>
+                                </p:cTn>
+                              </p:par>
+                            </p:childTnLst>
+                          </p:cTn>
+                        </p:par>
+                        <p:par>
+                          <p:cTn id="12" fill="hold">
+                            <p:stCondLst>
+                              <p:cond delay="1000"/>
+                            </p:stCondLst>
+                            <p:childTnLst>
+                              <p:par>
+                                <p:cTn id="13" presetID="10" presetClass="entr" presetSubtype="0" fill="hold" nodeType="afterEffect">
+                                  <p:stCondLst>
+                                    <p:cond delay="0"/>
+                                  </p:stCondLst>
+                                  <p:childTnLst>
+                                    <p:set>
+                                      <p:cBhvr>
+                                        <p:cTn id="14" dur="1" fill="hold">
+                                          <p:stCondLst>
+                                            <p:cond delay="0"/>
+                                          </p:stCondLst>
+                                        </p:cTn>
+                                        <p:tgtEl>
+                                          <p:spTgt spid="3"/>
+                                        </p:tgtEl>
+                                        <p:attrNameLst>
+                                          <p:attrName>style.visibility</p:attrName>
+                                        </p:attrNameLst>
+                                      </p:cBhvr>
+                                      <p:to>
+                                        <p:strVal val="visible"/>
+                                      </p:to>
+                                    </p:set>
+                                    <p:animEffect transition="in" filter="fade">
+                                      <p:cBhvr>
+                                        <p:cTn id="15" dur="500"/>
+                                        <p:tgtEl>
+                                          <p:spTgt spid="3"/>
+                                        </p:tgtEl>
+                                      </p:cBhvr>
+                                    </p:animEffect>
+                                  </p:childTnLst>
+                                </p:cTn>
+                              </p:par>
+                            </p:childTnLst>
+                          </p:cTn>
+                        </p:par>
+                        <p:par>
+                          <p:cTn id="16" fill="hold">
+                            <p:stCondLst>
+                              <p:cond delay="1500"/>
+                            </p:stCondLst>
+                            <p:childTnLst>
+                              <p:par>
+                                <p:cTn id="17" presetID="10" presetClass="entr" presetSubtype="0" fill="hold" nodeType="afterEffect">
+                                  <p:stCondLst>
+                                    <p:cond delay="0"/>
+                                  </p:stCondLst>
+                                  <p:childTnLst>
+                                    <p:set>
+                                      <p:cBhvr>
+                                        <p:cTn id="18" dur="1" fill="hold">
+                                          <p:stCondLst>
+                                            <p:cond delay="0"/>
+                                          </p:stCondLst>
+                                        </p:cTn>
+                                        <p:tgtEl>
+                                          <p:spTgt spid="4"/>
+                                        </p:tgtEl>
+                                        <p:attrNameLst>
+                                          <p:attrName>style.visibility</p:attrName>
+                                        </p:attrNameLst>
+                                      </p:cBhvr>
+                                      <p:to>
+                                        <p:strVal val="visible"/>
+                                      </p:to>
+                                    </p:set>
+                                    <p:animEffect transition="in" filter="fade">
+                                      <p:cBhvr>
+                                        <p:cTn id="19" dur="500"/>
+                                        <p:tgtEl>
+                                          <p:spTgt spid="4"/>
+                                        </p:tgtEl>
+                                      </p:cBhvr>
+                                    </p:animEffect>
+                                  </p:childTnLst>
+                                </p:cTn>
+                              </p:par>
+                            </p:childTnLst>
+                          </p:cTn>
+                        </p:par>
+                        <p:par>
+                          <p:cTn id="20" fill="hold">
+                            <p:stCondLst>
+                              <p:cond delay="2000"/>
+                            </p:stCondLst>
+                            <p:childTnLst>
+                              <p:par>
+                                <p:cTn id="21" presetID="10" presetClass="entr" presetSubtype="0" fill="hold" nodeType="afterEffect">
+                                  <p:stCondLst>
+                                    <p:cond delay="0"/>
+                                  </p:stCondLst>
+                                  <p:childTnLst>
+                                    <p:set>
+                                      <p:cBhvr>
+                                        <p:cTn id="22" dur="1" fill="hold">
+                                          <p:stCondLst>
+                                            <p:cond delay="0"/>
+                                          </p:stCondLst>
+                                        </p:cTn>
+                                        <p:tgtEl>
+                                          <p:spTgt spid="12"/>
+                                        </p:tgtEl>
+                                        <p:attrNameLst>
+                                          <p:attrName>style.visibility</p:attrName>
+                                        </p:attrNameLst>
+                                      </p:cBhvr>
+                                      <p:to>
+                                        <p:strVal val="visible"/>
+                                      </p:to>
+                                    </p:set>
+                                    <p:animEffect transition="in" filter="fade">
+                                      <p:cBhvr>
+                                        <p:cTn id="23" dur="500"/>
+                                        <p:tgtEl>
+                                          <p:spTgt spid="12"/>
+                                        </p:tgtEl>
+                                      </p:cBhvr>
+                                    </p:animEffect>
+                                  </p:childTnLst>
+                                </p:cTn>
+                              </p:par>
+                            </p:childTnLst>
+                          </p:cTn>
+                        </p:par>
+                        <p:par>
+                          <p:cTn id="24" fill="hold">
+                            <p:stCondLst>
+                              <p:cond delay="2500"/>
+                            </p:stCondLst>
+                            <p:childTnLst>
+                              <p:par>
+                                <p:cTn id="25" presetID="10" presetClass="entr" presetSubtype="0" fill="hold" grpId="0" nodeType="afterEffect">
+                                  <p:stCondLst>
+                                    <p:cond delay="0"/>
+                                  </p:stCondLst>
+                                  <p:childTnLst>
+                                    <p:set>
+                                      <p:cBhvr>
+                                        <p:cTn id="26" dur="1" fill="hold">
+                                          <p:stCondLst>
+                                            <p:cond delay="0"/>
+                                          </p:stCondLst>
+                                        </p:cTn>
+                                        <p:tgtEl>
+                                          <p:spTgt spid="24"/>
+                                        </p:tgtEl>
+                                        <p:attrNameLst>
+                                          <p:attrName>style.visibility</p:attrName>
+                                        </p:attrNameLst>
+                                      </p:cBhvr>
+                                      <p:to>
+                                        <p:strVal val="visible"/>
+                                      </p:to>
+                                    </p:set>
+                                    <p:animEffect transition="in" filter="fade">
+                                      <p:cBhvr>
+                                        <p:cTn id="27" dur="500"/>
+                                        <p:tgtEl>
+                                          <p:spTgt spid="24"/>
+                                        </p:tgtEl>
+                                      </p:cBhvr>
+                                    </p:animEffect>
+                                  </p:childTnLst>
+                                </p:cTn>
+                              </p:par>
+                            </p:childTnLst>
+                          </p:cTn>
+                        </p:par>
+                      </p:childTnLst>
+                    </p:cTn>
+                  </p:par>
+                </p:childTnLst>
+              </p:cTn>
+              <p:prevCondLst>
+                <p:cond evt="onPrev" delay="0">
+                  <p:tgtEl>
+                    <p:sldTgt/>
+                  </p:tgtEl>
+                </p:cond>
+              </p:prevCondLst>
+              <p:nextCondLst>
+                <p:cond evt="onNext" delay="0">
+                  <p:tgtEl>
+                    <p:sldTgt/>
+                  </p:tgtEl>
+                </p:cond>
+              </p:nextCondLst>
+            </p:seq>
+          </p:childTnLst>
+        </p:cTn>
+      </p:par>
+    </p:tnLst>
+    <p:bldLst>
+      <p:bldP spid="23" grpId="0"/>
+      <p:bldP spid="24" grpId="0"/>
+    </p:bldLst>
   </p:timing>
 </p:sld>
 </file>

--- a/presentation/presentation.pptx
+++ b/presentation/presentation.pptx
@@ -208,7 +208,7 @@
           <a:p>
             <a:fld id="{89219E45-9071-5D4A-8911-E7A523ADC39E}" type="datetimeFigureOut">
               <a:rPr lang="en-US" smtClean="0"/>
-              <a:t>7/4/15</a:t>
+              <a:t>7/6/15</a:t>
             </a:fld>
             <a:endParaRPr lang="en-US"/>
           </a:p>
@@ -1195,7 +1195,7 @@
           <a:p>
             <a:fld id="{0408543B-E886-7644-849C-D7DD9FE17ADD}" type="datetimeFigureOut">
               <a:rPr lang="en-US" smtClean="0"/>
-              <a:t>7/4/15</a:t>
+              <a:t>7/6/15</a:t>
             </a:fld>
             <a:endParaRPr lang="en-US"/>
           </a:p>
@@ -1365,7 +1365,7 @@
           <a:p>
             <a:fld id="{0408543B-E886-7644-849C-D7DD9FE17ADD}" type="datetimeFigureOut">
               <a:rPr lang="en-US" smtClean="0"/>
-              <a:t>7/4/15</a:t>
+              <a:t>7/6/15</a:t>
             </a:fld>
             <a:endParaRPr lang="en-US"/>
           </a:p>
@@ -1545,7 +1545,7 @@
           <a:p>
             <a:fld id="{0408543B-E886-7644-849C-D7DD9FE17ADD}" type="datetimeFigureOut">
               <a:rPr lang="en-US" smtClean="0"/>
-              <a:t>7/4/15</a:t>
+              <a:t>7/6/15</a:t>
             </a:fld>
             <a:endParaRPr lang="en-US"/>
           </a:p>
@@ -1715,7 +1715,7 @@
           <a:p>
             <a:fld id="{0408543B-E886-7644-849C-D7DD9FE17ADD}" type="datetimeFigureOut">
               <a:rPr lang="en-US" smtClean="0"/>
-              <a:t>7/4/15</a:t>
+              <a:t>7/6/15</a:t>
             </a:fld>
             <a:endParaRPr lang="en-US"/>
           </a:p>
@@ -1961,7 +1961,7 @@
           <a:p>
             <a:fld id="{0408543B-E886-7644-849C-D7DD9FE17ADD}" type="datetimeFigureOut">
               <a:rPr lang="en-US" smtClean="0"/>
-              <a:t>7/4/15</a:t>
+              <a:t>7/6/15</a:t>
             </a:fld>
             <a:endParaRPr lang="en-US"/>
           </a:p>
@@ -2193,7 +2193,7 @@
           <a:p>
             <a:fld id="{0408543B-E886-7644-849C-D7DD9FE17ADD}" type="datetimeFigureOut">
               <a:rPr lang="en-US" smtClean="0"/>
-              <a:t>7/4/15</a:t>
+              <a:t>7/6/15</a:t>
             </a:fld>
             <a:endParaRPr lang="en-US"/>
           </a:p>
@@ -2560,7 +2560,7 @@
           <a:p>
             <a:fld id="{0408543B-E886-7644-849C-D7DD9FE17ADD}" type="datetimeFigureOut">
               <a:rPr lang="en-US" smtClean="0"/>
-              <a:t>7/4/15</a:t>
+              <a:t>7/6/15</a:t>
             </a:fld>
             <a:endParaRPr lang="en-US"/>
           </a:p>
@@ -2678,7 +2678,7 @@
           <a:p>
             <a:fld id="{0408543B-E886-7644-849C-D7DD9FE17ADD}" type="datetimeFigureOut">
               <a:rPr lang="en-US" smtClean="0"/>
-              <a:t>7/4/15</a:t>
+              <a:t>7/6/15</a:t>
             </a:fld>
             <a:endParaRPr lang="en-US"/>
           </a:p>
@@ -2773,7 +2773,7 @@
           <a:p>
             <a:fld id="{0408543B-E886-7644-849C-D7DD9FE17ADD}" type="datetimeFigureOut">
               <a:rPr lang="en-US" smtClean="0"/>
-              <a:t>7/4/15</a:t>
+              <a:t>7/6/15</a:t>
             </a:fld>
             <a:endParaRPr lang="en-US"/>
           </a:p>
@@ -3050,7 +3050,7 @@
           <a:p>
             <a:fld id="{0408543B-E886-7644-849C-D7DD9FE17ADD}" type="datetimeFigureOut">
               <a:rPr lang="en-US" smtClean="0"/>
-              <a:t>7/4/15</a:t>
+              <a:t>7/6/15</a:t>
             </a:fld>
             <a:endParaRPr lang="en-US"/>
           </a:p>
@@ -3303,7 +3303,7 @@
           <a:p>
             <a:fld id="{0408543B-E886-7644-849C-D7DD9FE17ADD}" type="datetimeFigureOut">
               <a:rPr lang="en-US" smtClean="0"/>
-              <a:t>7/4/15</a:t>
+              <a:t>7/6/15</a:t>
             </a:fld>
             <a:endParaRPr lang="en-US"/>
           </a:p>
@@ -3516,7 +3516,7 @@
           <a:p>
             <a:fld id="{0408543B-E886-7644-849C-D7DD9FE17ADD}" type="datetimeFigureOut">
               <a:rPr lang="en-US" smtClean="0"/>
-              <a:t>7/4/15</a:t>
+              <a:t>7/6/15</a:t>
             </a:fld>
             <a:endParaRPr lang="en-US"/>
           </a:p>
@@ -6022,7 +6022,6 @@
               <a:rPr lang="en-US" sz="2000" dirty="0"/>
               <a:t>ice-cream combinations</a:t>
             </a:r>
-            <a:endParaRPr lang="en-US" sz="2000" dirty="0"/>
           </a:p>
           <a:p>
             <a:pPr marL="342900" indent="-342900">
@@ -6080,7 +6079,7 @@
           <a:p>
             <a:r>
               <a:rPr lang="en-US" sz="2000" dirty="0"/>
-              <a:t>Yes, definitely! Brute-force hits a computational limit pretty fast.</a:t>
+              <a:t>Yes, please! Brute force hits a computational limit pretty fast.</a:t>
             </a:r>
           </a:p>
         </p:txBody>
@@ -6853,8 +6852,8 @@
         </p:nvSpPr>
         <p:spPr>
           <a:xfrm>
-            <a:off x="2084682" y="1166843"/>
-            <a:ext cx="8022637" cy="4524315"/>
+            <a:off x="2084682" y="797511"/>
+            <a:ext cx="8022637" cy="5262979"/>
           </a:xfrm>
           <a:prstGeom prst="rect">
             <a:avLst/>
@@ -6869,11 +6868,25 @@
           <a:p>
             <a:r>
               <a:rPr lang="en-US" sz="2400" dirty="0"/>
-              <a:t>Experiment I made out of curiosity in my KaosPilot (alternative school in Denmark) team to solve a task mathematically that would otherwise likely be a long-winded and possibly heated social process: </a:t>
-            </a:r>
+              <a:t>Experiment I made out of curiosity in my KaosPilot </a:t>
+            </a:r>
+            <a:r>
+              <a:rPr lang="en-US" dirty="0"/>
+              <a:t>(alternative school in Denmark) </a:t>
+            </a:r>
+            <a:r>
+              <a:rPr lang="en-US" sz="2400" dirty="0"/>
+              <a:t>team to solve a task mathematically that would otherwise likely be a long-winded and possibly heated social process: </a:t>
+            </a:r>
+          </a:p>
+          <a:p>
             <a:r>
               <a:rPr lang="en-US" sz="2400" b="1" dirty="0"/>
-              <a:t>split whole group into little teams that work together on a project</a:t>
+              <a:t>to </a:t>
+            </a:r>
+            <a:r>
+              <a:rPr lang="en-US" sz="2400" b="1" dirty="0"/>
+              <a:t>split the whole group into smaller teams that work together on a project</a:t>
             </a:r>
             <a:r>
               <a:rPr lang="en-US" sz="2400" dirty="0"/>
@@ -6902,7 +6915,7 @@
             </a:r>
             <a:r>
               <a:rPr lang="en-US" sz="2400" dirty="0" smtClean="0"/>
-              <a:t> by the participants when being faced with the results. Not thought through to the end, so initial motivation not achieved.</a:t>
+              <a:t> by the participants when being faced with the results. Not thought through to the end, so initial motivation of mathematically forming the “perfect subgroups“ not achieved.</a:t>
             </a:r>
           </a:p>
           <a:p>
@@ -7043,7 +7056,7 @@
                                         <p:tgtEl>
                                           <p:spTgt spid="4">
                                             <p:txEl>
-                                              <p:pRg st="2" end="2"/>
+                                              <p:pRg st="1" end="1"/>
                                             </p:txEl>
                                           </p:spTgt>
                                         </p:tgtEl>
@@ -7061,7 +7074,7 @@
                                         <p:tgtEl>
                                           <p:spTgt spid="4">
                                             <p:txEl>
-                                              <p:pRg st="2" end="2"/>
+                                              <p:pRg st="1" end="1"/>
                                             </p:txEl>
                                           </p:spTgt>
                                         </p:tgtEl>
@@ -7104,7 +7117,7 @@
                                         <p:tgtEl>
                                           <p:spTgt spid="4">
                                             <p:txEl>
-                                              <p:pRg st="4" end="4"/>
+                                              <p:pRg st="3" end="3"/>
                                             </p:txEl>
                                           </p:spTgt>
                                         </p:tgtEl>
@@ -7122,7 +7135,68 @@
                                         <p:tgtEl>
                                           <p:spTgt spid="4">
                                             <p:txEl>
-                                              <p:pRg st="4" end="4"/>
+                                              <p:pRg st="3" end="3"/>
+                                            </p:txEl>
+                                          </p:spTgt>
+                                        </p:tgtEl>
+                                      </p:cBhvr>
+                                    </p:animEffect>
+                                  </p:childTnLst>
+                                </p:cTn>
+                              </p:par>
+                            </p:childTnLst>
+                          </p:cTn>
+                        </p:par>
+                      </p:childTnLst>
+                    </p:cTn>
+                  </p:par>
+                  <p:par>
+                    <p:cTn id="18" fill="hold">
+                      <p:stCondLst>
+                        <p:cond delay="indefinite"/>
+                      </p:stCondLst>
+                      <p:childTnLst>
+                        <p:par>
+                          <p:cTn id="19" fill="hold">
+                            <p:stCondLst>
+                              <p:cond delay="0"/>
+                            </p:stCondLst>
+                            <p:childTnLst>
+                              <p:par>
+                                <p:cTn id="20" presetID="10" presetClass="entr" presetSubtype="0" fill="hold" grpId="0" nodeType="clickEffect">
+                                  <p:stCondLst>
+                                    <p:cond delay="0"/>
+                                  </p:stCondLst>
+                                  <p:childTnLst>
+                                    <p:set>
+                                      <p:cBhvr>
+                                        <p:cTn id="21" dur="1" fill="hold">
+                                          <p:stCondLst>
+                                            <p:cond delay="0"/>
+                                          </p:stCondLst>
+                                        </p:cTn>
+                                        <p:tgtEl>
+                                          <p:spTgt spid="4">
+                                            <p:txEl>
+                                              <p:pRg st="5" end="5"/>
+                                            </p:txEl>
+                                          </p:spTgt>
+                                        </p:tgtEl>
+                                        <p:attrNameLst>
+                                          <p:attrName>style.visibility</p:attrName>
+                                        </p:attrNameLst>
+                                      </p:cBhvr>
+                                      <p:to>
+                                        <p:strVal val="visible"/>
+                                      </p:to>
+                                    </p:set>
+                                    <p:animEffect transition="in" filter="fade">
+                                      <p:cBhvr>
+                                        <p:cTn id="22" dur="500"/>
+                                        <p:tgtEl>
+                                          <p:spTgt spid="4">
+                                            <p:txEl>
+                                              <p:pRg st="5" end="5"/>
                                             </p:txEl>
                                           </p:spTgt>
                                         </p:tgtEl>
@@ -16853,8 +16927,8 @@
             </p:nvSpPr>
             <p:spPr>
               <a:xfrm>
-                <a:off x="2663649" y="297671"/>
-                <a:ext cx="7117433" cy="3046988"/>
+                <a:off x="2663649" y="352535"/>
+                <a:ext cx="7117433" cy="2923877"/>
               </a:xfrm>
               <a:prstGeom prst="rect">
                 <a:avLst/>
@@ -16875,7 +16949,7 @@
               </a:p>
               <a:p>
                 <a:pPr algn="ctr"/>
-                <a:endParaRPr lang="en-US" sz="2000" b="0" dirty="0" smtClean="0"/>
+                <a:endParaRPr lang="en-US" sz="1400" b="0" dirty="0" smtClean="0"/>
               </a:p>
               <a:p>
                 <a:pPr algn="ctr"/>
@@ -17027,8 +17101,8 @@
             </p:nvSpPr>
             <p:spPr>
               <a:xfrm>
-                <a:off x="2663649" y="297671"/>
-                <a:ext cx="7117433" cy="3046988"/>
+                <a:off x="2663649" y="352535"/>
+                <a:ext cx="7117433" cy="2923877"/>
               </a:xfrm>
               <a:prstGeom prst="rect">
                 <a:avLst/>
@@ -17036,7 +17110,7 @@
               <a:blipFill rotWithShape="0">
                 <a:blip r:embed="rId3"/>
                 <a:stretch>
-                  <a:fillRect t="-1200"/>
+                  <a:fillRect t="-1253" b="-835"/>
                 </a:stretch>
               </a:blipFill>
             </p:spPr>
@@ -22067,21 +22141,30 @@
                             </p:childTnLst>
                           </p:cTn>
                         </p:par>
+                      </p:childTnLst>
+                    </p:cTn>
+                  </p:par>
+                  <p:par>
+                    <p:cTn id="13" fill="hold">
+                      <p:stCondLst>
+                        <p:cond delay="indefinite"/>
+                      </p:stCondLst>
+                      <p:childTnLst>
                         <p:par>
-                          <p:cTn id="13" fill="hold">
+                          <p:cTn id="14" fill="hold">
                             <p:stCondLst>
-                              <p:cond delay="500"/>
+                              <p:cond delay="0"/>
                             </p:stCondLst>
                             <p:childTnLst>
                               <p:par>
-                                <p:cTn id="14" presetID="10" presetClass="entr" presetSubtype="0" fill="hold" grpId="0" nodeType="afterEffect">
+                                <p:cTn id="15" presetID="10" presetClass="entr" presetSubtype="0" fill="hold" grpId="0" nodeType="clickEffect">
                                   <p:stCondLst>
                                     <p:cond delay="0"/>
                                   </p:stCondLst>
                                   <p:childTnLst>
                                     <p:set>
                                       <p:cBhvr>
-                                        <p:cTn id="15" dur="1" fill="hold">
+                                        <p:cTn id="16" dur="1" fill="hold">
                                           <p:stCondLst>
                                             <p:cond delay="0"/>
                                           </p:stCondLst>
@@ -22103,7 +22186,7 @@
                                     </p:set>
                                     <p:animEffect transition="in" filter="fade">
                                       <p:cBhvr>
-                                        <p:cTn id="16" dur="500"/>
+                                        <p:cTn id="17" dur="500"/>
                                         <p:tgtEl>
                                           <p:spTgt spid="2">
                                             <p:txEl>
@@ -22721,11 +22804,6 @@
               </a:rPr>
               <a:t>information about topology of social landscape is in those subgroups: “social input” for the algorithm</a:t>
             </a:r>
-            <a:endParaRPr lang="en-US" sz="1400" dirty="0" err="1">
-              <a:solidFill>
-                <a:srgbClr val="FF0000"/>
-              </a:solidFill>
-            </a:endParaRPr>
           </a:p>
         </p:txBody>
       </p:sp>
@@ -24177,15 +24255,7 @@
                   <a:srgbClr val="FF0000"/>
                 </a:solidFill>
               </a:rPr>
-              <a:t>g</a:t>
-            </a:r>
-            <a:r>
-              <a:rPr lang="en-US" sz="1600" dirty="0" err="1">
-                <a:solidFill>
-                  <a:srgbClr val="FF0000"/>
-                </a:solidFill>
-              </a:rPr>
-              <a:t>enerate subsubgroups</a:t>
+              <a:t>generate subsubgroups</a:t>
             </a:r>
           </a:p>
         </p:txBody>
@@ -24220,11 +24290,6 @@
               </a:rPr>
               <a:t>count &amp; rank</a:t>
             </a:r>
-            <a:endParaRPr lang="en-US" sz="1600" dirty="0" err="1">
-              <a:solidFill>
-                <a:srgbClr val="FF0000"/>
-              </a:solidFill>
-            </a:endParaRPr>
           </a:p>
         </p:txBody>
       </p:sp>
@@ -24351,8 +24416,8 @@
           </a:fontRef>
         </p:style>
       </p:cxnSp>
-      <mc:AlternateContent xmlns:mc="http://schemas.openxmlformats.org/markup-compatibility/2006">
-        <mc:Choice xmlns:a14="http://schemas.microsoft.com/office/drawing/2010/main" Requires="a14">
+      <mc:AlternateContent xmlns:mc="http://schemas.openxmlformats.org/markup-compatibility/2006" xmlns:a14="http://schemas.microsoft.com/office/drawing/2010/main">
+        <mc:Choice Requires="a14">
           <p:sp>
             <p:nvSpPr>
               <p:cNvPr id="14" name="TextBox 13"/>
@@ -24375,6 +24440,7 @@
               </a:bodyPr>
               <a:lstStyle/>
               <a:p>
+                <a:pPr/>
                 <a14:m>
                   <m:oMathPara xmlns:m="http://schemas.openxmlformats.org/officeDocument/2006/math">
                     <m:oMathParaPr>
@@ -24450,7 +24516,7 @@
             </p:txBody>
           </p:sp>
         </mc:Choice>
-        <mc:Fallback>
+        <mc:Fallback xmlns="">
           <p:sp>
             <p:nvSpPr>
               <p:cNvPr id="14" name="TextBox 13"/>
